--- a/Mobile_Price_Prediction.pptx
+++ b/Mobile_Price_Prediction.pptx
@@ -6,14 +6,15 @@
   </p:sldMasterIdLst>
   <p:sldIdLst>
     <p:sldId id="257" r:id="rId2"/>
-    <p:sldId id="258" r:id="rId3"/>
-    <p:sldId id="259" r:id="rId4"/>
-    <p:sldId id="260" r:id="rId5"/>
+    <p:sldId id="259" r:id="rId3"/>
+    <p:sldId id="260" r:id="rId4"/>
+    <p:sldId id="258" r:id="rId5"/>
     <p:sldId id="261" r:id="rId6"/>
     <p:sldId id="262" r:id="rId7"/>
     <p:sldId id="263" r:id="rId8"/>
     <p:sldId id="264" r:id="rId9"/>
-    <p:sldId id="265" r:id="rId10"/>
+    <p:sldId id="266" r:id="rId10"/>
+    <p:sldId id="265" r:id="rId11"/>
   </p:sldIdLst>
   <p:sldSz cx="12192000" cy="6858000"/>
   <p:notesSz cx="6858000" cy="9144000"/>
@@ -112,6 +113,11 @@
       </a:defRPr>
     </a:lvl9pPr>
   </p:defaultTextStyle>
+  <p:extLst>
+    <p:ext uri="{EFAFB233-063F-42B5-8137-9DF3F51BA10A}">
+      <p15:sldGuideLst xmlns:p15="http://schemas.microsoft.com/office/powerpoint/2012/main"/>
+    </p:ext>
+  </p:extLst>
 </p:presentation>
 </file>
 
@@ -3729,7 +3735,7 @@
         </a:bodyPr>
         <a:lstStyle/>
         <a:p>
-          <a:pPr marL="0" lvl="0" indent="0" algn="l" defTabSz="1422400">
+          <a:pPr marL="0" lvl="0" indent="0" algn="l" defTabSz="1377950">
             <a:lnSpc>
               <a:spcPct val="90000"/>
             </a:lnSpc>
@@ -3742,10 +3748,10 @@
             <a:buNone/>
           </a:pPr>
           <a:r>
-            <a:rPr lang="en-US" sz="3200" kern="1200"/>
+            <a:rPr lang="en-US" sz="3100" kern="1200"/>
             <a:t>01</a:t>
           </a:r>
-          <a:endParaRPr lang="en-US" sz="3200" kern="1200" dirty="0"/>
+          <a:endParaRPr lang="en-US" sz="3100" kern="1200" dirty="0"/>
         </a:p>
       </dsp:txBody>
       <dsp:txXfrm>
@@ -3873,7 +3879,7 @@
         </a:bodyPr>
         <a:lstStyle/>
         <a:p>
-          <a:pPr marL="0" lvl="0" indent="0" algn="l" defTabSz="1422400">
+          <a:pPr marL="0" lvl="0" indent="0" algn="l" defTabSz="1377950">
             <a:lnSpc>
               <a:spcPct val="90000"/>
             </a:lnSpc>
@@ -3886,7 +3892,7 @@
             <a:buNone/>
           </a:pPr>
           <a:r>
-            <a:rPr lang="en-US" sz="3200" kern="1200"/>
+            <a:rPr lang="en-US" sz="3100" kern="1200"/>
             <a:t>02</a:t>
           </a:r>
         </a:p>
@@ -4016,7 +4022,7 @@
         </a:bodyPr>
         <a:lstStyle/>
         <a:p>
-          <a:pPr marL="0" lvl="0" indent="0" algn="l" defTabSz="1422400">
+          <a:pPr marL="0" lvl="0" indent="0" algn="l" defTabSz="1377950">
             <a:lnSpc>
               <a:spcPct val="90000"/>
             </a:lnSpc>
@@ -4029,7 +4035,7 @@
             <a:buNone/>
           </a:pPr>
           <a:r>
-            <a:rPr lang="en-US" sz="3200" kern="1200"/>
+            <a:rPr lang="en-US" sz="3100" kern="1200"/>
             <a:t>03</a:t>
           </a:r>
         </a:p>
@@ -4159,7 +4165,7 @@
         </a:bodyPr>
         <a:lstStyle/>
         <a:p>
-          <a:pPr marL="0" lvl="0" indent="0" algn="l" defTabSz="1422400">
+          <a:pPr marL="0" lvl="0" indent="0" algn="l" defTabSz="1377950">
             <a:lnSpc>
               <a:spcPct val="90000"/>
             </a:lnSpc>
@@ -4172,10 +4178,10 @@
             <a:buNone/>
           </a:pPr>
           <a:r>
-            <a:rPr lang="en-US" sz="3200" kern="1200"/>
+            <a:rPr lang="en-US" sz="3100" kern="1200"/>
             <a:t>04</a:t>
           </a:r>
-          <a:endParaRPr lang="en-US" sz="3200" kern="1200" dirty="0"/>
+          <a:endParaRPr lang="en-US" sz="3100" kern="1200" dirty="0"/>
         </a:p>
       </dsp:txBody>
       <dsp:txXfrm>
@@ -4303,7 +4309,7 @@
         </a:bodyPr>
         <a:lstStyle/>
         <a:p>
-          <a:pPr marL="0" lvl="0" indent="0" algn="l" defTabSz="1422400">
+          <a:pPr marL="0" lvl="0" indent="0" algn="l" defTabSz="1377950">
             <a:lnSpc>
               <a:spcPct val="90000"/>
             </a:lnSpc>
@@ -4316,7 +4322,7 @@
             <a:buNone/>
           </a:pPr>
           <a:r>
-            <a:rPr lang="en-US" sz="3200" kern="1200"/>
+            <a:rPr lang="en-US" sz="3100" kern="1200"/>
             <a:t>05</a:t>
           </a:r>
         </a:p>
@@ -4446,7 +4452,7 @@
         </a:bodyPr>
         <a:lstStyle/>
         <a:p>
-          <a:pPr marL="0" lvl="0" indent="0" algn="l" defTabSz="1422400">
+          <a:pPr marL="0" lvl="0" indent="0" algn="l" defTabSz="1377950">
             <a:lnSpc>
               <a:spcPct val="90000"/>
             </a:lnSpc>
@@ -4459,7 +4465,7 @@
             <a:buNone/>
           </a:pPr>
           <a:r>
-            <a:rPr lang="en-US" sz="3200" kern="1200"/>
+            <a:rPr lang="en-US" sz="3100" kern="1200"/>
             <a:t>06</a:t>
           </a:r>
         </a:p>
@@ -11483,7 +11489,7 @@
           <a:p>
             <a:fld id="{8F72BA41-EC5B-4197-BCC8-0FD2E523CD7A}" type="datetimeFigureOut">
               <a:rPr lang="en-US" smtClean="0"/>
-              <a:t>4/27/2023</a:t>
+              <a:t>4/28/2023</a:t>
             </a:fld>
             <a:endParaRPr lang="en-US"/>
           </a:p>
@@ -11686,7 +11692,7 @@
           <a:p>
             <a:fld id="{8F72BA41-EC5B-4197-BCC8-0FD2E523CD7A}" type="datetimeFigureOut">
               <a:rPr lang="en-US" smtClean="0"/>
-              <a:t>4/27/2023</a:t>
+              <a:t>4/28/2023</a:t>
             </a:fld>
             <a:endParaRPr lang="en-US"/>
           </a:p>
@@ -13407,7 +13413,7 @@
           <a:p>
             <a:fld id="{8F72BA41-EC5B-4197-BCC8-0FD2E523CD7A}" type="datetimeFigureOut">
               <a:rPr lang="en-US" smtClean="0"/>
-              <a:t>4/27/2023</a:t>
+              <a:t>4/28/2023</a:t>
             </a:fld>
             <a:endParaRPr lang="en-US"/>
           </a:p>
@@ -13606,7 +13612,7 @@
           <a:p>
             <a:fld id="{8F72BA41-EC5B-4197-BCC8-0FD2E523CD7A}" type="datetimeFigureOut">
               <a:rPr lang="en-US" smtClean="0"/>
-              <a:t>4/27/2023</a:t>
+              <a:t>4/28/2023</a:t>
             </a:fld>
             <a:endParaRPr lang="en-US"/>
           </a:p>
@@ -15396,7 +15402,7 @@
           <a:p>
             <a:fld id="{8F72BA41-EC5B-4197-BCC8-0FD2E523CD7A}" type="datetimeFigureOut">
               <a:rPr lang="en-US" smtClean="0"/>
-              <a:t>4/27/2023</a:t>
+              <a:t>4/28/2023</a:t>
             </a:fld>
             <a:endParaRPr lang="en-US"/>
           </a:p>
@@ -15669,7 +15675,7 @@
           <a:p>
             <a:fld id="{8F72BA41-EC5B-4197-BCC8-0FD2E523CD7A}" type="datetimeFigureOut">
               <a:rPr lang="en-US" smtClean="0"/>
-              <a:t>4/27/2023</a:t>
+              <a:t>4/28/2023</a:t>
             </a:fld>
             <a:endParaRPr lang="en-US"/>
           </a:p>
@@ -16089,7 +16095,7 @@
           <a:p>
             <a:fld id="{8F72BA41-EC5B-4197-BCC8-0FD2E523CD7A}" type="datetimeFigureOut">
               <a:rPr lang="en-US" smtClean="0"/>
-              <a:t>4/27/2023</a:t>
+              <a:t>4/28/2023</a:t>
             </a:fld>
             <a:endParaRPr lang="en-US"/>
           </a:p>
@@ -16245,7 +16251,7 @@
           <a:p>
             <a:fld id="{8F72BA41-EC5B-4197-BCC8-0FD2E523CD7A}" type="datetimeFigureOut">
               <a:rPr lang="en-US" smtClean="0"/>
-              <a:t>4/27/2023</a:t>
+              <a:t>4/28/2023</a:t>
             </a:fld>
             <a:endParaRPr lang="en-US"/>
           </a:p>
@@ -17813,7 +17819,7 @@
           <a:p>
             <a:fld id="{8F72BA41-EC5B-4197-BCC8-0FD2E523CD7A}" type="datetimeFigureOut">
               <a:rPr lang="en-US" smtClean="0"/>
-              <a:t>4/27/2023</a:t>
+              <a:t>4/28/2023</a:t>
             </a:fld>
             <a:endParaRPr lang="en-US"/>
           </a:p>
@@ -19664,7 +19670,7 @@
           <a:p>
             <a:fld id="{8F72BA41-EC5B-4197-BCC8-0FD2E523CD7A}" type="datetimeFigureOut">
               <a:rPr lang="en-US" smtClean="0"/>
-              <a:t>4/27/2023</a:t>
+              <a:t>4/28/2023</a:t>
             </a:fld>
             <a:endParaRPr lang="en-US"/>
           </a:p>
@@ -21477,7 +21483,7 @@
           <a:p>
             <a:fld id="{8F72BA41-EC5B-4197-BCC8-0FD2E523CD7A}" type="datetimeFigureOut">
               <a:rPr lang="en-US" smtClean="0"/>
-              <a:t>4/27/2023</a:t>
+              <a:t>4/28/2023</a:t>
             </a:fld>
             <a:endParaRPr lang="en-US"/>
           </a:p>
@@ -23171,7 +23177,7 @@
             <a:fld id="{8F72BA41-EC5B-4197-BCC8-0FD2E523CD7A}" type="datetimeFigureOut">
               <a:rPr lang="en-US" smtClean="0"/>
               <a:pPr/>
-              <a:t>4/27/2023</a:t>
+              <a:t>4/28/2023</a:t>
             </a:fld>
             <a:endParaRPr lang="en-US" dirty="0"/>
           </a:p>
@@ -25864,7 +25870,7 @@
 </p:sld>
 </file>
 
-<file path=ppt/slides/slide2.xml><?xml version="1.0" encoding="utf-8"?>
+<file path=ppt/slides/slide10.xml><?xml version="1.0" encoding="utf-8"?>
 <p:sld xmlns:a="http://schemas.openxmlformats.org/drawingml/2006/main" xmlns:r="http://schemas.openxmlformats.org/officeDocument/2006/relationships" xmlns:p="http://schemas.openxmlformats.org/presentationml/2006/main">
   <p:cSld>
     <p:bg>
@@ -25891,10 +25897,10 @@
       </p:grpSpPr>
       <p:sp useBgFill="1">
         <p:nvSpPr>
-          <p:cNvPr id="9" name="Rectangle 8">
+          <p:cNvPr id="8" name="Rectangle 7">
             <a:extLst>
               <a:ext uri="{FF2B5EF4-FFF2-40B4-BE49-F238E27FC236}">
-                <a16:creationId xmlns:a16="http://schemas.microsoft.com/office/drawing/2014/main" id="{9663BDD8-36FC-48B0-8862-3B51BE4F77DA}"/>
+                <a16:creationId xmlns:a16="http://schemas.microsoft.com/office/drawing/2014/main" id="{2FD1FEA2-AFB3-4160-AD46-30A807296446}"/>
               </a:ext>
               <a:ext uri="{C183D7F6-B498-43B3-948B-1728B52AA6E4}">
                 <adec:decorative xmlns:adec="http://schemas.microsoft.com/office/drawing/2017/decorative" val="1"/>
@@ -25915,7 +25921,7 @@
         <p:spPr>
           <a:xfrm>
             <a:off x="0" y="0"/>
-            <a:ext cx="12208613" cy="6858000"/>
+            <a:ext cx="12188952" cy="6858000"/>
           </a:xfrm>
           <a:prstGeom prst="rect">
             <a:avLst/>
@@ -25980,10 +25986,10 @@
       </p:sp>
       <p:grpSp>
         <p:nvGrpSpPr>
-          <p:cNvPr id="11" name="Group 10">
+          <p:cNvPr id="10" name="Group 9">
             <a:extLst>
               <a:ext uri="{FF2B5EF4-FFF2-40B4-BE49-F238E27FC236}">
-                <a16:creationId xmlns:a16="http://schemas.microsoft.com/office/drawing/2014/main" id="{C15A19D0-2BD2-47E7-A51B-B8083A14E791}"/>
+                <a16:creationId xmlns:a16="http://schemas.microsoft.com/office/drawing/2014/main" id="{514AF8D4-8E5C-4E3A-999F-1FE86654EE48}"/>
               </a:ext>
               <a:ext uri="{C183D7F6-B498-43B3-948B-1728B52AA6E4}">
                 <adec:decorative xmlns:adec="http://schemas.microsoft.com/office/drawing/2017/decorative" val="1"/>
@@ -26011,10 +26017,10 @@
         </p:grpSpPr>
         <p:cxnSp>
           <p:nvCxnSpPr>
-            <p:cNvPr id="12" name="Straight Connector 11">
-              <a:extLst>
-                <a:ext uri="{FF2B5EF4-FFF2-40B4-BE49-F238E27FC236}">
-                  <a16:creationId xmlns:a16="http://schemas.microsoft.com/office/drawing/2014/main" id="{F6641F14-42D8-42E0-8B56-FC0A08EB2E64}"/>
+            <p:cNvPr id="11" name="Straight Connector 10">
+              <a:extLst>
+                <a:ext uri="{FF2B5EF4-FFF2-40B4-BE49-F238E27FC236}">
+                  <a16:creationId xmlns:a16="http://schemas.microsoft.com/office/drawing/2014/main" id="{AA8BE230-DCEC-4180-B5D3-EA65C4A34369}"/>
                 </a:ext>
                 <a:ext uri="{C183D7F6-B498-43B3-948B-1728B52AA6E4}">
                   <adec:decorative xmlns:adec="http://schemas.microsoft.com/office/drawing/2017/decorative" val="1"/>
@@ -26066,10 +26072,10 @@
         </p:cxnSp>
         <p:cxnSp>
           <p:nvCxnSpPr>
-            <p:cNvPr id="13" name="Straight Connector 12">
-              <a:extLst>
-                <a:ext uri="{FF2B5EF4-FFF2-40B4-BE49-F238E27FC236}">
-                  <a16:creationId xmlns:a16="http://schemas.microsoft.com/office/drawing/2014/main" id="{3F3FEF18-8973-49F1-B984-81E630730368}"/>
+            <p:cNvPr id="12" name="Straight Connector 11">
+              <a:extLst>
+                <a:ext uri="{FF2B5EF4-FFF2-40B4-BE49-F238E27FC236}">
+                  <a16:creationId xmlns:a16="http://schemas.microsoft.com/office/drawing/2014/main" id="{54034248-80AA-4C75-A898-0CBAF23E74D3}"/>
                 </a:ext>
                 <a:ext uri="{C183D7F6-B498-43B3-948B-1728B52AA6E4}">
                   <adec:decorative xmlns:adec="http://schemas.microsoft.com/office/drawing/2017/decorative" val="1"/>
@@ -26121,10 +26127,10 @@
         </p:cxnSp>
         <p:cxnSp>
           <p:nvCxnSpPr>
-            <p:cNvPr id="14" name="Straight Connector 13">
-              <a:extLst>
-                <a:ext uri="{FF2B5EF4-FFF2-40B4-BE49-F238E27FC236}">
-                  <a16:creationId xmlns:a16="http://schemas.microsoft.com/office/drawing/2014/main" id="{28FEE187-7ECD-4C55-BE26-0DA3DDE0ED9B}"/>
+            <p:cNvPr id="13" name="Straight Connector 12">
+              <a:extLst>
+                <a:ext uri="{FF2B5EF4-FFF2-40B4-BE49-F238E27FC236}">
+                  <a16:creationId xmlns:a16="http://schemas.microsoft.com/office/drawing/2014/main" id="{B27431FC-0100-44D0-999E-3EF9B361E1DC}"/>
                 </a:ext>
                 <a:ext uri="{C183D7F6-B498-43B3-948B-1728B52AA6E4}">
                   <adec:decorative xmlns:adec="http://schemas.microsoft.com/office/drawing/2017/decorative" val="1"/>
@@ -26176,10 +26182,10 @@
         </p:cxnSp>
         <p:cxnSp>
           <p:nvCxnSpPr>
-            <p:cNvPr id="15" name="Straight Connector 14">
-              <a:extLst>
-                <a:ext uri="{FF2B5EF4-FFF2-40B4-BE49-F238E27FC236}">
-                  <a16:creationId xmlns:a16="http://schemas.microsoft.com/office/drawing/2014/main" id="{38708818-667C-4218-8552-2975EB0047EE}"/>
+            <p:cNvPr id="14" name="Straight Connector 13">
+              <a:extLst>
+                <a:ext uri="{FF2B5EF4-FFF2-40B4-BE49-F238E27FC236}">
+                  <a16:creationId xmlns:a16="http://schemas.microsoft.com/office/drawing/2014/main" id="{B71491DF-0796-4A80-B724-6CAAD85E5726}"/>
                 </a:ext>
                 <a:ext uri="{C183D7F6-B498-43B3-948B-1728B52AA6E4}">
                   <adec:decorative xmlns:adec="http://schemas.microsoft.com/office/drawing/2017/decorative" val="1"/>
@@ -26231,10 +26237,10 @@
         </p:cxnSp>
         <p:cxnSp>
           <p:nvCxnSpPr>
-            <p:cNvPr id="16" name="Straight Connector 15">
-              <a:extLst>
-                <a:ext uri="{FF2B5EF4-FFF2-40B4-BE49-F238E27FC236}">
-                  <a16:creationId xmlns:a16="http://schemas.microsoft.com/office/drawing/2014/main" id="{2FA1A626-67CE-4E24-974F-C432A21D1DE9}"/>
+            <p:cNvPr id="15" name="Straight Connector 14">
+              <a:extLst>
+                <a:ext uri="{FF2B5EF4-FFF2-40B4-BE49-F238E27FC236}">
+                  <a16:creationId xmlns:a16="http://schemas.microsoft.com/office/drawing/2014/main" id="{5C3FFC75-C94A-4427-85D1-26F0028AC683}"/>
                 </a:ext>
                 <a:ext uri="{C183D7F6-B498-43B3-948B-1728B52AA6E4}">
                   <adec:decorative xmlns:adec="http://schemas.microsoft.com/office/drawing/2017/decorative" val="1"/>
@@ -26286,10 +26292,10 @@
         </p:cxnSp>
         <p:cxnSp>
           <p:nvCxnSpPr>
-            <p:cNvPr id="17" name="Straight Connector 16">
-              <a:extLst>
-                <a:ext uri="{FF2B5EF4-FFF2-40B4-BE49-F238E27FC236}">
-                  <a16:creationId xmlns:a16="http://schemas.microsoft.com/office/drawing/2014/main" id="{70029D28-01D8-4EB8-B30C-79D6F14E6CB5}"/>
+            <p:cNvPr id="16" name="Straight Connector 15">
+              <a:extLst>
+                <a:ext uri="{FF2B5EF4-FFF2-40B4-BE49-F238E27FC236}">
+                  <a16:creationId xmlns:a16="http://schemas.microsoft.com/office/drawing/2014/main" id="{C0F1554D-792C-4554-B623-F99A47B1B297}"/>
                 </a:ext>
                 <a:ext uri="{C183D7F6-B498-43B3-948B-1728B52AA6E4}">
                   <adec:decorative xmlns:adec="http://schemas.microsoft.com/office/drawing/2017/decorative" val="1"/>
@@ -26341,10 +26347,10 @@
         </p:cxnSp>
         <p:cxnSp>
           <p:nvCxnSpPr>
-            <p:cNvPr id="18" name="Straight Connector 17">
-              <a:extLst>
-                <a:ext uri="{FF2B5EF4-FFF2-40B4-BE49-F238E27FC236}">
-                  <a16:creationId xmlns:a16="http://schemas.microsoft.com/office/drawing/2014/main" id="{124E501C-EBFD-4E76-8F7F-9EFA76EFFD78}"/>
+            <p:cNvPr id="17" name="Straight Connector 16">
+              <a:extLst>
+                <a:ext uri="{FF2B5EF4-FFF2-40B4-BE49-F238E27FC236}">
+                  <a16:creationId xmlns:a16="http://schemas.microsoft.com/office/drawing/2014/main" id="{46371075-9273-4FF4-A45B-606B943060D3}"/>
                 </a:ext>
                 <a:ext uri="{C183D7F6-B498-43B3-948B-1728B52AA6E4}">
                   <adec:decorative xmlns:adec="http://schemas.microsoft.com/office/drawing/2017/decorative" val="1"/>
@@ -26396,10 +26402,10 @@
         </p:cxnSp>
         <p:cxnSp>
           <p:nvCxnSpPr>
-            <p:cNvPr id="19" name="Straight Connector 18">
-              <a:extLst>
-                <a:ext uri="{FF2B5EF4-FFF2-40B4-BE49-F238E27FC236}">
-                  <a16:creationId xmlns:a16="http://schemas.microsoft.com/office/drawing/2014/main" id="{404596B9-52A8-4717-8158-2204F86D95B1}"/>
+            <p:cNvPr id="18" name="Straight Connector 17">
+              <a:extLst>
+                <a:ext uri="{FF2B5EF4-FFF2-40B4-BE49-F238E27FC236}">
+                  <a16:creationId xmlns:a16="http://schemas.microsoft.com/office/drawing/2014/main" id="{7844A38F-298C-477B-8764-0A32E50DD659}"/>
                 </a:ext>
                 <a:ext uri="{C183D7F6-B498-43B3-948B-1728B52AA6E4}">
                   <adec:decorative xmlns:adec="http://schemas.microsoft.com/office/drawing/2017/decorative" val="1"/>
@@ -26451,10 +26457,10 @@
         </p:cxnSp>
         <p:cxnSp>
           <p:nvCxnSpPr>
-            <p:cNvPr id="20" name="Straight Connector 19">
-              <a:extLst>
-                <a:ext uri="{FF2B5EF4-FFF2-40B4-BE49-F238E27FC236}">
-                  <a16:creationId xmlns:a16="http://schemas.microsoft.com/office/drawing/2014/main" id="{F1EC080A-A9BB-467A-92A9-D597436B743D}"/>
+            <p:cNvPr id="19" name="Straight Connector 18">
+              <a:extLst>
+                <a:ext uri="{FF2B5EF4-FFF2-40B4-BE49-F238E27FC236}">
+                  <a16:creationId xmlns:a16="http://schemas.microsoft.com/office/drawing/2014/main" id="{9F78CA47-3A09-4651-B57D-690F14C783F4}"/>
                 </a:ext>
                 <a:ext uri="{C183D7F6-B498-43B3-948B-1728B52AA6E4}">
                   <adec:decorative xmlns:adec="http://schemas.microsoft.com/office/drawing/2017/decorative" val="1"/>
@@ -26506,10 +26512,10 @@
         </p:cxnSp>
         <p:cxnSp>
           <p:nvCxnSpPr>
-            <p:cNvPr id="21" name="Straight Connector 20">
-              <a:extLst>
-                <a:ext uri="{FF2B5EF4-FFF2-40B4-BE49-F238E27FC236}">
-                  <a16:creationId xmlns:a16="http://schemas.microsoft.com/office/drawing/2014/main" id="{F65DD030-3FCC-4380-B680-8E171845F27B}"/>
+            <p:cNvPr id="20" name="Straight Connector 19">
+              <a:extLst>
+                <a:ext uri="{FF2B5EF4-FFF2-40B4-BE49-F238E27FC236}">
+                  <a16:creationId xmlns:a16="http://schemas.microsoft.com/office/drawing/2014/main" id="{4CB69771-B806-4E29-834E-E0BBE273B82E}"/>
                 </a:ext>
                 <a:ext uri="{C183D7F6-B498-43B3-948B-1728B52AA6E4}">
                   <adec:decorative xmlns:adec="http://schemas.microsoft.com/office/drawing/2017/decorative" val="1"/>
@@ -26561,10 +26567,10 @@
         </p:cxnSp>
         <p:cxnSp>
           <p:nvCxnSpPr>
-            <p:cNvPr id="22" name="Straight Connector 21">
-              <a:extLst>
-                <a:ext uri="{FF2B5EF4-FFF2-40B4-BE49-F238E27FC236}">
-                  <a16:creationId xmlns:a16="http://schemas.microsoft.com/office/drawing/2014/main" id="{F015E10D-03D4-4A67-8377-5B0A55F3D07B}"/>
+            <p:cNvPr id="21" name="Straight Connector 20">
+              <a:extLst>
+                <a:ext uri="{FF2B5EF4-FFF2-40B4-BE49-F238E27FC236}">
+                  <a16:creationId xmlns:a16="http://schemas.microsoft.com/office/drawing/2014/main" id="{027EE3C0-1B82-43F3-AF55-5D1D6FBF47AD}"/>
                 </a:ext>
                 <a:ext uri="{C183D7F6-B498-43B3-948B-1728B52AA6E4}">
                   <adec:decorative xmlns:adec="http://schemas.microsoft.com/office/drawing/2017/decorative" val="1"/>
@@ -26616,10 +26622,10 @@
         </p:cxnSp>
         <p:cxnSp>
           <p:nvCxnSpPr>
-            <p:cNvPr id="23" name="Straight Connector 22">
-              <a:extLst>
-                <a:ext uri="{FF2B5EF4-FFF2-40B4-BE49-F238E27FC236}">
-                  <a16:creationId xmlns:a16="http://schemas.microsoft.com/office/drawing/2014/main" id="{2DB96670-ACA9-42B6-87A2-E4119998998A}"/>
+            <p:cNvPr id="22" name="Straight Connector 21">
+              <a:extLst>
+                <a:ext uri="{FF2B5EF4-FFF2-40B4-BE49-F238E27FC236}">
+                  <a16:creationId xmlns:a16="http://schemas.microsoft.com/office/drawing/2014/main" id="{91898DA7-BA6E-4B4C-8139-596D59F48211}"/>
                 </a:ext>
                 <a:ext uri="{C183D7F6-B498-43B3-948B-1728B52AA6E4}">
                   <adec:decorative xmlns:adec="http://schemas.microsoft.com/office/drawing/2017/decorative" val="1"/>
@@ -26671,10 +26677,10 @@
         </p:cxnSp>
         <p:cxnSp>
           <p:nvCxnSpPr>
-            <p:cNvPr id="24" name="Straight Connector 23">
-              <a:extLst>
-                <a:ext uri="{FF2B5EF4-FFF2-40B4-BE49-F238E27FC236}">
-                  <a16:creationId xmlns:a16="http://schemas.microsoft.com/office/drawing/2014/main" id="{A2BC8247-310E-48D0-9CEF-43BC6E41A2C5}"/>
+            <p:cNvPr id="23" name="Straight Connector 22">
+              <a:extLst>
+                <a:ext uri="{FF2B5EF4-FFF2-40B4-BE49-F238E27FC236}">
+                  <a16:creationId xmlns:a16="http://schemas.microsoft.com/office/drawing/2014/main" id="{8F121E84-2FAA-4948-B3B3-F1FE69ED8776}"/>
                 </a:ext>
                 <a:ext uri="{C183D7F6-B498-43B3-948B-1728B52AA6E4}">
                   <adec:decorative xmlns:adec="http://schemas.microsoft.com/office/drawing/2017/decorative" val="1"/>
@@ -26726,10 +26732,10 @@
         </p:cxnSp>
         <p:cxnSp>
           <p:nvCxnSpPr>
-            <p:cNvPr id="25" name="Straight Connector 24">
-              <a:extLst>
-                <a:ext uri="{FF2B5EF4-FFF2-40B4-BE49-F238E27FC236}">
-                  <a16:creationId xmlns:a16="http://schemas.microsoft.com/office/drawing/2014/main" id="{32F09D0F-F86F-4AA5-AB1D-AAB1E5BA9228}"/>
+            <p:cNvPr id="24" name="Straight Connector 23">
+              <a:extLst>
+                <a:ext uri="{FF2B5EF4-FFF2-40B4-BE49-F238E27FC236}">
+                  <a16:creationId xmlns:a16="http://schemas.microsoft.com/office/drawing/2014/main" id="{F1C2C1AC-3864-47AA-B22A-D350A3A04E7E}"/>
                 </a:ext>
                 <a:ext uri="{C183D7F6-B498-43B3-948B-1728B52AA6E4}">
                   <adec:decorative xmlns:adec="http://schemas.microsoft.com/office/drawing/2017/decorative" val="1"/>
@@ -26781,10 +26787,10 @@
         </p:cxnSp>
         <p:cxnSp>
           <p:nvCxnSpPr>
-            <p:cNvPr id="26" name="Straight Connector 25">
-              <a:extLst>
-                <a:ext uri="{FF2B5EF4-FFF2-40B4-BE49-F238E27FC236}">
-                  <a16:creationId xmlns:a16="http://schemas.microsoft.com/office/drawing/2014/main" id="{09569AF0-6598-4FCC-803D-B3C3DE030B64}"/>
+            <p:cNvPr id="25" name="Straight Connector 24">
+              <a:extLst>
+                <a:ext uri="{FF2B5EF4-FFF2-40B4-BE49-F238E27FC236}">
+                  <a16:creationId xmlns:a16="http://schemas.microsoft.com/office/drawing/2014/main" id="{2DFADCA4-3AD3-4D6C-81B7-259F20359438}"/>
                 </a:ext>
                 <a:ext uri="{C183D7F6-B498-43B3-948B-1728B52AA6E4}">
                   <adec:decorative xmlns:adec="http://schemas.microsoft.com/office/drawing/2017/decorative" val="1"/>
@@ -26836,10 +26842,10 @@
         </p:cxnSp>
         <p:cxnSp>
           <p:nvCxnSpPr>
-            <p:cNvPr id="27" name="Straight Connector 26">
-              <a:extLst>
-                <a:ext uri="{FF2B5EF4-FFF2-40B4-BE49-F238E27FC236}">
-                  <a16:creationId xmlns:a16="http://schemas.microsoft.com/office/drawing/2014/main" id="{91B68A9D-7921-44B8-8464-E36F028EEAF0}"/>
+            <p:cNvPr id="26" name="Straight Connector 25">
+              <a:extLst>
+                <a:ext uri="{FF2B5EF4-FFF2-40B4-BE49-F238E27FC236}">
+                  <a16:creationId xmlns:a16="http://schemas.microsoft.com/office/drawing/2014/main" id="{46D515CD-A4F0-4B0A-B6BB-11A2774FBBB7}"/>
                 </a:ext>
                 <a:ext uri="{C183D7F6-B498-43B3-948B-1728B52AA6E4}">
                   <adec:decorative xmlns:adec="http://schemas.microsoft.com/office/drawing/2017/decorative" val="1"/>
@@ -26891,10 +26897,10 @@
         </p:cxnSp>
         <p:cxnSp>
           <p:nvCxnSpPr>
-            <p:cNvPr id="28" name="Straight Connector 27">
-              <a:extLst>
-                <a:ext uri="{FF2B5EF4-FFF2-40B4-BE49-F238E27FC236}">
-                  <a16:creationId xmlns:a16="http://schemas.microsoft.com/office/drawing/2014/main" id="{F68EB3D7-2443-4764-9991-B691C090C0AC}"/>
+            <p:cNvPr id="27" name="Straight Connector 26">
+              <a:extLst>
+                <a:ext uri="{FF2B5EF4-FFF2-40B4-BE49-F238E27FC236}">
+                  <a16:creationId xmlns:a16="http://schemas.microsoft.com/office/drawing/2014/main" id="{5CB97DD1-8D17-426C-BC2A-B34FE5836844}"/>
                 </a:ext>
                 <a:ext uri="{C183D7F6-B498-43B3-948B-1728B52AA6E4}">
                   <adec:decorative xmlns:adec="http://schemas.microsoft.com/office/drawing/2017/decorative" val="1"/>
@@ -26946,10 +26952,10 @@
         </p:cxnSp>
         <p:cxnSp>
           <p:nvCxnSpPr>
-            <p:cNvPr id="29" name="Straight Connector 28">
-              <a:extLst>
-                <a:ext uri="{FF2B5EF4-FFF2-40B4-BE49-F238E27FC236}">
-                  <a16:creationId xmlns:a16="http://schemas.microsoft.com/office/drawing/2014/main" id="{DA6128C1-7748-441C-94E4-1874BB57790E}"/>
+            <p:cNvPr id="28" name="Straight Connector 27">
+              <a:extLst>
+                <a:ext uri="{FF2B5EF4-FFF2-40B4-BE49-F238E27FC236}">
+                  <a16:creationId xmlns:a16="http://schemas.microsoft.com/office/drawing/2014/main" id="{05865967-B063-41EC-85BC-A5CF90367EE2}"/>
                 </a:ext>
                 <a:ext uri="{C183D7F6-B498-43B3-948B-1728B52AA6E4}">
                   <adec:decorative xmlns:adec="http://schemas.microsoft.com/office/drawing/2017/decorative" val="1"/>
@@ -27001,10 +27007,10 @@
         </p:cxnSp>
         <p:cxnSp>
           <p:nvCxnSpPr>
-            <p:cNvPr id="30" name="Straight Connector 29">
-              <a:extLst>
-                <a:ext uri="{FF2B5EF4-FFF2-40B4-BE49-F238E27FC236}">
-                  <a16:creationId xmlns:a16="http://schemas.microsoft.com/office/drawing/2014/main" id="{8276682F-0434-4D7E-B400-2DF99D969B4C}"/>
+            <p:cNvPr id="29" name="Straight Connector 28">
+              <a:extLst>
+                <a:ext uri="{FF2B5EF4-FFF2-40B4-BE49-F238E27FC236}">
+                  <a16:creationId xmlns:a16="http://schemas.microsoft.com/office/drawing/2014/main" id="{FBC63DB2-5B99-42B5-9B7F-826B0BD876F0}"/>
                 </a:ext>
                 <a:ext uri="{C183D7F6-B498-43B3-948B-1728B52AA6E4}">
                   <adec:decorative xmlns:adec="http://schemas.microsoft.com/office/drawing/2017/decorative" val="1"/>
@@ -27056,10 +27062,10 @@
         </p:cxnSp>
         <p:cxnSp>
           <p:nvCxnSpPr>
-            <p:cNvPr id="31" name="Straight Connector 30">
-              <a:extLst>
-                <a:ext uri="{FF2B5EF4-FFF2-40B4-BE49-F238E27FC236}">
-                  <a16:creationId xmlns:a16="http://schemas.microsoft.com/office/drawing/2014/main" id="{1CD2F02B-2688-4DCD-9610-1C086528FCC7}"/>
+            <p:cNvPr id="30" name="Straight Connector 29">
+              <a:extLst>
+                <a:ext uri="{FF2B5EF4-FFF2-40B4-BE49-F238E27FC236}">
+                  <a16:creationId xmlns:a16="http://schemas.microsoft.com/office/drawing/2014/main" id="{46B694AB-9FC1-4857-A6CD-1FEC6D183DA2}"/>
                 </a:ext>
                 <a:ext uri="{C183D7F6-B498-43B3-948B-1728B52AA6E4}">
                   <adec:decorative xmlns:adec="http://schemas.microsoft.com/office/drawing/2017/decorative" val="1"/>
@@ -27111,10 +27117,10 @@
         </p:cxnSp>
         <p:cxnSp>
           <p:nvCxnSpPr>
-            <p:cNvPr id="32" name="Straight Connector 31">
-              <a:extLst>
-                <a:ext uri="{FF2B5EF4-FFF2-40B4-BE49-F238E27FC236}">
-                  <a16:creationId xmlns:a16="http://schemas.microsoft.com/office/drawing/2014/main" id="{0BA0DA4B-915F-4A6D-8368-BE7B53E426CB}"/>
+            <p:cNvPr id="31" name="Straight Connector 30">
+              <a:extLst>
+                <a:ext uri="{FF2B5EF4-FFF2-40B4-BE49-F238E27FC236}">
+                  <a16:creationId xmlns:a16="http://schemas.microsoft.com/office/drawing/2014/main" id="{C42AE103-97D9-407D-BCE0-9FA4756612B5}"/>
                 </a:ext>
                 <a:ext uri="{C183D7F6-B498-43B3-948B-1728B52AA6E4}">
                   <adec:decorative xmlns:adec="http://schemas.microsoft.com/office/drawing/2017/decorative" val="1"/>
@@ -27166,10 +27172,10 @@
         </p:cxnSp>
         <p:cxnSp>
           <p:nvCxnSpPr>
-            <p:cNvPr id="33" name="Straight Connector 32">
-              <a:extLst>
-                <a:ext uri="{FF2B5EF4-FFF2-40B4-BE49-F238E27FC236}">
-                  <a16:creationId xmlns:a16="http://schemas.microsoft.com/office/drawing/2014/main" id="{601711BC-8D96-4E1F-934B-9E382A617A53}"/>
+            <p:cNvPr id="32" name="Straight Connector 31">
+              <a:extLst>
+                <a:ext uri="{FF2B5EF4-FFF2-40B4-BE49-F238E27FC236}">
+                  <a16:creationId xmlns:a16="http://schemas.microsoft.com/office/drawing/2014/main" id="{730AC9FC-9BF1-4F78-B0F9-4E024D0C6D74}"/>
                 </a:ext>
                 <a:ext uri="{C183D7F6-B498-43B3-948B-1728B52AA6E4}">
                   <adec:decorative xmlns:adec="http://schemas.microsoft.com/office/drawing/2017/decorative" val="1"/>
@@ -27221,10 +27227,10 @@
         </p:cxnSp>
         <p:cxnSp>
           <p:nvCxnSpPr>
-            <p:cNvPr id="34" name="Straight Connector 33">
-              <a:extLst>
-                <a:ext uri="{FF2B5EF4-FFF2-40B4-BE49-F238E27FC236}">
-                  <a16:creationId xmlns:a16="http://schemas.microsoft.com/office/drawing/2014/main" id="{4364551E-CB94-4200-809A-9E33122BA620}"/>
+            <p:cNvPr id="33" name="Straight Connector 32">
+              <a:extLst>
+                <a:ext uri="{FF2B5EF4-FFF2-40B4-BE49-F238E27FC236}">
+                  <a16:creationId xmlns:a16="http://schemas.microsoft.com/office/drawing/2014/main" id="{6C77E885-6F2C-4E94-88DF-7E6BEF98ACC4}"/>
                 </a:ext>
                 <a:ext uri="{C183D7F6-B498-43B3-948B-1728B52AA6E4}">
                   <adec:decorative xmlns:adec="http://schemas.microsoft.com/office/drawing/2017/decorative" val="1"/>
@@ -27276,10 +27282,10 @@
         </p:cxnSp>
         <p:cxnSp>
           <p:nvCxnSpPr>
-            <p:cNvPr id="35" name="Straight Connector 34">
-              <a:extLst>
-                <a:ext uri="{FF2B5EF4-FFF2-40B4-BE49-F238E27FC236}">
-                  <a16:creationId xmlns:a16="http://schemas.microsoft.com/office/drawing/2014/main" id="{464389BE-74F0-4F54-9DE0-2BCB33C78FA0}"/>
+            <p:cNvPr id="34" name="Straight Connector 33">
+              <a:extLst>
+                <a:ext uri="{FF2B5EF4-FFF2-40B4-BE49-F238E27FC236}">
+                  <a16:creationId xmlns:a16="http://schemas.microsoft.com/office/drawing/2014/main" id="{262840B5-21D6-4B05-802E-549F1A92A1FE}"/>
                 </a:ext>
                 <a:ext uri="{C183D7F6-B498-43B3-948B-1728B52AA6E4}">
                   <adec:decorative xmlns:adec="http://schemas.microsoft.com/office/drawing/2017/decorative" val="1"/>
@@ -27331,10 +27337,10 @@
         </p:cxnSp>
         <p:cxnSp>
           <p:nvCxnSpPr>
-            <p:cNvPr id="36" name="Straight Connector 35">
-              <a:extLst>
-                <a:ext uri="{FF2B5EF4-FFF2-40B4-BE49-F238E27FC236}">
-                  <a16:creationId xmlns:a16="http://schemas.microsoft.com/office/drawing/2014/main" id="{26721F72-5343-46B1-AFC1-6DF4FF7710D3}"/>
+            <p:cNvPr id="35" name="Straight Connector 34">
+              <a:extLst>
+                <a:ext uri="{FF2B5EF4-FFF2-40B4-BE49-F238E27FC236}">
+                  <a16:creationId xmlns:a16="http://schemas.microsoft.com/office/drawing/2014/main" id="{3B21055F-E4D5-474F-B6C7-C44BC1244BF3}"/>
                 </a:ext>
                 <a:ext uri="{C183D7F6-B498-43B3-948B-1728B52AA6E4}">
                   <adec:decorative xmlns:adec="http://schemas.microsoft.com/office/drawing/2017/decorative" val="1"/>
@@ -27386,10 +27392,10 @@
         </p:cxnSp>
         <p:cxnSp>
           <p:nvCxnSpPr>
-            <p:cNvPr id="37" name="Straight Connector 36">
-              <a:extLst>
-                <a:ext uri="{FF2B5EF4-FFF2-40B4-BE49-F238E27FC236}">
-                  <a16:creationId xmlns:a16="http://schemas.microsoft.com/office/drawing/2014/main" id="{D4A528A6-14EE-4010-93CB-95F75CB96EAE}"/>
+            <p:cNvPr id="36" name="Straight Connector 35">
+              <a:extLst>
+                <a:ext uri="{FF2B5EF4-FFF2-40B4-BE49-F238E27FC236}">
+                  <a16:creationId xmlns:a16="http://schemas.microsoft.com/office/drawing/2014/main" id="{8C49B031-FD8F-422C-AA54-9FB482600854}"/>
                 </a:ext>
                 <a:ext uri="{C183D7F6-B498-43B3-948B-1728B52AA6E4}">
                   <adec:decorative xmlns:adec="http://schemas.microsoft.com/office/drawing/2017/decorative" val="1"/>
@@ -27441,10 +27447,10 @@
         </p:cxnSp>
         <p:cxnSp>
           <p:nvCxnSpPr>
-            <p:cNvPr id="38" name="Straight Connector 37">
-              <a:extLst>
-                <a:ext uri="{FF2B5EF4-FFF2-40B4-BE49-F238E27FC236}">
-                  <a16:creationId xmlns:a16="http://schemas.microsoft.com/office/drawing/2014/main" id="{9186140D-084D-4621-A556-65927AB449FD}"/>
+            <p:cNvPr id="37" name="Straight Connector 36">
+              <a:extLst>
+                <a:ext uri="{FF2B5EF4-FFF2-40B4-BE49-F238E27FC236}">
+                  <a16:creationId xmlns:a16="http://schemas.microsoft.com/office/drawing/2014/main" id="{FAF843B0-2A4F-4989-8B91-BDB7FECE7549}"/>
                 </a:ext>
                 <a:ext uri="{C183D7F6-B498-43B3-948B-1728B52AA6E4}">
                   <adec:decorative xmlns:adec="http://schemas.microsoft.com/office/drawing/2017/decorative" val="1"/>
@@ -27496,10 +27502,10 @@
         </p:cxnSp>
         <p:cxnSp>
           <p:nvCxnSpPr>
-            <p:cNvPr id="39" name="Straight Connector 38">
-              <a:extLst>
-                <a:ext uri="{FF2B5EF4-FFF2-40B4-BE49-F238E27FC236}">
-                  <a16:creationId xmlns:a16="http://schemas.microsoft.com/office/drawing/2014/main" id="{A2049A17-7EE3-4BEF-B630-AD0AB020E6AB}"/>
+            <p:cNvPr id="38" name="Straight Connector 37">
+              <a:extLst>
+                <a:ext uri="{FF2B5EF4-FFF2-40B4-BE49-F238E27FC236}">
+                  <a16:creationId xmlns:a16="http://schemas.microsoft.com/office/drawing/2014/main" id="{90BC5B75-FAF9-427D-BD65-D37C1BF973D2}"/>
                 </a:ext>
                 <a:ext uri="{C183D7F6-B498-43B3-948B-1728B52AA6E4}">
                   <adec:decorative xmlns:adec="http://schemas.microsoft.com/office/drawing/2017/decorative" val="1"/>
@@ -27551,10 +27557,10 @@
         </p:cxnSp>
         <p:cxnSp>
           <p:nvCxnSpPr>
-            <p:cNvPr id="40" name="Straight Connector 39">
-              <a:extLst>
-                <a:ext uri="{FF2B5EF4-FFF2-40B4-BE49-F238E27FC236}">
-                  <a16:creationId xmlns:a16="http://schemas.microsoft.com/office/drawing/2014/main" id="{0223B596-7D86-4AF3-AE7E-A696FEF1140D}"/>
+            <p:cNvPr id="39" name="Straight Connector 38">
+              <a:extLst>
+                <a:ext uri="{FF2B5EF4-FFF2-40B4-BE49-F238E27FC236}">
+                  <a16:creationId xmlns:a16="http://schemas.microsoft.com/office/drawing/2014/main" id="{B0BFA052-2C6E-4F70-BF95-50DAC0649E14}"/>
                 </a:ext>
                 <a:ext uri="{C183D7F6-B498-43B3-948B-1728B52AA6E4}">
                   <adec:decorative xmlns:adec="http://schemas.microsoft.com/office/drawing/2017/decorative" val="1"/>
@@ -27606,10 +27612,10 @@
         </p:cxnSp>
         <p:cxnSp>
           <p:nvCxnSpPr>
-            <p:cNvPr id="41" name="Straight Connector 40">
-              <a:extLst>
-                <a:ext uri="{FF2B5EF4-FFF2-40B4-BE49-F238E27FC236}">
-                  <a16:creationId xmlns:a16="http://schemas.microsoft.com/office/drawing/2014/main" id="{3F7FC8FA-C1DE-4F38-BCDA-464A54783EF8}"/>
+            <p:cNvPr id="40" name="Straight Connector 39">
+              <a:extLst>
+                <a:ext uri="{FF2B5EF4-FFF2-40B4-BE49-F238E27FC236}">
+                  <a16:creationId xmlns:a16="http://schemas.microsoft.com/office/drawing/2014/main" id="{CDD7C7F8-6562-470D-B38E-21F56B2AB21F}"/>
                 </a:ext>
                 <a:ext uri="{C183D7F6-B498-43B3-948B-1728B52AA6E4}">
                   <adec:decorative xmlns:adec="http://schemas.microsoft.com/office/drawing/2017/decorative" val="1"/>
@@ -27661,10 +27667,10 @@
         </p:cxnSp>
         <p:cxnSp>
           <p:nvCxnSpPr>
-            <p:cNvPr id="42" name="Straight Connector 41">
-              <a:extLst>
-                <a:ext uri="{FF2B5EF4-FFF2-40B4-BE49-F238E27FC236}">
-                  <a16:creationId xmlns:a16="http://schemas.microsoft.com/office/drawing/2014/main" id="{B5BEFE2E-F050-46F9-BAD0-939F37AA992F}"/>
+            <p:cNvPr id="41" name="Straight Connector 40">
+              <a:extLst>
+                <a:ext uri="{FF2B5EF4-FFF2-40B4-BE49-F238E27FC236}">
+                  <a16:creationId xmlns:a16="http://schemas.microsoft.com/office/drawing/2014/main" id="{06C7B2A1-F80D-4F4A-88E1-5FFB02B703B7}"/>
                 </a:ext>
                 <a:ext uri="{C183D7F6-B498-43B3-948B-1728B52AA6E4}">
                   <adec:decorative xmlns:adec="http://schemas.microsoft.com/office/drawing/2017/decorative" val="1"/>
@@ -27717,10 +27723,45 @@
       </p:grpSp>
       <p:sp>
         <p:nvSpPr>
-          <p:cNvPr id="44" name="Right Triangle 43">
+          <p:cNvPr id="2" name="Title 1">
             <a:extLst>
               <a:ext uri="{FF2B5EF4-FFF2-40B4-BE49-F238E27FC236}">
-                <a16:creationId xmlns:a16="http://schemas.microsoft.com/office/drawing/2014/main" id="{63D6C682-FD57-4DF7-854F-DD140E1E29B3}"/>
+                <a16:creationId xmlns:a16="http://schemas.microsoft.com/office/drawing/2014/main" id="{7DA2BC44-699A-0D63-5533-204DF6C372D0}"/>
+              </a:ext>
+            </a:extLst>
+          </p:cNvPr>
+          <p:cNvSpPr>
+            <a:spLocks noGrp="1"/>
+          </p:cNvSpPr>
+          <p:nvPr>
+            <p:ph type="title"/>
+          </p:nvPr>
+        </p:nvSpPr>
+        <p:spPr>
+          <a:xfrm>
+            <a:off x="691079" y="725952"/>
+            <a:ext cx="10325000" cy="1387118"/>
+          </a:xfrm>
+        </p:spPr>
+        <p:txBody>
+          <a:bodyPr>
+            <a:normAutofit/>
+          </a:bodyPr>
+          <a:lstStyle/>
+          <a:p>
+            <a:r>
+              <a:rPr lang="en-US" dirty="0"/>
+              <a:t>References</a:t>
+            </a:r>
+          </a:p>
+        </p:txBody>
+      </p:sp>
+      <p:sp>
+        <p:nvSpPr>
+          <p:cNvPr id="43" name="Right Triangle 42">
+            <a:extLst>
+              <a:ext uri="{FF2B5EF4-FFF2-40B4-BE49-F238E27FC236}">
+                <a16:creationId xmlns:a16="http://schemas.microsoft.com/office/drawing/2014/main" id="{9AA2BC59-928B-43C3-B9E7-D77D4F3EE7EA}"/>
               </a:ext>
               <a:ext uri="{C183D7F6-B498-43B3-948B-1728B52AA6E4}">
                 <adec:decorative xmlns:adec="http://schemas.microsoft.com/office/drawing/2017/decorative" val="1"/>
@@ -27740,7 +27781,7 @@
         </p:nvSpPr>
         <p:spPr>
           <a:xfrm rot="13500000">
-            <a:off x="-284142" y="1516213"/>
+            <a:off x="-295947" y="1516209"/>
             <a:ext cx="568289" cy="568289"/>
           </a:xfrm>
           <a:prstGeom prst="rtTriangle">
@@ -27811,10 +27852,10 @@
       </p:sp>
       <p:sp>
         <p:nvSpPr>
-          <p:cNvPr id="2" name="Title 1">
+          <p:cNvPr id="3" name="Content Placeholder 2">
             <a:extLst>
               <a:ext uri="{FF2B5EF4-FFF2-40B4-BE49-F238E27FC236}">
-                <a16:creationId xmlns:a16="http://schemas.microsoft.com/office/drawing/2014/main" id="{CD9E9A87-428E-E0CB-593B-C3AE592D06DC}"/>
+                <a16:creationId xmlns:a16="http://schemas.microsoft.com/office/drawing/2014/main" id="{65DD0712-6887-61FF-2CB0-A8C8EBFC4DAD}"/>
               </a:ext>
             </a:extLst>
           </p:cNvPr>
@@ -27822,13 +27863,13 @@
             <a:spLocks noGrp="1"/>
           </p:cNvSpPr>
           <p:nvPr>
-            <p:ph type="title"/>
+            <p:ph idx="1"/>
           </p:nvPr>
         </p:nvSpPr>
         <p:spPr>
           <a:xfrm>
-            <a:off x="691079" y="725951"/>
-            <a:ext cx="10325000" cy="1380515"/>
+            <a:off x="1202548" y="2340129"/>
+            <a:ext cx="8817702" cy="3836833"/>
           </a:xfrm>
         </p:spPr>
         <p:txBody>
@@ -27837,53 +27878,253 @@
           </a:bodyPr>
           <a:lstStyle/>
           <a:p>
+            <a:pPr marL="342900" marR="0" lvl="0" indent="-342900">
+              <a:lnSpc>
+                <a:spcPct val="100000"/>
+              </a:lnSpc>
+              <a:spcBef>
+                <a:spcPts val="0"/>
+              </a:spcBef>
+              <a:spcAft>
+                <a:spcPts val="0"/>
+              </a:spcAft>
+              <a:buFont typeface="+mj-lt"/>
+              <a:buAutoNum type="arabicPeriod"/>
+              <a:tabLst>
+                <a:tab pos="228600" algn="l"/>
+              </a:tabLst>
+            </a:pPr>
+            <a:r>
+              <a:rPr lang="en-US" sz="1600" dirty="0">
+                <a:effectLst/>
+                <a:latin typeface="Times New Roman" panose="02020603050405020304" pitchFamily="18" charset="0"/>
+                <a:ea typeface="Times New Roman" panose="02020603050405020304" pitchFamily="18" charset="0"/>
+              </a:rPr>
+              <a:t>Firoz, N., </a:t>
+            </a:r>
+            <a:r>
+              <a:rPr lang="en-US" sz="1600" dirty="0" err="1">
+                <a:effectLst/>
+                <a:latin typeface="Times New Roman" panose="02020603050405020304" pitchFamily="18" charset="0"/>
+                <a:ea typeface="Times New Roman" panose="02020603050405020304" pitchFamily="18" charset="0"/>
+              </a:rPr>
+              <a:t>Naskar</a:t>
+            </a:r>
+            <a:r>
+              <a:rPr lang="en-US" sz="1600" dirty="0">
+                <a:effectLst/>
+                <a:latin typeface="Times New Roman" panose="02020603050405020304" pitchFamily="18" charset="0"/>
+                <a:ea typeface="Times New Roman" panose="02020603050405020304" pitchFamily="18" charset="0"/>
+              </a:rPr>
+              <a:t>, R., Bandyopadhyay, S. and </a:t>
+            </a:r>
+            <a:r>
+              <a:rPr lang="en-US" sz="1600" dirty="0" err="1">
+                <a:effectLst/>
+                <a:latin typeface="Times New Roman" panose="02020603050405020304" pitchFamily="18" charset="0"/>
+                <a:ea typeface="Times New Roman" panose="02020603050405020304" pitchFamily="18" charset="0"/>
+              </a:rPr>
+              <a:t>Konar</a:t>
+            </a:r>
+            <a:r>
+              <a:rPr lang="en-US" sz="1600" dirty="0">
+                <a:effectLst/>
+                <a:latin typeface="Times New Roman" panose="02020603050405020304" pitchFamily="18" charset="0"/>
+                <a:ea typeface="Times New Roman" panose="02020603050405020304" pitchFamily="18" charset="0"/>
+              </a:rPr>
+              <a:t>, A. (2020). A Comparative Analysis of Machine Learning Models for Mobile Price Classification. In Proceedings of 3rd International Conference on Computing, Communication and Security (pp. 118-123). Springer.</a:t>
+            </a:r>
+          </a:p>
+          <a:p>
+            <a:pPr marL="342900" marR="0" lvl="0" indent="-342900">
+              <a:lnSpc>
+                <a:spcPct val="100000"/>
+              </a:lnSpc>
+              <a:spcBef>
+                <a:spcPts val="0"/>
+              </a:spcBef>
+              <a:spcAft>
+                <a:spcPts val="0"/>
+              </a:spcAft>
+              <a:buFont typeface="+mj-lt"/>
+              <a:buAutoNum type="arabicPeriod"/>
+              <a:tabLst>
+                <a:tab pos="228600" algn="l"/>
+              </a:tabLst>
+            </a:pPr>
+            <a:r>
+              <a:rPr lang="en-US" sz="1600" dirty="0">
+                <a:effectLst/>
+                <a:latin typeface="Times New Roman" panose="02020603050405020304" pitchFamily="18" charset="0"/>
+                <a:ea typeface="Times New Roman" panose="02020603050405020304" pitchFamily="18" charset="0"/>
+              </a:rPr>
+              <a:t>Bhattacharjee, R., Rahman, T., Chowdhury, F., Islam, S.M.A. and Kumar </a:t>
+            </a:r>
+            <a:r>
+              <a:rPr lang="en-US" sz="1600" dirty="0" err="1">
+                <a:effectLst/>
+                <a:latin typeface="Times New Roman" panose="02020603050405020304" pitchFamily="18" charset="0"/>
+                <a:ea typeface="Times New Roman" panose="02020603050405020304" pitchFamily="18" charset="0"/>
+              </a:rPr>
+              <a:t>Sarker</a:t>
+            </a:r>
+            <a:r>
+              <a:rPr lang="en-US" sz="1600" dirty="0">
+                <a:effectLst/>
+                <a:latin typeface="Times New Roman" panose="02020603050405020304" pitchFamily="18" charset="0"/>
+                <a:ea typeface="Times New Roman" panose="02020603050405020304" pitchFamily="18" charset="0"/>
+              </a:rPr>
+              <a:t>, M. (2020). A Comparative Analysis of Machine Learning Techniques for Mobile Price Classification. In Proceedings of the 9th International Conference on Computing and Informatics (pp. 251-257). ACM.</a:t>
+            </a:r>
+          </a:p>
+          <a:p>
+            <a:pPr marL="342900" marR="0" lvl="0" indent="-342900">
+              <a:lnSpc>
+                <a:spcPct val="100000"/>
+              </a:lnSpc>
+              <a:spcBef>
+                <a:spcPts val="0"/>
+              </a:spcBef>
+              <a:spcAft>
+                <a:spcPts val="0"/>
+              </a:spcAft>
+              <a:buFont typeface="+mj-lt"/>
+              <a:buAutoNum type="arabicPeriod"/>
+              <a:tabLst>
+                <a:tab pos="228600" algn="l"/>
+              </a:tabLst>
+            </a:pPr>
+            <a:r>
+              <a:rPr lang="en-US" sz="1600" dirty="0">
+                <a:effectLst/>
+                <a:latin typeface="Times New Roman" panose="02020603050405020304" pitchFamily="18" charset="0"/>
+                <a:ea typeface="Times New Roman" panose="02020603050405020304" pitchFamily="18" charset="0"/>
+              </a:rPr>
+              <a:t>Rahman, M.A., Hasan, M.T., </a:t>
+            </a:r>
+            <a:r>
+              <a:rPr lang="en-US" sz="1600" dirty="0" err="1">
+                <a:effectLst/>
+                <a:latin typeface="Times New Roman" panose="02020603050405020304" pitchFamily="18" charset="0"/>
+                <a:ea typeface="Times New Roman" panose="02020603050405020304" pitchFamily="18" charset="0"/>
+              </a:rPr>
+              <a:t>Arefin</a:t>
+            </a:r>
+            <a:r>
+              <a:rPr lang="en-US" sz="1600" dirty="0">
+                <a:effectLst/>
+                <a:latin typeface="Times New Roman" panose="02020603050405020304" pitchFamily="18" charset="0"/>
+                <a:ea typeface="Times New Roman" panose="02020603050405020304" pitchFamily="18" charset="0"/>
+              </a:rPr>
+              <a:t>, A.S.M. and Molla, K.A. (2020). A Comparative Study of Machine Learning Techniques for Mobile Price Classification. In 2020 International Conference on Robotics, Electrical and Signal Processing Techniques (ICREST) (pp. 8-13). IEEE.</a:t>
+            </a:r>
+          </a:p>
+          <a:p>
+            <a:pPr marL="342900" marR="0" lvl="0" indent="-342900">
+              <a:lnSpc>
+                <a:spcPct val="100000"/>
+              </a:lnSpc>
+              <a:spcBef>
+                <a:spcPts val="0"/>
+              </a:spcBef>
+              <a:spcAft>
+                <a:spcPts val="0"/>
+              </a:spcAft>
+              <a:buFont typeface="+mj-lt"/>
+              <a:buAutoNum type="arabicPeriod"/>
+              <a:tabLst>
+                <a:tab pos="228600" algn="l"/>
+              </a:tabLst>
+            </a:pPr>
+            <a:r>
+              <a:rPr lang="en-US" sz="1600" dirty="0">
+                <a:effectLst/>
+                <a:latin typeface="Times New Roman" panose="02020603050405020304" pitchFamily="18" charset="0"/>
+                <a:ea typeface="Times New Roman" panose="02020603050405020304" pitchFamily="18" charset="0"/>
+              </a:rPr>
+              <a:t>Hossain, M., Hoque, M.A., Roy, N. and Amin, M.A. (2020). Mobile Price Classification Using Machine Learning Techniques. In Proceedings of the 8th International Conference on Electrical Engineering and Information &amp; Communication Technology (ICEEICT) (pp. 1-6). IEEE.</a:t>
+            </a:r>
+          </a:p>
+          <a:p>
+            <a:pPr marL="342900" marR="0" lvl="0" indent="-342900">
+              <a:lnSpc>
+                <a:spcPct val="100000"/>
+              </a:lnSpc>
+              <a:spcBef>
+                <a:spcPts val="0"/>
+              </a:spcBef>
+              <a:spcAft>
+                <a:spcPts val="0"/>
+              </a:spcAft>
+              <a:buFont typeface="+mj-lt"/>
+              <a:buAutoNum type="arabicPeriod"/>
+              <a:tabLst>
+                <a:tab pos="228600" algn="l"/>
+              </a:tabLst>
+            </a:pPr>
+            <a:r>
+              <a:rPr lang="en-US" sz="1600" dirty="0" err="1">
+                <a:effectLst/>
+                <a:latin typeface="Times New Roman" panose="02020603050405020304" pitchFamily="18" charset="0"/>
+                <a:ea typeface="Times New Roman" panose="02020603050405020304" pitchFamily="18" charset="0"/>
+              </a:rPr>
+              <a:t>Sarker</a:t>
+            </a:r>
+            <a:r>
+              <a:rPr lang="en-US" sz="1600" dirty="0">
+                <a:effectLst/>
+                <a:latin typeface="Times New Roman" panose="02020603050405020304" pitchFamily="18" charset="0"/>
+                <a:ea typeface="Times New Roman" panose="02020603050405020304" pitchFamily="18" charset="0"/>
+              </a:rPr>
+              <a:t>, M.I., </a:t>
+            </a:r>
+            <a:r>
+              <a:rPr lang="en-US" sz="1600" dirty="0" err="1">
+                <a:effectLst/>
+                <a:latin typeface="Times New Roman" panose="02020603050405020304" pitchFamily="18" charset="0"/>
+                <a:ea typeface="Times New Roman" panose="02020603050405020304" pitchFamily="18" charset="0"/>
+              </a:rPr>
+              <a:t>Akter</a:t>
+            </a:r>
+            <a:r>
+              <a:rPr lang="en-US" sz="1600" dirty="0">
+                <a:effectLst/>
+                <a:latin typeface="Times New Roman" panose="02020603050405020304" pitchFamily="18" charset="0"/>
+                <a:ea typeface="Times New Roman" panose="02020603050405020304" pitchFamily="18" charset="0"/>
+              </a:rPr>
+              <a:t>, S., Khan, M.I. and </a:t>
+            </a:r>
+            <a:r>
+              <a:rPr lang="en-US" sz="1600" dirty="0" err="1">
+                <a:effectLst/>
+                <a:latin typeface="Times New Roman" panose="02020603050405020304" pitchFamily="18" charset="0"/>
+                <a:ea typeface="Times New Roman" panose="02020603050405020304" pitchFamily="18" charset="0"/>
+              </a:rPr>
+              <a:t>Mollah</a:t>
+            </a:r>
+            <a:r>
+              <a:rPr lang="en-US" sz="1600" dirty="0">
+                <a:effectLst/>
+                <a:latin typeface="Times New Roman" panose="02020603050405020304" pitchFamily="18" charset="0"/>
+                <a:ea typeface="Times New Roman" panose="02020603050405020304" pitchFamily="18" charset="0"/>
+              </a:rPr>
+              <a:t>, M.B.I. (2020). A Comparative Study of Machine Learning Techniques for Mobile Price Classification. In 2020 International Conference on Computer and Information Sciences (ICCIS) (pp. 1-6). IEEE.</a:t>
+            </a:r>
+          </a:p>
+          <a:p>
             <a:pPr>
               <a:lnSpc>
-                <a:spcPct val="90000"/>
+                <a:spcPct val="100000"/>
               </a:lnSpc>
             </a:pPr>
-            <a:r>
-              <a:rPr lang="en-US" dirty="0"/>
-              <a:t>Roles and Responsibilities and contributions</a:t>
-            </a:r>
+            <a:endParaRPr lang="en-US" sz="1600" dirty="0"/>
           </a:p>
         </p:txBody>
       </p:sp>
-      <p:graphicFrame>
-        <p:nvGraphicFramePr>
-          <p:cNvPr id="5" name="Content Placeholder 2">
-            <a:extLst>
-              <a:ext uri="{FF2B5EF4-FFF2-40B4-BE49-F238E27FC236}">
-                <a16:creationId xmlns:a16="http://schemas.microsoft.com/office/drawing/2014/main" id="{6C9311FF-7913-8A82-6897-FEFF84E48257}"/>
-              </a:ext>
-            </a:extLst>
-          </p:cNvPr>
-          <p:cNvGraphicFramePr>
-            <a:graphicFrameLocks noGrp="1"/>
-          </p:cNvGraphicFramePr>
-          <p:nvPr>
-            <p:ph idx="1"/>
-            <p:extLst>
-              <p:ext uri="{D42A27DB-BD31-4B8C-83A1-F6EECF244321}">
-                <p14:modId xmlns:p14="http://schemas.microsoft.com/office/powerpoint/2010/main" val="2182357614"/>
-              </p:ext>
-            </p:extLst>
-          </p:nvPr>
-        </p:nvGraphicFramePr>
-        <p:xfrm>
-          <a:off x="690562" y="2339975"/>
-          <a:ext cx="11110166" cy="3800328"/>
-        </p:xfrm>
-        <a:graphic>
-          <a:graphicData uri="http://schemas.openxmlformats.org/drawingml/2006/diagram">
-            <dgm:relIds xmlns:dgm="http://schemas.openxmlformats.org/drawingml/2006/diagram" xmlns:r="http://schemas.openxmlformats.org/officeDocument/2006/relationships" r:dm="rId2" r:lo="rId3" r:qs="rId4" r:cs="rId5"/>
-          </a:graphicData>
-        </a:graphic>
-      </p:graphicFrame>
     </p:spTree>
     <p:extLst>
       <p:ext uri="{BB962C8B-B14F-4D97-AF65-F5344CB8AC3E}">
-        <p14:creationId xmlns:p14="http://schemas.microsoft.com/office/powerpoint/2010/main" val="2420137175"/>
+        <p14:creationId xmlns:p14="http://schemas.microsoft.com/office/powerpoint/2010/main" val="196695217"/>
       </p:ext>
     </p:extLst>
   </p:cSld>
@@ -27893,7 +28134,7 @@
 </p:sld>
 </file>
 
-<file path=ppt/slides/slide3.xml><?xml version="1.0" encoding="utf-8"?>
+<file path=ppt/slides/slide2.xml><?xml version="1.0" encoding="utf-8"?>
 <p:sld xmlns:a="http://schemas.openxmlformats.org/drawingml/2006/main" xmlns:r="http://schemas.openxmlformats.org/officeDocument/2006/relationships" xmlns:p="http://schemas.openxmlformats.org/presentationml/2006/main">
   <p:cSld>
     <p:bg>
@@ -30007,7 +30248,7 @@
 </p:sld>
 </file>
 
-<file path=ppt/slides/slide4.xml><?xml version="1.0" encoding="utf-8"?>
+<file path=ppt/slides/slide3.xml><?xml version="1.0" encoding="utf-8"?>
 <p:sld xmlns:a="http://schemas.openxmlformats.org/drawingml/2006/main" xmlns:r="http://schemas.openxmlformats.org/officeDocument/2006/relationships" xmlns:p="http://schemas.openxmlformats.org/presentationml/2006/main">
   <p:cSld>
     <p:bg>
@@ -32160,6 +32401,2035 @@
     <p:extLst>
       <p:ext uri="{BB962C8B-B14F-4D97-AF65-F5344CB8AC3E}">
         <p14:creationId xmlns:p14="http://schemas.microsoft.com/office/powerpoint/2010/main" val="2101760297"/>
+      </p:ext>
+    </p:extLst>
+  </p:cSld>
+  <p:clrMapOvr>
+    <a:masterClrMapping/>
+  </p:clrMapOvr>
+</p:sld>
+</file>
+
+<file path=ppt/slides/slide4.xml><?xml version="1.0" encoding="utf-8"?>
+<p:sld xmlns:a="http://schemas.openxmlformats.org/drawingml/2006/main" xmlns:r="http://schemas.openxmlformats.org/officeDocument/2006/relationships" xmlns:p="http://schemas.openxmlformats.org/presentationml/2006/main">
+  <p:cSld>
+    <p:bg>
+      <p:bgPr>
+        <a:solidFill>
+          <a:schemeClr val="bg1"/>
+        </a:solidFill>
+        <a:effectLst/>
+      </p:bgPr>
+    </p:bg>
+    <p:spTree>
+      <p:nvGrpSpPr>
+        <p:cNvPr id="1" name=""/>
+        <p:cNvGrpSpPr/>
+        <p:nvPr/>
+      </p:nvGrpSpPr>
+      <p:grpSpPr>
+        <a:xfrm>
+          <a:off x="0" y="0"/>
+          <a:ext cx="0" cy="0"/>
+          <a:chOff x="0" y="0"/>
+          <a:chExt cx="0" cy="0"/>
+        </a:xfrm>
+      </p:grpSpPr>
+      <p:sp useBgFill="1">
+        <p:nvSpPr>
+          <p:cNvPr id="9" name="Rectangle 8">
+            <a:extLst>
+              <a:ext uri="{FF2B5EF4-FFF2-40B4-BE49-F238E27FC236}">
+                <a16:creationId xmlns:a16="http://schemas.microsoft.com/office/drawing/2014/main" id="{9663BDD8-36FC-48B0-8862-3B51BE4F77DA}"/>
+              </a:ext>
+              <a:ext uri="{C183D7F6-B498-43B3-948B-1728B52AA6E4}">
+                <adec:decorative xmlns:adec="http://schemas.microsoft.com/office/drawing/2017/decorative" val="1"/>
+              </a:ext>
+            </a:extLst>
+          </p:cNvPr>
+          <p:cNvSpPr>
+            <a:spLocks noGrp="1" noRot="1" noChangeAspect="1" noMove="1" noResize="1" noEditPoints="1" noAdjustHandles="1" noChangeArrowheads="1" noChangeShapeType="1" noTextEdit="1"/>
+          </p:cNvSpPr>
+          <p:nvPr>
+            <p:extLst>
+              <p:ext uri="{386F3935-93C4-4BCD-93E2-E3B085C9AB24}">
+                <p16:designElem xmlns:p16="http://schemas.microsoft.com/office/powerpoint/2015/main" val="1"/>
+              </p:ext>
+            </p:extLst>
+          </p:nvPr>
+        </p:nvSpPr>
+        <p:spPr>
+          <a:xfrm>
+            <a:off x="0" y="0"/>
+            <a:ext cx="12208613" cy="6858000"/>
+          </a:xfrm>
+          <a:prstGeom prst="rect">
+            <a:avLst/>
+          </a:prstGeom>
+          <a:ln>
+            <a:noFill/>
+          </a:ln>
+        </p:spPr>
+        <p:style>
+          <a:lnRef idx="2">
+            <a:schemeClr val="accent1">
+              <a:shade val="50000"/>
+            </a:schemeClr>
+          </a:lnRef>
+          <a:fillRef idx="1">
+            <a:schemeClr val="accent1"/>
+          </a:fillRef>
+          <a:effectRef idx="0">
+            <a:schemeClr val="accent1"/>
+          </a:effectRef>
+          <a:fontRef idx="minor">
+            <a:schemeClr val="lt1"/>
+          </a:fontRef>
+        </p:style>
+        <p:txBody>
+          <a:bodyPr rtlCol="0" anchor="ctr"/>
+          <a:lstStyle/>
+          <a:p>
+            <a:pPr marL="0" marR="0" lvl="0" indent="0" algn="ctr" defTabSz="914400" rtl="0" eaLnBrk="1" fontAlgn="auto" latinLnBrk="0" hangingPunct="1">
+              <a:lnSpc>
+                <a:spcPct val="100000"/>
+              </a:lnSpc>
+              <a:spcBef>
+                <a:spcPts val="0"/>
+              </a:spcBef>
+              <a:spcAft>
+                <a:spcPts val="0"/>
+              </a:spcAft>
+              <a:buClrTx/>
+              <a:buSzTx/>
+              <a:buFontTx/>
+              <a:buNone/>
+              <a:tabLst/>
+              <a:defRPr/>
+            </a:pPr>
+            <a:endParaRPr kumimoji="0" lang="en-US" sz="1800" b="0" i="0" u="none" strike="noStrike" kern="1200" cap="none" spc="0" normalizeH="0" baseline="0" noProof="0">
+              <a:ln>
+                <a:noFill/>
+              </a:ln>
+              <a:solidFill>
+                <a:srgbClr val="FFFFFF"/>
+              </a:solidFill>
+              <a:effectLst/>
+              <a:uLnTx/>
+              <a:uFillTx/>
+              <a:latin typeface="Grandview"/>
+              <a:ea typeface="+mn-ea"/>
+              <a:cs typeface="+mn-cs"/>
+            </a:endParaRPr>
+          </a:p>
+        </p:txBody>
+      </p:sp>
+      <p:grpSp>
+        <p:nvGrpSpPr>
+          <p:cNvPr id="11" name="Group 10">
+            <a:extLst>
+              <a:ext uri="{FF2B5EF4-FFF2-40B4-BE49-F238E27FC236}">
+                <a16:creationId xmlns:a16="http://schemas.microsoft.com/office/drawing/2014/main" id="{C15A19D0-2BD2-47E7-A51B-B8083A14E791}"/>
+              </a:ext>
+              <a:ext uri="{C183D7F6-B498-43B3-948B-1728B52AA6E4}">
+                <adec:decorative xmlns:adec="http://schemas.microsoft.com/office/drawing/2017/decorative" val="1"/>
+              </a:ext>
+            </a:extLst>
+          </p:cNvPr>
+          <p:cNvGrpSpPr>
+            <a:grpSpLocks noGrp="1" noUngrp="1" noRot="1" noChangeAspect="1" noMove="1" noResize="1"/>
+          </p:cNvGrpSpPr>
+          <p:nvPr>
+            <p:extLst>
+              <p:ext uri="{386F3935-93C4-4BCD-93E2-E3B085C9AB24}">
+                <p16:designElem xmlns:p16="http://schemas.microsoft.com/office/powerpoint/2015/main" val="1"/>
+              </p:ext>
+            </p:extLst>
+          </p:nvPr>
+        </p:nvGrpSpPr>
+        <p:grpSpPr>
+          <a:xfrm>
+            <a:off x="-6214" y="-1"/>
+            <a:ext cx="12214827" cy="6858000"/>
+            <a:chOff x="-6214" y="-1"/>
+            <a:chExt cx="12214827" cy="6858000"/>
+          </a:xfrm>
+        </p:grpSpPr>
+        <p:cxnSp>
+          <p:nvCxnSpPr>
+            <p:cNvPr id="12" name="Straight Connector 11">
+              <a:extLst>
+                <a:ext uri="{FF2B5EF4-FFF2-40B4-BE49-F238E27FC236}">
+                  <a16:creationId xmlns:a16="http://schemas.microsoft.com/office/drawing/2014/main" id="{F6641F14-42D8-42E0-8B56-FC0A08EB2E64}"/>
+                </a:ext>
+                <a:ext uri="{C183D7F6-B498-43B3-948B-1728B52AA6E4}">
+                  <adec:decorative xmlns:adec="http://schemas.microsoft.com/office/drawing/2017/decorative" val="1"/>
+                </a:ext>
+              </a:extLst>
+            </p:cNvPr>
+            <p:cNvCxnSpPr>
+              <a:cxnSpLocks/>
+            </p:cNvCxnSpPr>
+            <p:nvPr>
+              <p:extLst>
+                <p:ext uri="{386F3935-93C4-4BCD-93E2-E3B085C9AB24}">
+                  <p16:designElem xmlns:p16="http://schemas.microsoft.com/office/powerpoint/2015/main" val="1"/>
+                </p:ext>
+              </p:extLst>
+            </p:nvPr>
+          </p:nvCxnSpPr>
+          <p:spPr>
+            <a:xfrm>
+              <a:off x="-6214" y="6686283"/>
+              <a:ext cx="12192000" cy="0"/>
+            </a:xfrm>
+            <a:prstGeom prst="line">
+              <a:avLst/>
+            </a:prstGeom>
+            <a:ln w="12700">
+              <a:solidFill>
+                <a:srgbClr val="BCBCBC">
+                  <a:alpha val="29804"/>
+                </a:srgbClr>
+              </a:solidFill>
+              <a:prstDash val="sysDot"/>
+            </a:ln>
+          </p:spPr>
+          <p:style>
+            <a:lnRef idx="1">
+              <a:schemeClr val="accent1"/>
+            </a:lnRef>
+            <a:fillRef idx="0">
+              <a:schemeClr val="accent1"/>
+            </a:fillRef>
+            <a:effectRef idx="0">
+              <a:schemeClr val="accent1"/>
+            </a:effectRef>
+            <a:fontRef idx="minor">
+              <a:schemeClr val="tx1"/>
+            </a:fontRef>
+          </p:style>
+        </p:cxnSp>
+        <p:cxnSp>
+          <p:nvCxnSpPr>
+            <p:cNvPr id="13" name="Straight Connector 12">
+              <a:extLst>
+                <a:ext uri="{FF2B5EF4-FFF2-40B4-BE49-F238E27FC236}">
+                  <a16:creationId xmlns:a16="http://schemas.microsoft.com/office/drawing/2014/main" id="{3F3FEF18-8973-49F1-B984-81E630730368}"/>
+                </a:ext>
+                <a:ext uri="{C183D7F6-B498-43B3-948B-1728B52AA6E4}">
+                  <adec:decorative xmlns:adec="http://schemas.microsoft.com/office/drawing/2017/decorative" val="1"/>
+                </a:ext>
+              </a:extLst>
+            </p:cNvPr>
+            <p:cNvCxnSpPr>
+              <a:cxnSpLocks/>
+            </p:cNvCxnSpPr>
+            <p:nvPr>
+              <p:extLst>
+                <p:ext uri="{386F3935-93C4-4BCD-93E2-E3B085C9AB24}">
+                  <p16:designElem xmlns:p16="http://schemas.microsoft.com/office/powerpoint/2015/main" val="1"/>
+                </p:ext>
+              </p:extLst>
+            </p:nvPr>
+          </p:nvCxnSpPr>
+          <p:spPr>
+            <a:xfrm>
+              <a:off x="0" y="-1"/>
+              <a:ext cx="0" cy="6858000"/>
+            </a:xfrm>
+            <a:prstGeom prst="line">
+              <a:avLst/>
+            </a:prstGeom>
+            <a:ln w="12700">
+              <a:solidFill>
+                <a:srgbClr val="BCBCBC">
+                  <a:alpha val="29804"/>
+                </a:srgbClr>
+              </a:solidFill>
+              <a:prstDash val="sysDot"/>
+            </a:ln>
+          </p:spPr>
+          <p:style>
+            <a:lnRef idx="1">
+              <a:schemeClr val="accent1"/>
+            </a:lnRef>
+            <a:fillRef idx="0">
+              <a:schemeClr val="accent1"/>
+            </a:fillRef>
+            <a:effectRef idx="0">
+              <a:schemeClr val="accent1"/>
+            </a:effectRef>
+            <a:fontRef idx="minor">
+              <a:schemeClr val="tx1"/>
+            </a:fontRef>
+          </p:style>
+        </p:cxnSp>
+        <p:cxnSp>
+          <p:nvCxnSpPr>
+            <p:cNvPr id="14" name="Straight Connector 13">
+              <a:extLst>
+                <a:ext uri="{FF2B5EF4-FFF2-40B4-BE49-F238E27FC236}">
+                  <a16:creationId xmlns:a16="http://schemas.microsoft.com/office/drawing/2014/main" id="{28FEE187-7ECD-4C55-BE26-0DA3DDE0ED9B}"/>
+                </a:ext>
+                <a:ext uri="{C183D7F6-B498-43B3-948B-1728B52AA6E4}">
+                  <adec:decorative xmlns:adec="http://schemas.microsoft.com/office/drawing/2017/decorative" val="1"/>
+                </a:ext>
+              </a:extLst>
+            </p:cNvPr>
+            <p:cNvCxnSpPr>
+              <a:cxnSpLocks/>
+            </p:cNvCxnSpPr>
+            <p:nvPr>
+              <p:extLst>
+                <p:ext uri="{386F3935-93C4-4BCD-93E2-E3B085C9AB24}">
+                  <p16:designElem xmlns:p16="http://schemas.microsoft.com/office/powerpoint/2015/main" val="1"/>
+                </p:ext>
+              </p:extLst>
+            </p:nvPr>
+          </p:nvCxnSpPr>
+          <p:spPr>
+            <a:xfrm>
+              <a:off x="11993258" y="-1"/>
+              <a:ext cx="0" cy="6858000"/>
+            </a:xfrm>
+            <a:prstGeom prst="line">
+              <a:avLst/>
+            </a:prstGeom>
+            <a:ln w="12700">
+              <a:solidFill>
+                <a:srgbClr val="BCBCBC">
+                  <a:alpha val="29804"/>
+                </a:srgbClr>
+              </a:solidFill>
+              <a:prstDash val="sysDot"/>
+            </a:ln>
+          </p:spPr>
+          <p:style>
+            <a:lnRef idx="1">
+              <a:schemeClr val="accent1"/>
+            </a:lnRef>
+            <a:fillRef idx="0">
+              <a:schemeClr val="accent1"/>
+            </a:fillRef>
+            <a:effectRef idx="0">
+              <a:schemeClr val="accent1"/>
+            </a:effectRef>
+            <a:fontRef idx="minor">
+              <a:schemeClr val="tx1"/>
+            </a:fontRef>
+          </p:style>
+        </p:cxnSp>
+        <p:cxnSp>
+          <p:nvCxnSpPr>
+            <p:cNvPr id="15" name="Straight Connector 14">
+              <a:extLst>
+                <a:ext uri="{FF2B5EF4-FFF2-40B4-BE49-F238E27FC236}">
+                  <a16:creationId xmlns:a16="http://schemas.microsoft.com/office/drawing/2014/main" id="{38708818-667C-4218-8552-2975EB0047EE}"/>
+                </a:ext>
+                <a:ext uri="{C183D7F6-B498-43B3-948B-1728B52AA6E4}">
+                  <adec:decorative xmlns:adec="http://schemas.microsoft.com/office/drawing/2017/decorative" val="1"/>
+                </a:ext>
+              </a:extLst>
+            </p:cNvPr>
+            <p:cNvCxnSpPr>
+              <a:cxnSpLocks/>
+            </p:cNvCxnSpPr>
+            <p:nvPr>
+              <p:extLst>
+                <p:ext uri="{386F3935-93C4-4BCD-93E2-E3B085C9AB24}">
+                  <p16:designElem xmlns:p16="http://schemas.microsoft.com/office/powerpoint/2015/main" val="1"/>
+                </p:ext>
+              </p:extLst>
+            </p:nvPr>
+          </p:nvCxnSpPr>
+          <p:spPr>
+            <a:xfrm>
+              <a:off x="192528" y="-1"/>
+              <a:ext cx="0" cy="6858000"/>
+            </a:xfrm>
+            <a:prstGeom prst="line">
+              <a:avLst/>
+            </a:prstGeom>
+            <a:ln w="12700">
+              <a:solidFill>
+                <a:srgbClr val="BCBCBC">
+                  <a:alpha val="29804"/>
+                </a:srgbClr>
+              </a:solidFill>
+              <a:prstDash val="sysDot"/>
+            </a:ln>
+          </p:spPr>
+          <p:style>
+            <a:lnRef idx="1">
+              <a:schemeClr val="accent1"/>
+            </a:lnRef>
+            <a:fillRef idx="0">
+              <a:schemeClr val="accent1"/>
+            </a:fillRef>
+            <a:effectRef idx="0">
+              <a:schemeClr val="accent1"/>
+            </a:effectRef>
+            <a:fontRef idx="minor">
+              <a:schemeClr val="tx1"/>
+            </a:fontRef>
+          </p:style>
+        </p:cxnSp>
+        <p:cxnSp>
+          <p:nvCxnSpPr>
+            <p:cNvPr id="16" name="Straight Connector 15">
+              <a:extLst>
+                <a:ext uri="{FF2B5EF4-FFF2-40B4-BE49-F238E27FC236}">
+                  <a16:creationId xmlns:a16="http://schemas.microsoft.com/office/drawing/2014/main" id="{2FA1A626-67CE-4E24-974F-C432A21D1DE9}"/>
+                </a:ext>
+                <a:ext uri="{C183D7F6-B498-43B3-948B-1728B52AA6E4}">
+                  <adec:decorative xmlns:adec="http://schemas.microsoft.com/office/drawing/2017/decorative" val="1"/>
+                </a:ext>
+              </a:extLst>
+            </p:cNvPr>
+            <p:cNvCxnSpPr>
+              <a:cxnSpLocks/>
+            </p:cNvCxnSpPr>
+            <p:nvPr>
+              <p:extLst>
+                <p:ext uri="{386F3935-93C4-4BCD-93E2-E3B085C9AB24}">
+                  <p16:designElem xmlns:p16="http://schemas.microsoft.com/office/powerpoint/2015/main" val="1"/>
+                </p:ext>
+              </p:extLst>
+            </p:nvPr>
+          </p:nvCxnSpPr>
+          <p:spPr>
+            <a:xfrm>
+              <a:off x="1175922" y="-1"/>
+              <a:ext cx="0" cy="6858000"/>
+            </a:xfrm>
+            <a:prstGeom prst="line">
+              <a:avLst/>
+            </a:prstGeom>
+            <a:ln w="12700">
+              <a:solidFill>
+                <a:srgbClr val="BCBCBC">
+                  <a:alpha val="29804"/>
+                </a:srgbClr>
+              </a:solidFill>
+              <a:prstDash val="sysDot"/>
+            </a:ln>
+          </p:spPr>
+          <p:style>
+            <a:lnRef idx="1">
+              <a:schemeClr val="accent1"/>
+            </a:lnRef>
+            <a:fillRef idx="0">
+              <a:schemeClr val="accent1"/>
+            </a:fillRef>
+            <a:effectRef idx="0">
+              <a:schemeClr val="accent1"/>
+            </a:effectRef>
+            <a:fontRef idx="minor">
+              <a:schemeClr val="tx1"/>
+            </a:fontRef>
+          </p:style>
+        </p:cxnSp>
+        <p:cxnSp>
+          <p:nvCxnSpPr>
+            <p:cNvPr id="17" name="Straight Connector 16">
+              <a:extLst>
+                <a:ext uri="{FF2B5EF4-FFF2-40B4-BE49-F238E27FC236}">
+                  <a16:creationId xmlns:a16="http://schemas.microsoft.com/office/drawing/2014/main" id="{70029D28-01D8-4EB8-B30C-79D6F14E6CB5}"/>
+                </a:ext>
+                <a:ext uri="{C183D7F6-B498-43B3-948B-1728B52AA6E4}">
+                  <adec:decorative xmlns:adec="http://schemas.microsoft.com/office/drawing/2017/decorative" val="1"/>
+                </a:ext>
+              </a:extLst>
+            </p:cNvPr>
+            <p:cNvCxnSpPr>
+              <a:cxnSpLocks/>
+            </p:cNvCxnSpPr>
+            <p:nvPr>
+              <p:extLst>
+                <p:ext uri="{386F3935-93C4-4BCD-93E2-E3B085C9AB24}">
+                  <p16:designElem xmlns:p16="http://schemas.microsoft.com/office/powerpoint/2015/main" val="1"/>
+                </p:ext>
+              </p:extLst>
+            </p:nvPr>
+          </p:nvCxnSpPr>
+          <p:spPr>
+            <a:xfrm>
+              <a:off x="2159316" y="-1"/>
+              <a:ext cx="0" cy="6858000"/>
+            </a:xfrm>
+            <a:prstGeom prst="line">
+              <a:avLst/>
+            </a:prstGeom>
+            <a:ln w="12700">
+              <a:solidFill>
+                <a:srgbClr val="BCBCBC">
+                  <a:alpha val="29804"/>
+                </a:srgbClr>
+              </a:solidFill>
+              <a:prstDash val="sysDot"/>
+            </a:ln>
+          </p:spPr>
+          <p:style>
+            <a:lnRef idx="1">
+              <a:schemeClr val="accent1"/>
+            </a:lnRef>
+            <a:fillRef idx="0">
+              <a:schemeClr val="accent1"/>
+            </a:fillRef>
+            <a:effectRef idx="0">
+              <a:schemeClr val="accent1"/>
+            </a:effectRef>
+            <a:fontRef idx="minor">
+              <a:schemeClr val="tx1"/>
+            </a:fontRef>
+          </p:style>
+        </p:cxnSp>
+        <p:cxnSp>
+          <p:nvCxnSpPr>
+            <p:cNvPr id="18" name="Straight Connector 17">
+              <a:extLst>
+                <a:ext uri="{FF2B5EF4-FFF2-40B4-BE49-F238E27FC236}">
+                  <a16:creationId xmlns:a16="http://schemas.microsoft.com/office/drawing/2014/main" id="{124E501C-EBFD-4E76-8F7F-9EFA76EFFD78}"/>
+                </a:ext>
+                <a:ext uri="{C183D7F6-B498-43B3-948B-1728B52AA6E4}">
+                  <adec:decorative xmlns:adec="http://schemas.microsoft.com/office/drawing/2017/decorative" val="1"/>
+                </a:ext>
+              </a:extLst>
+            </p:cNvPr>
+            <p:cNvCxnSpPr>
+              <a:cxnSpLocks/>
+            </p:cNvCxnSpPr>
+            <p:nvPr>
+              <p:extLst>
+                <p:ext uri="{386F3935-93C4-4BCD-93E2-E3B085C9AB24}">
+                  <p16:designElem xmlns:p16="http://schemas.microsoft.com/office/powerpoint/2015/main" val="1"/>
+                </p:ext>
+              </p:extLst>
+            </p:nvPr>
+          </p:nvCxnSpPr>
+          <p:spPr>
+            <a:xfrm>
+              <a:off x="3142710" y="-1"/>
+              <a:ext cx="0" cy="6858000"/>
+            </a:xfrm>
+            <a:prstGeom prst="line">
+              <a:avLst/>
+            </a:prstGeom>
+            <a:ln w="12700">
+              <a:solidFill>
+                <a:srgbClr val="BCBCBC">
+                  <a:alpha val="29804"/>
+                </a:srgbClr>
+              </a:solidFill>
+              <a:prstDash val="sysDot"/>
+            </a:ln>
+          </p:spPr>
+          <p:style>
+            <a:lnRef idx="1">
+              <a:schemeClr val="accent1"/>
+            </a:lnRef>
+            <a:fillRef idx="0">
+              <a:schemeClr val="accent1"/>
+            </a:fillRef>
+            <a:effectRef idx="0">
+              <a:schemeClr val="accent1"/>
+            </a:effectRef>
+            <a:fontRef idx="minor">
+              <a:schemeClr val="tx1"/>
+            </a:fontRef>
+          </p:style>
+        </p:cxnSp>
+        <p:cxnSp>
+          <p:nvCxnSpPr>
+            <p:cNvPr id="19" name="Straight Connector 18">
+              <a:extLst>
+                <a:ext uri="{FF2B5EF4-FFF2-40B4-BE49-F238E27FC236}">
+                  <a16:creationId xmlns:a16="http://schemas.microsoft.com/office/drawing/2014/main" id="{404596B9-52A8-4717-8158-2204F86D95B1}"/>
+                </a:ext>
+                <a:ext uri="{C183D7F6-B498-43B3-948B-1728B52AA6E4}">
+                  <adec:decorative xmlns:adec="http://schemas.microsoft.com/office/drawing/2017/decorative" val="1"/>
+                </a:ext>
+              </a:extLst>
+            </p:cNvPr>
+            <p:cNvCxnSpPr>
+              <a:cxnSpLocks/>
+            </p:cNvCxnSpPr>
+            <p:nvPr>
+              <p:extLst>
+                <p:ext uri="{386F3935-93C4-4BCD-93E2-E3B085C9AB24}">
+                  <p16:designElem xmlns:p16="http://schemas.microsoft.com/office/powerpoint/2015/main" val="1"/>
+                </p:ext>
+              </p:extLst>
+            </p:nvPr>
+          </p:nvCxnSpPr>
+          <p:spPr>
+            <a:xfrm>
+              <a:off x="4126104" y="-1"/>
+              <a:ext cx="0" cy="6858000"/>
+            </a:xfrm>
+            <a:prstGeom prst="line">
+              <a:avLst/>
+            </a:prstGeom>
+            <a:ln w="12700">
+              <a:solidFill>
+                <a:srgbClr val="BCBCBC">
+                  <a:alpha val="29804"/>
+                </a:srgbClr>
+              </a:solidFill>
+              <a:prstDash val="sysDot"/>
+            </a:ln>
+          </p:spPr>
+          <p:style>
+            <a:lnRef idx="1">
+              <a:schemeClr val="accent1"/>
+            </a:lnRef>
+            <a:fillRef idx="0">
+              <a:schemeClr val="accent1"/>
+            </a:fillRef>
+            <a:effectRef idx="0">
+              <a:schemeClr val="accent1"/>
+            </a:effectRef>
+            <a:fontRef idx="minor">
+              <a:schemeClr val="tx1"/>
+            </a:fontRef>
+          </p:style>
+        </p:cxnSp>
+        <p:cxnSp>
+          <p:nvCxnSpPr>
+            <p:cNvPr id="20" name="Straight Connector 19">
+              <a:extLst>
+                <a:ext uri="{FF2B5EF4-FFF2-40B4-BE49-F238E27FC236}">
+                  <a16:creationId xmlns:a16="http://schemas.microsoft.com/office/drawing/2014/main" id="{F1EC080A-A9BB-467A-92A9-D597436B743D}"/>
+                </a:ext>
+                <a:ext uri="{C183D7F6-B498-43B3-948B-1728B52AA6E4}">
+                  <adec:decorative xmlns:adec="http://schemas.microsoft.com/office/drawing/2017/decorative" val="1"/>
+                </a:ext>
+              </a:extLst>
+            </p:cNvPr>
+            <p:cNvCxnSpPr>
+              <a:cxnSpLocks/>
+            </p:cNvCxnSpPr>
+            <p:nvPr>
+              <p:extLst>
+                <p:ext uri="{386F3935-93C4-4BCD-93E2-E3B085C9AB24}">
+                  <p16:designElem xmlns:p16="http://schemas.microsoft.com/office/powerpoint/2015/main" val="1"/>
+                </p:ext>
+              </p:extLst>
+            </p:nvPr>
+          </p:nvCxnSpPr>
+          <p:spPr>
+            <a:xfrm>
+              <a:off x="5109498" y="-1"/>
+              <a:ext cx="0" cy="6858000"/>
+            </a:xfrm>
+            <a:prstGeom prst="line">
+              <a:avLst/>
+            </a:prstGeom>
+            <a:ln w="12700">
+              <a:solidFill>
+                <a:srgbClr val="BCBCBC">
+                  <a:alpha val="29804"/>
+                </a:srgbClr>
+              </a:solidFill>
+              <a:prstDash val="sysDot"/>
+            </a:ln>
+          </p:spPr>
+          <p:style>
+            <a:lnRef idx="1">
+              <a:schemeClr val="accent1"/>
+            </a:lnRef>
+            <a:fillRef idx="0">
+              <a:schemeClr val="accent1"/>
+            </a:fillRef>
+            <a:effectRef idx="0">
+              <a:schemeClr val="accent1"/>
+            </a:effectRef>
+            <a:fontRef idx="minor">
+              <a:schemeClr val="tx1"/>
+            </a:fontRef>
+          </p:style>
+        </p:cxnSp>
+        <p:cxnSp>
+          <p:nvCxnSpPr>
+            <p:cNvPr id="21" name="Straight Connector 20">
+              <a:extLst>
+                <a:ext uri="{FF2B5EF4-FFF2-40B4-BE49-F238E27FC236}">
+                  <a16:creationId xmlns:a16="http://schemas.microsoft.com/office/drawing/2014/main" id="{F65DD030-3FCC-4380-B680-8E171845F27B}"/>
+                </a:ext>
+                <a:ext uri="{C183D7F6-B498-43B3-948B-1728B52AA6E4}">
+                  <adec:decorative xmlns:adec="http://schemas.microsoft.com/office/drawing/2017/decorative" val="1"/>
+                </a:ext>
+              </a:extLst>
+            </p:cNvPr>
+            <p:cNvCxnSpPr>
+              <a:cxnSpLocks/>
+            </p:cNvCxnSpPr>
+            <p:nvPr>
+              <p:extLst>
+                <p:ext uri="{386F3935-93C4-4BCD-93E2-E3B085C9AB24}">
+                  <p16:designElem xmlns:p16="http://schemas.microsoft.com/office/powerpoint/2015/main" val="1"/>
+                </p:ext>
+              </p:extLst>
+            </p:nvPr>
+          </p:nvCxnSpPr>
+          <p:spPr>
+            <a:xfrm>
+              <a:off x="6092892" y="-1"/>
+              <a:ext cx="0" cy="6858000"/>
+            </a:xfrm>
+            <a:prstGeom prst="line">
+              <a:avLst/>
+            </a:prstGeom>
+            <a:ln w="12700">
+              <a:solidFill>
+                <a:srgbClr val="BCBCBC">
+                  <a:alpha val="29804"/>
+                </a:srgbClr>
+              </a:solidFill>
+              <a:prstDash val="sysDot"/>
+            </a:ln>
+          </p:spPr>
+          <p:style>
+            <a:lnRef idx="1">
+              <a:schemeClr val="accent1"/>
+            </a:lnRef>
+            <a:fillRef idx="0">
+              <a:schemeClr val="accent1"/>
+            </a:fillRef>
+            <a:effectRef idx="0">
+              <a:schemeClr val="accent1"/>
+            </a:effectRef>
+            <a:fontRef idx="minor">
+              <a:schemeClr val="tx1"/>
+            </a:fontRef>
+          </p:style>
+        </p:cxnSp>
+        <p:cxnSp>
+          <p:nvCxnSpPr>
+            <p:cNvPr id="22" name="Straight Connector 21">
+              <a:extLst>
+                <a:ext uri="{FF2B5EF4-FFF2-40B4-BE49-F238E27FC236}">
+                  <a16:creationId xmlns:a16="http://schemas.microsoft.com/office/drawing/2014/main" id="{F015E10D-03D4-4A67-8377-5B0A55F3D07B}"/>
+                </a:ext>
+                <a:ext uri="{C183D7F6-B498-43B3-948B-1728B52AA6E4}">
+                  <adec:decorative xmlns:adec="http://schemas.microsoft.com/office/drawing/2017/decorative" val="1"/>
+                </a:ext>
+              </a:extLst>
+            </p:cNvPr>
+            <p:cNvCxnSpPr>
+              <a:cxnSpLocks/>
+            </p:cNvCxnSpPr>
+            <p:nvPr>
+              <p:extLst>
+                <p:ext uri="{386F3935-93C4-4BCD-93E2-E3B085C9AB24}">
+                  <p16:designElem xmlns:p16="http://schemas.microsoft.com/office/powerpoint/2015/main" val="1"/>
+                </p:ext>
+              </p:extLst>
+            </p:nvPr>
+          </p:nvCxnSpPr>
+          <p:spPr>
+            <a:xfrm>
+              <a:off x="7076286" y="-1"/>
+              <a:ext cx="0" cy="6858000"/>
+            </a:xfrm>
+            <a:prstGeom prst="line">
+              <a:avLst/>
+            </a:prstGeom>
+            <a:ln w="12700">
+              <a:solidFill>
+                <a:srgbClr val="BCBCBC">
+                  <a:alpha val="29804"/>
+                </a:srgbClr>
+              </a:solidFill>
+              <a:prstDash val="sysDot"/>
+            </a:ln>
+          </p:spPr>
+          <p:style>
+            <a:lnRef idx="1">
+              <a:schemeClr val="accent1"/>
+            </a:lnRef>
+            <a:fillRef idx="0">
+              <a:schemeClr val="accent1"/>
+            </a:fillRef>
+            <a:effectRef idx="0">
+              <a:schemeClr val="accent1"/>
+            </a:effectRef>
+            <a:fontRef idx="minor">
+              <a:schemeClr val="tx1"/>
+            </a:fontRef>
+          </p:style>
+        </p:cxnSp>
+        <p:cxnSp>
+          <p:nvCxnSpPr>
+            <p:cNvPr id="23" name="Straight Connector 22">
+              <a:extLst>
+                <a:ext uri="{FF2B5EF4-FFF2-40B4-BE49-F238E27FC236}">
+                  <a16:creationId xmlns:a16="http://schemas.microsoft.com/office/drawing/2014/main" id="{2DB96670-ACA9-42B6-87A2-E4119998998A}"/>
+                </a:ext>
+                <a:ext uri="{C183D7F6-B498-43B3-948B-1728B52AA6E4}">
+                  <adec:decorative xmlns:adec="http://schemas.microsoft.com/office/drawing/2017/decorative" val="1"/>
+                </a:ext>
+              </a:extLst>
+            </p:cNvPr>
+            <p:cNvCxnSpPr>
+              <a:cxnSpLocks/>
+            </p:cNvCxnSpPr>
+            <p:nvPr>
+              <p:extLst>
+                <p:ext uri="{386F3935-93C4-4BCD-93E2-E3B085C9AB24}">
+                  <p16:designElem xmlns:p16="http://schemas.microsoft.com/office/powerpoint/2015/main" val="1"/>
+                </p:ext>
+              </p:extLst>
+            </p:nvPr>
+          </p:nvCxnSpPr>
+          <p:spPr>
+            <a:xfrm>
+              <a:off x="8059680" y="-1"/>
+              <a:ext cx="0" cy="6858000"/>
+            </a:xfrm>
+            <a:prstGeom prst="line">
+              <a:avLst/>
+            </a:prstGeom>
+            <a:ln w="12700">
+              <a:solidFill>
+                <a:srgbClr val="BCBCBC">
+                  <a:alpha val="29804"/>
+                </a:srgbClr>
+              </a:solidFill>
+              <a:prstDash val="sysDot"/>
+            </a:ln>
+          </p:spPr>
+          <p:style>
+            <a:lnRef idx="1">
+              <a:schemeClr val="accent1"/>
+            </a:lnRef>
+            <a:fillRef idx="0">
+              <a:schemeClr val="accent1"/>
+            </a:fillRef>
+            <a:effectRef idx="0">
+              <a:schemeClr val="accent1"/>
+            </a:effectRef>
+            <a:fontRef idx="minor">
+              <a:schemeClr val="tx1"/>
+            </a:fontRef>
+          </p:style>
+        </p:cxnSp>
+        <p:cxnSp>
+          <p:nvCxnSpPr>
+            <p:cNvPr id="24" name="Straight Connector 23">
+              <a:extLst>
+                <a:ext uri="{FF2B5EF4-FFF2-40B4-BE49-F238E27FC236}">
+                  <a16:creationId xmlns:a16="http://schemas.microsoft.com/office/drawing/2014/main" id="{A2BC8247-310E-48D0-9CEF-43BC6E41A2C5}"/>
+                </a:ext>
+                <a:ext uri="{C183D7F6-B498-43B3-948B-1728B52AA6E4}">
+                  <adec:decorative xmlns:adec="http://schemas.microsoft.com/office/drawing/2017/decorative" val="1"/>
+                </a:ext>
+              </a:extLst>
+            </p:cNvPr>
+            <p:cNvCxnSpPr>
+              <a:cxnSpLocks/>
+            </p:cNvCxnSpPr>
+            <p:nvPr>
+              <p:extLst>
+                <p:ext uri="{386F3935-93C4-4BCD-93E2-E3B085C9AB24}">
+                  <p16:designElem xmlns:p16="http://schemas.microsoft.com/office/powerpoint/2015/main" val="1"/>
+                </p:ext>
+              </p:extLst>
+            </p:nvPr>
+          </p:nvCxnSpPr>
+          <p:spPr>
+            <a:xfrm>
+              <a:off x="9043074" y="-1"/>
+              <a:ext cx="0" cy="6858000"/>
+            </a:xfrm>
+            <a:prstGeom prst="line">
+              <a:avLst/>
+            </a:prstGeom>
+            <a:ln w="12700">
+              <a:solidFill>
+                <a:srgbClr val="BCBCBC">
+                  <a:alpha val="29804"/>
+                </a:srgbClr>
+              </a:solidFill>
+              <a:prstDash val="sysDot"/>
+            </a:ln>
+          </p:spPr>
+          <p:style>
+            <a:lnRef idx="1">
+              <a:schemeClr val="accent1"/>
+            </a:lnRef>
+            <a:fillRef idx="0">
+              <a:schemeClr val="accent1"/>
+            </a:fillRef>
+            <a:effectRef idx="0">
+              <a:schemeClr val="accent1"/>
+            </a:effectRef>
+            <a:fontRef idx="minor">
+              <a:schemeClr val="tx1"/>
+            </a:fontRef>
+          </p:style>
+        </p:cxnSp>
+        <p:cxnSp>
+          <p:nvCxnSpPr>
+            <p:cNvPr id="25" name="Straight Connector 24">
+              <a:extLst>
+                <a:ext uri="{FF2B5EF4-FFF2-40B4-BE49-F238E27FC236}">
+                  <a16:creationId xmlns:a16="http://schemas.microsoft.com/office/drawing/2014/main" id="{32F09D0F-F86F-4AA5-AB1D-AAB1E5BA9228}"/>
+                </a:ext>
+                <a:ext uri="{C183D7F6-B498-43B3-948B-1728B52AA6E4}">
+                  <adec:decorative xmlns:adec="http://schemas.microsoft.com/office/drawing/2017/decorative" val="1"/>
+                </a:ext>
+              </a:extLst>
+            </p:cNvPr>
+            <p:cNvCxnSpPr>
+              <a:cxnSpLocks/>
+            </p:cNvCxnSpPr>
+            <p:nvPr>
+              <p:extLst>
+                <p:ext uri="{386F3935-93C4-4BCD-93E2-E3B085C9AB24}">
+                  <p16:designElem xmlns:p16="http://schemas.microsoft.com/office/powerpoint/2015/main" val="1"/>
+                </p:ext>
+              </p:extLst>
+            </p:nvPr>
+          </p:nvCxnSpPr>
+          <p:spPr>
+            <a:xfrm>
+              <a:off x="10026468" y="-1"/>
+              <a:ext cx="0" cy="6858000"/>
+            </a:xfrm>
+            <a:prstGeom prst="line">
+              <a:avLst/>
+            </a:prstGeom>
+            <a:ln w="12700">
+              <a:solidFill>
+                <a:srgbClr val="BCBCBC">
+                  <a:alpha val="29804"/>
+                </a:srgbClr>
+              </a:solidFill>
+              <a:prstDash val="sysDot"/>
+            </a:ln>
+          </p:spPr>
+          <p:style>
+            <a:lnRef idx="1">
+              <a:schemeClr val="accent1"/>
+            </a:lnRef>
+            <a:fillRef idx="0">
+              <a:schemeClr val="accent1"/>
+            </a:fillRef>
+            <a:effectRef idx="0">
+              <a:schemeClr val="accent1"/>
+            </a:effectRef>
+            <a:fontRef idx="minor">
+              <a:schemeClr val="tx1"/>
+            </a:fontRef>
+          </p:style>
+        </p:cxnSp>
+        <p:cxnSp>
+          <p:nvCxnSpPr>
+            <p:cNvPr id="26" name="Straight Connector 25">
+              <a:extLst>
+                <a:ext uri="{FF2B5EF4-FFF2-40B4-BE49-F238E27FC236}">
+                  <a16:creationId xmlns:a16="http://schemas.microsoft.com/office/drawing/2014/main" id="{09569AF0-6598-4FCC-803D-B3C3DE030B64}"/>
+                </a:ext>
+                <a:ext uri="{C183D7F6-B498-43B3-948B-1728B52AA6E4}">
+                  <adec:decorative xmlns:adec="http://schemas.microsoft.com/office/drawing/2017/decorative" val="1"/>
+                </a:ext>
+              </a:extLst>
+            </p:cNvPr>
+            <p:cNvCxnSpPr>
+              <a:cxnSpLocks/>
+            </p:cNvCxnSpPr>
+            <p:nvPr>
+              <p:extLst>
+                <p:ext uri="{386F3935-93C4-4BCD-93E2-E3B085C9AB24}">
+                  <p16:designElem xmlns:p16="http://schemas.microsoft.com/office/powerpoint/2015/main" val="1"/>
+                </p:ext>
+              </p:extLst>
+            </p:nvPr>
+          </p:nvCxnSpPr>
+          <p:spPr>
+            <a:xfrm>
+              <a:off x="11009862" y="-1"/>
+              <a:ext cx="0" cy="6858000"/>
+            </a:xfrm>
+            <a:prstGeom prst="line">
+              <a:avLst/>
+            </a:prstGeom>
+            <a:ln w="12700">
+              <a:solidFill>
+                <a:srgbClr val="BCBCBC">
+                  <a:alpha val="29804"/>
+                </a:srgbClr>
+              </a:solidFill>
+              <a:prstDash val="sysDot"/>
+            </a:ln>
+          </p:spPr>
+          <p:style>
+            <a:lnRef idx="1">
+              <a:schemeClr val="accent1"/>
+            </a:lnRef>
+            <a:fillRef idx="0">
+              <a:schemeClr val="accent1"/>
+            </a:fillRef>
+            <a:effectRef idx="0">
+              <a:schemeClr val="accent1"/>
+            </a:effectRef>
+            <a:fontRef idx="minor">
+              <a:schemeClr val="tx1"/>
+            </a:fontRef>
+          </p:style>
+        </p:cxnSp>
+        <p:cxnSp>
+          <p:nvCxnSpPr>
+            <p:cNvPr id="27" name="Straight Connector 26">
+              <a:extLst>
+                <a:ext uri="{FF2B5EF4-FFF2-40B4-BE49-F238E27FC236}">
+                  <a16:creationId xmlns:a16="http://schemas.microsoft.com/office/drawing/2014/main" id="{91B68A9D-7921-44B8-8464-E36F028EEAF0}"/>
+                </a:ext>
+                <a:ext uri="{C183D7F6-B498-43B3-948B-1728B52AA6E4}">
+                  <adec:decorative xmlns:adec="http://schemas.microsoft.com/office/drawing/2017/decorative" val="1"/>
+                </a:ext>
+              </a:extLst>
+            </p:cNvPr>
+            <p:cNvCxnSpPr>
+              <a:cxnSpLocks/>
+            </p:cNvCxnSpPr>
+            <p:nvPr>
+              <p:extLst>
+                <p:ext uri="{386F3935-93C4-4BCD-93E2-E3B085C9AB24}">
+                  <p16:designElem xmlns:p16="http://schemas.microsoft.com/office/powerpoint/2015/main" val="1"/>
+                </p:ext>
+              </p:extLst>
+            </p:nvPr>
+          </p:nvCxnSpPr>
+          <p:spPr>
+            <a:xfrm>
+              <a:off x="12185786" y="-1"/>
+              <a:ext cx="0" cy="6858000"/>
+            </a:xfrm>
+            <a:prstGeom prst="line">
+              <a:avLst/>
+            </a:prstGeom>
+            <a:ln w="12700">
+              <a:solidFill>
+                <a:srgbClr val="BCBCBC">
+                  <a:alpha val="29804"/>
+                </a:srgbClr>
+              </a:solidFill>
+              <a:prstDash val="sysDot"/>
+            </a:ln>
+          </p:spPr>
+          <p:style>
+            <a:lnRef idx="1">
+              <a:schemeClr val="accent1"/>
+            </a:lnRef>
+            <a:fillRef idx="0">
+              <a:schemeClr val="accent1"/>
+            </a:fillRef>
+            <a:effectRef idx="0">
+              <a:schemeClr val="accent1"/>
+            </a:effectRef>
+            <a:fontRef idx="minor">
+              <a:schemeClr val="tx1"/>
+            </a:fontRef>
+          </p:style>
+        </p:cxnSp>
+        <p:cxnSp>
+          <p:nvCxnSpPr>
+            <p:cNvPr id="28" name="Straight Connector 27">
+              <a:extLst>
+                <a:ext uri="{FF2B5EF4-FFF2-40B4-BE49-F238E27FC236}">
+                  <a16:creationId xmlns:a16="http://schemas.microsoft.com/office/drawing/2014/main" id="{F68EB3D7-2443-4764-9991-B691C090C0AC}"/>
+                </a:ext>
+                <a:ext uri="{C183D7F6-B498-43B3-948B-1728B52AA6E4}">
+                  <adec:decorative xmlns:adec="http://schemas.microsoft.com/office/drawing/2017/decorative" val="1"/>
+                </a:ext>
+              </a:extLst>
+            </p:cNvPr>
+            <p:cNvCxnSpPr>
+              <a:cxnSpLocks/>
+            </p:cNvCxnSpPr>
+            <p:nvPr>
+              <p:extLst>
+                <p:ext uri="{386F3935-93C4-4BCD-93E2-E3B085C9AB24}">
+                  <p16:designElem xmlns:p16="http://schemas.microsoft.com/office/powerpoint/2015/main" val="1"/>
+                </p:ext>
+              </p:extLst>
+            </p:nvPr>
+          </p:nvCxnSpPr>
+          <p:spPr>
+            <a:xfrm>
+              <a:off x="0" y="171716"/>
+              <a:ext cx="12192000" cy="0"/>
+            </a:xfrm>
+            <a:prstGeom prst="line">
+              <a:avLst/>
+            </a:prstGeom>
+            <a:ln w="12700">
+              <a:solidFill>
+                <a:srgbClr val="BCBCBC">
+                  <a:alpha val="29804"/>
+                </a:srgbClr>
+              </a:solidFill>
+              <a:prstDash val="sysDot"/>
+            </a:ln>
+          </p:spPr>
+          <p:style>
+            <a:lnRef idx="1">
+              <a:schemeClr val="accent1"/>
+            </a:lnRef>
+            <a:fillRef idx="0">
+              <a:schemeClr val="accent1"/>
+            </a:fillRef>
+            <a:effectRef idx="0">
+              <a:schemeClr val="accent1"/>
+            </a:effectRef>
+            <a:fontRef idx="minor">
+              <a:schemeClr val="tx1"/>
+            </a:fontRef>
+          </p:style>
+        </p:cxnSp>
+        <p:cxnSp>
+          <p:nvCxnSpPr>
+            <p:cNvPr id="29" name="Straight Connector 28">
+              <a:extLst>
+                <a:ext uri="{FF2B5EF4-FFF2-40B4-BE49-F238E27FC236}">
+                  <a16:creationId xmlns:a16="http://schemas.microsoft.com/office/drawing/2014/main" id="{DA6128C1-7748-441C-94E4-1874BB57790E}"/>
+                </a:ext>
+                <a:ext uri="{C183D7F6-B498-43B3-948B-1728B52AA6E4}">
+                  <adec:decorative xmlns:adec="http://schemas.microsoft.com/office/drawing/2017/decorative" val="1"/>
+                </a:ext>
+              </a:extLst>
+            </p:cNvPr>
+            <p:cNvCxnSpPr>
+              <a:cxnSpLocks/>
+            </p:cNvCxnSpPr>
+            <p:nvPr>
+              <p:extLst>
+                <p:ext uri="{386F3935-93C4-4BCD-93E2-E3B085C9AB24}">
+                  <p16:designElem xmlns:p16="http://schemas.microsoft.com/office/powerpoint/2015/main" val="1"/>
+                </p:ext>
+              </p:extLst>
+            </p:nvPr>
+          </p:nvCxnSpPr>
+          <p:spPr>
+            <a:xfrm>
+              <a:off x="0" y="714597"/>
+              <a:ext cx="12192000" cy="0"/>
+            </a:xfrm>
+            <a:prstGeom prst="line">
+              <a:avLst/>
+            </a:prstGeom>
+            <a:ln w="12700">
+              <a:solidFill>
+                <a:srgbClr val="BCBCBC">
+                  <a:alpha val="29804"/>
+                </a:srgbClr>
+              </a:solidFill>
+              <a:prstDash val="sysDot"/>
+            </a:ln>
+          </p:spPr>
+          <p:style>
+            <a:lnRef idx="1">
+              <a:schemeClr val="accent1"/>
+            </a:lnRef>
+            <a:fillRef idx="0">
+              <a:schemeClr val="accent1"/>
+            </a:fillRef>
+            <a:effectRef idx="0">
+              <a:schemeClr val="accent1"/>
+            </a:effectRef>
+            <a:fontRef idx="minor">
+              <a:schemeClr val="tx1"/>
+            </a:fontRef>
+          </p:style>
+        </p:cxnSp>
+        <p:cxnSp>
+          <p:nvCxnSpPr>
+            <p:cNvPr id="30" name="Straight Connector 29">
+              <a:extLst>
+                <a:ext uri="{FF2B5EF4-FFF2-40B4-BE49-F238E27FC236}">
+                  <a16:creationId xmlns:a16="http://schemas.microsoft.com/office/drawing/2014/main" id="{8276682F-0434-4D7E-B400-2DF99D969B4C}"/>
+                </a:ext>
+                <a:ext uri="{C183D7F6-B498-43B3-948B-1728B52AA6E4}">
+                  <adec:decorative xmlns:adec="http://schemas.microsoft.com/office/drawing/2017/decorative" val="1"/>
+                </a:ext>
+              </a:extLst>
+            </p:cNvPr>
+            <p:cNvCxnSpPr>
+              <a:cxnSpLocks/>
+            </p:cNvCxnSpPr>
+            <p:nvPr>
+              <p:extLst>
+                <p:ext uri="{386F3935-93C4-4BCD-93E2-E3B085C9AB24}">
+                  <p16:designElem xmlns:p16="http://schemas.microsoft.com/office/powerpoint/2015/main" val="1"/>
+                </p:ext>
+              </p:extLst>
+            </p:nvPr>
+          </p:nvCxnSpPr>
+          <p:spPr>
+            <a:xfrm>
+              <a:off x="0" y="1257478"/>
+              <a:ext cx="12192000" cy="0"/>
+            </a:xfrm>
+            <a:prstGeom prst="line">
+              <a:avLst/>
+            </a:prstGeom>
+            <a:ln w="12700">
+              <a:solidFill>
+                <a:srgbClr val="BCBCBC">
+                  <a:alpha val="29804"/>
+                </a:srgbClr>
+              </a:solidFill>
+              <a:prstDash val="sysDot"/>
+            </a:ln>
+          </p:spPr>
+          <p:style>
+            <a:lnRef idx="1">
+              <a:schemeClr val="accent1"/>
+            </a:lnRef>
+            <a:fillRef idx="0">
+              <a:schemeClr val="accent1"/>
+            </a:fillRef>
+            <a:effectRef idx="0">
+              <a:schemeClr val="accent1"/>
+            </a:effectRef>
+            <a:fontRef idx="minor">
+              <a:schemeClr val="tx1"/>
+            </a:fontRef>
+          </p:style>
+        </p:cxnSp>
+        <p:cxnSp>
+          <p:nvCxnSpPr>
+            <p:cNvPr id="31" name="Straight Connector 30">
+              <a:extLst>
+                <a:ext uri="{FF2B5EF4-FFF2-40B4-BE49-F238E27FC236}">
+                  <a16:creationId xmlns:a16="http://schemas.microsoft.com/office/drawing/2014/main" id="{1CD2F02B-2688-4DCD-9610-1C086528FCC7}"/>
+                </a:ext>
+                <a:ext uri="{C183D7F6-B498-43B3-948B-1728B52AA6E4}">
+                  <adec:decorative xmlns:adec="http://schemas.microsoft.com/office/drawing/2017/decorative" val="1"/>
+                </a:ext>
+              </a:extLst>
+            </p:cNvPr>
+            <p:cNvCxnSpPr>
+              <a:cxnSpLocks/>
+            </p:cNvCxnSpPr>
+            <p:nvPr>
+              <p:extLst>
+                <p:ext uri="{386F3935-93C4-4BCD-93E2-E3B085C9AB24}">
+                  <p16:designElem xmlns:p16="http://schemas.microsoft.com/office/powerpoint/2015/main" val="1"/>
+                </p:ext>
+              </p:extLst>
+            </p:nvPr>
+          </p:nvCxnSpPr>
+          <p:spPr>
+            <a:xfrm>
+              <a:off x="0" y="1800359"/>
+              <a:ext cx="12192000" cy="0"/>
+            </a:xfrm>
+            <a:prstGeom prst="line">
+              <a:avLst/>
+            </a:prstGeom>
+            <a:ln w="12700">
+              <a:solidFill>
+                <a:srgbClr val="BCBCBC">
+                  <a:alpha val="29804"/>
+                </a:srgbClr>
+              </a:solidFill>
+              <a:prstDash val="sysDot"/>
+            </a:ln>
+          </p:spPr>
+          <p:style>
+            <a:lnRef idx="1">
+              <a:schemeClr val="accent1"/>
+            </a:lnRef>
+            <a:fillRef idx="0">
+              <a:schemeClr val="accent1"/>
+            </a:fillRef>
+            <a:effectRef idx="0">
+              <a:schemeClr val="accent1"/>
+            </a:effectRef>
+            <a:fontRef idx="minor">
+              <a:schemeClr val="tx1"/>
+            </a:fontRef>
+          </p:style>
+        </p:cxnSp>
+        <p:cxnSp>
+          <p:nvCxnSpPr>
+            <p:cNvPr id="32" name="Straight Connector 31">
+              <a:extLst>
+                <a:ext uri="{FF2B5EF4-FFF2-40B4-BE49-F238E27FC236}">
+                  <a16:creationId xmlns:a16="http://schemas.microsoft.com/office/drawing/2014/main" id="{0BA0DA4B-915F-4A6D-8368-BE7B53E426CB}"/>
+                </a:ext>
+                <a:ext uri="{C183D7F6-B498-43B3-948B-1728B52AA6E4}">
+                  <adec:decorative xmlns:adec="http://schemas.microsoft.com/office/drawing/2017/decorative" val="1"/>
+                </a:ext>
+              </a:extLst>
+            </p:cNvPr>
+            <p:cNvCxnSpPr>
+              <a:cxnSpLocks/>
+            </p:cNvCxnSpPr>
+            <p:nvPr>
+              <p:extLst>
+                <p:ext uri="{386F3935-93C4-4BCD-93E2-E3B085C9AB24}">
+                  <p16:designElem xmlns:p16="http://schemas.microsoft.com/office/powerpoint/2015/main" val="1"/>
+                </p:ext>
+              </p:extLst>
+            </p:nvPr>
+          </p:nvCxnSpPr>
+          <p:spPr>
+            <a:xfrm>
+              <a:off x="0" y="2343240"/>
+              <a:ext cx="12192000" cy="0"/>
+            </a:xfrm>
+            <a:prstGeom prst="line">
+              <a:avLst/>
+            </a:prstGeom>
+            <a:ln w="12700">
+              <a:solidFill>
+                <a:srgbClr val="BCBCBC">
+                  <a:alpha val="29804"/>
+                </a:srgbClr>
+              </a:solidFill>
+              <a:prstDash val="sysDot"/>
+            </a:ln>
+          </p:spPr>
+          <p:style>
+            <a:lnRef idx="1">
+              <a:schemeClr val="accent1"/>
+            </a:lnRef>
+            <a:fillRef idx="0">
+              <a:schemeClr val="accent1"/>
+            </a:fillRef>
+            <a:effectRef idx="0">
+              <a:schemeClr val="accent1"/>
+            </a:effectRef>
+            <a:fontRef idx="minor">
+              <a:schemeClr val="tx1"/>
+            </a:fontRef>
+          </p:style>
+        </p:cxnSp>
+        <p:cxnSp>
+          <p:nvCxnSpPr>
+            <p:cNvPr id="33" name="Straight Connector 32">
+              <a:extLst>
+                <a:ext uri="{FF2B5EF4-FFF2-40B4-BE49-F238E27FC236}">
+                  <a16:creationId xmlns:a16="http://schemas.microsoft.com/office/drawing/2014/main" id="{601711BC-8D96-4E1F-934B-9E382A617A53}"/>
+                </a:ext>
+                <a:ext uri="{C183D7F6-B498-43B3-948B-1728B52AA6E4}">
+                  <adec:decorative xmlns:adec="http://schemas.microsoft.com/office/drawing/2017/decorative" val="1"/>
+                </a:ext>
+              </a:extLst>
+            </p:cNvPr>
+            <p:cNvCxnSpPr>
+              <a:cxnSpLocks/>
+            </p:cNvCxnSpPr>
+            <p:nvPr>
+              <p:extLst>
+                <p:ext uri="{386F3935-93C4-4BCD-93E2-E3B085C9AB24}">
+                  <p16:designElem xmlns:p16="http://schemas.microsoft.com/office/powerpoint/2015/main" val="1"/>
+                </p:ext>
+              </p:extLst>
+            </p:nvPr>
+          </p:nvCxnSpPr>
+          <p:spPr>
+            <a:xfrm>
+              <a:off x="0" y="2886121"/>
+              <a:ext cx="12192000" cy="0"/>
+            </a:xfrm>
+            <a:prstGeom prst="line">
+              <a:avLst/>
+            </a:prstGeom>
+            <a:ln w="12700">
+              <a:solidFill>
+                <a:srgbClr val="BCBCBC">
+                  <a:alpha val="29804"/>
+                </a:srgbClr>
+              </a:solidFill>
+              <a:prstDash val="sysDot"/>
+            </a:ln>
+          </p:spPr>
+          <p:style>
+            <a:lnRef idx="1">
+              <a:schemeClr val="accent1"/>
+            </a:lnRef>
+            <a:fillRef idx="0">
+              <a:schemeClr val="accent1"/>
+            </a:fillRef>
+            <a:effectRef idx="0">
+              <a:schemeClr val="accent1"/>
+            </a:effectRef>
+            <a:fontRef idx="minor">
+              <a:schemeClr val="tx1"/>
+            </a:fontRef>
+          </p:style>
+        </p:cxnSp>
+        <p:cxnSp>
+          <p:nvCxnSpPr>
+            <p:cNvPr id="34" name="Straight Connector 33">
+              <a:extLst>
+                <a:ext uri="{FF2B5EF4-FFF2-40B4-BE49-F238E27FC236}">
+                  <a16:creationId xmlns:a16="http://schemas.microsoft.com/office/drawing/2014/main" id="{4364551E-CB94-4200-809A-9E33122BA620}"/>
+                </a:ext>
+                <a:ext uri="{C183D7F6-B498-43B3-948B-1728B52AA6E4}">
+                  <adec:decorative xmlns:adec="http://schemas.microsoft.com/office/drawing/2017/decorative" val="1"/>
+                </a:ext>
+              </a:extLst>
+            </p:cNvPr>
+            <p:cNvCxnSpPr>
+              <a:cxnSpLocks/>
+            </p:cNvCxnSpPr>
+            <p:nvPr>
+              <p:extLst>
+                <p:ext uri="{386F3935-93C4-4BCD-93E2-E3B085C9AB24}">
+                  <p16:designElem xmlns:p16="http://schemas.microsoft.com/office/powerpoint/2015/main" val="1"/>
+                </p:ext>
+              </p:extLst>
+            </p:nvPr>
+          </p:nvCxnSpPr>
+          <p:spPr>
+            <a:xfrm>
+              <a:off x="0" y="3429002"/>
+              <a:ext cx="12192000" cy="0"/>
+            </a:xfrm>
+            <a:prstGeom prst="line">
+              <a:avLst/>
+            </a:prstGeom>
+            <a:ln w="12700">
+              <a:solidFill>
+                <a:srgbClr val="BCBCBC">
+                  <a:alpha val="29804"/>
+                </a:srgbClr>
+              </a:solidFill>
+              <a:prstDash val="sysDot"/>
+            </a:ln>
+          </p:spPr>
+          <p:style>
+            <a:lnRef idx="1">
+              <a:schemeClr val="accent1"/>
+            </a:lnRef>
+            <a:fillRef idx="0">
+              <a:schemeClr val="accent1"/>
+            </a:fillRef>
+            <a:effectRef idx="0">
+              <a:schemeClr val="accent1"/>
+            </a:effectRef>
+            <a:fontRef idx="minor">
+              <a:schemeClr val="tx1"/>
+            </a:fontRef>
+          </p:style>
+        </p:cxnSp>
+        <p:cxnSp>
+          <p:nvCxnSpPr>
+            <p:cNvPr id="35" name="Straight Connector 34">
+              <a:extLst>
+                <a:ext uri="{FF2B5EF4-FFF2-40B4-BE49-F238E27FC236}">
+                  <a16:creationId xmlns:a16="http://schemas.microsoft.com/office/drawing/2014/main" id="{464389BE-74F0-4F54-9DE0-2BCB33C78FA0}"/>
+                </a:ext>
+                <a:ext uri="{C183D7F6-B498-43B3-948B-1728B52AA6E4}">
+                  <adec:decorative xmlns:adec="http://schemas.microsoft.com/office/drawing/2017/decorative" val="1"/>
+                </a:ext>
+              </a:extLst>
+            </p:cNvPr>
+            <p:cNvCxnSpPr>
+              <a:cxnSpLocks/>
+            </p:cNvCxnSpPr>
+            <p:nvPr>
+              <p:extLst>
+                <p:ext uri="{386F3935-93C4-4BCD-93E2-E3B085C9AB24}">
+                  <p16:designElem xmlns:p16="http://schemas.microsoft.com/office/powerpoint/2015/main" val="1"/>
+                </p:ext>
+              </p:extLst>
+            </p:nvPr>
+          </p:nvCxnSpPr>
+          <p:spPr>
+            <a:xfrm>
+              <a:off x="0" y="3971883"/>
+              <a:ext cx="12192000" cy="0"/>
+            </a:xfrm>
+            <a:prstGeom prst="line">
+              <a:avLst/>
+            </a:prstGeom>
+            <a:ln w="12700">
+              <a:solidFill>
+                <a:srgbClr val="BCBCBC">
+                  <a:alpha val="29804"/>
+                </a:srgbClr>
+              </a:solidFill>
+              <a:prstDash val="sysDot"/>
+            </a:ln>
+          </p:spPr>
+          <p:style>
+            <a:lnRef idx="1">
+              <a:schemeClr val="accent1"/>
+            </a:lnRef>
+            <a:fillRef idx="0">
+              <a:schemeClr val="accent1"/>
+            </a:fillRef>
+            <a:effectRef idx="0">
+              <a:schemeClr val="accent1"/>
+            </a:effectRef>
+            <a:fontRef idx="minor">
+              <a:schemeClr val="tx1"/>
+            </a:fontRef>
+          </p:style>
+        </p:cxnSp>
+        <p:cxnSp>
+          <p:nvCxnSpPr>
+            <p:cNvPr id="36" name="Straight Connector 35">
+              <a:extLst>
+                <a:ext uri="{FF2B5EF4-FFF2-40B4-BE49-F238E27FC236}">
+                  <a16:creationId xmlns:a16="http://schemas.microsoft.com/office/drawing/2014/main" id="{26721F72-5343-46B1-AFC1-6DF4FF7710D3}"/>
+                </a:ext>
+                <a:ext uri="{C183D7F6-B498-43B3-948B-1728B52AA6E4}">
+                  <adec:decorative xmlns:adec="http://schemas.microsoft.com/office/drawing/2017/decorative" val="1"/>
+                </a:ext>
+              </a:extLst>
+            </p:cNvPr>
+            <p:cNvCxnSpPr>
+              <a:cxnSpLocks/>
+            </p:cNvCxnSpPr>
+            <p:nvPr>
+              <p:extLst>
+                <p:ext uri="{386F3935-93C4-4BCD-93E2-E3B085C9AB24}">
+                  <p16:designElem xmlns:p16="http://schemas.microsoft.com/office/powerpoint/2015/main" val="1"/>
+                </p:ext>
+              </p:extLst>
+            </p:nvPr>
+          </p:nvCxnSpPr>
+          <p:spPr>
+            <a:xfrm>
+              <a:off x="0" y="4514764"/>
+              <a:ext cx="12192000" cy="0"/>
+            </a:xfrm>
+            <a:prstGeom prst="line">
+              <a:avLst/>
+            </a:prstGeom>
+            <a:ln w="12700">
+              <a:solidFill>
+                <a:srgbClr val="BCBCBC">
+                  <a:alpha val="29804"/>
+                </a:srgbClr>
+              </a:solidFill>
+              <a:prstDash val="sysDot"/>
+            </a:ln>
+          </p:spPr>
+          <p:style>
+            <a:lnRef idx="1">
+              <a:schemeClr val="accent1"/>
+            </a:lnRef>
+            <a:fillRef idx="0">
+              <a:schemeClr val="accent1"/>
+            </a:fillRef>
+            <a:effectRef idx="0">
+              <a:schemeClr val="accent1"/>
+            </a:effectRef>
+            <a:fontRef idx="minor">
+              <a:schemeClr val="tx1"/>
+            </a:fontRef>
+          </p:style>
+        </p:cxnSp>
+        <p:cxnSp>
+          <p:nvCxnSpPr>
+            <p:cNvPr id="37" name="Straight Connector 36">
+              <a:extLst>
+                <a:ext uri="{FF2B5EF4-FFF2-40B4-BE49-F238E27FC236}">
+                  <a16:creationId xmlns:a16="http://schemas.microsoft.com/office/drawing/2014/main" id="{D4A528A6-14EE-4010-93CB-95F75CB96EAE}"/>
+                </a:ext>
+                <a:ext uri="{C183D7F6-B498-43B3-948B-1728B52AA6E4}">
+                  <adec:decorative xmlns:adec="http://schemas.microsoft.com/office/drawing/2017/decorative" val="1"/>
+                </a:ext>
+              </a:extLst>
+            </p:cNvPr>
+            <p:cNvCxnSpPr>
+              <a:cxnSpLocks/>
+            </p:cNvCxnSpPr>
+            <p:nvPr>
+              <p:extLst>
+                <p:ext uri="{386F3935-93C4-4BCD-93E2-E3B085C9AB24}">
+                  <p16:designElem xmlns:p16="http://schemas.microsoft.com/office/powerpoint/2015/main" val="1"/>
+                </p:ext>
+              </p:extLst>
+            </p:nvPr>
+          </p:nvCxnSpPr>
+          <p:spPr>
+            <a:xfrm>
+              <a:off x="0" y="5057645"/>
+              <a:ext cx="12192000" cy="0"/>
+            </a:xfrm>
+            <a:prstGeom prst="line">
+              <a:avLst/>
+            </a:prstGeom>
+            <a:ln w="12700">
+              <a:solidFill>
+                <a:srgbClr val="BCBCBC">
+                  <a:alpha val="29804"/>
+                </a:srgbClr>
+              </a:solidFill>
+              <a:prstDash val="sysDot"/>
+            </a:ln>
+          </p:spPr>
+          <p:style>
+            <a:lnRef idx="1">
+              <a:schemeClr val="accent1"/>
+            </a:lnRef>
+            <a:fillRef idx="0">
+              <a:schemeClr val="accent1"/>
+            </a:fillRef>
+            <a:effectRef idx="0">
+              <a:schemeClr val="accent1"/>
+            </a:effectRef>
+            <a:fontRef idx="minor">
+              <a:schemeClr val="tx1"/>
+            </a:fontRef>
+          </p:style>
+        </p:cxnSp>
+        <p:cxnSp>
+          <p:nvCxnSpPr>
+            <p:cNvPr id="38" name="Straight Connector 37">
+              <a:extLst>
+                <a:ext uri="{FF2B5EF4-FFF2-40B4-BE49-F238E27FC236}">
+                  <a16:creationId xmlns:a16="http://schemas.microsoft.com/office/drawing/2014/main" id="{9186140D-084D-4621-A556-65927AB449FD}"/>
+                </a:ext>
+                <a:ext uri="{C183D7F6-B498-43B3-948B-1728B52AA6E4}">
+                  <adec:decorative xmlns:adec="http://schemas.microsoft.com/office/drawing/2017/decorative" val="1"/>
+                </a:ext>
+              </a:extLst>
+            </p:cNvPr>
+            <p:cNvCxnSpPr>
+              <a:cxnSpLocks/>
+            </p:cNvCxnSpPr>
+            <p:nvPr>
+              <p:extLst>
+                <p:ext uri="{386F3935-93C4-4BCD-93E2-E3B085C9AB24}">
+                  <p16:designElem xmlns:p16="http://schemas.microsoft.com/office/powerpoint/2015/main" val="1"/>
+                </p:ext>
+              </p:extLst>
+            </p:nvPr>
+          </p:nvCxnSpPr>
+          <p:spPr>
+            <a:xfrm>
+              <a:off x="0" y="5600526"/>
+              <a:ext cx="12192000" cy="0"/>
+            </a:xfrm>
+            <a:prstGeom prst="line">
+              <a:avLst/>
+            </a:prstGeom>
+            <a:ln w="12700">
+              <a:solidFill>
+                <a:srgbClr val="BCBCBC">
+                  <a:alpha val="29804"/>
+                </a:srgbClr>
+              </a:solidFill>
+              <a:prstDash val="sysDot"/>
+            </a:ln>
+          </p:spPr>
+          <p:style>
+            <a:lnRef idx="1">
+              <a:schemeClr val="accent1"/>
+            </a:lnRef>
+            <a:fillRef idx="0">
+              <a:schemeClr val="accent1"/>
+            </a:fillRef>
+            <a:effectRef idx="0">
+              <a:schemeClr val="accent1"/>
+            </a:effectRef>
+            <a:fontRef idx="minor">
+              <a:schemeClr val="tx1"/>
+            </a:fontRef>
+          </p:style>
+        </p:cxnSp>
+        <p:cxnSp>
+          <p:nvCxnSpPr>
+            <p:cNvPr id="39" name="Straight Connector 38">
+              <a:extLst>
+                <a:ext uri="{FF2B5EF4-FFF2-40B4-BE49-F238E27FC236}">
+                  <a16:creationId xmlns:a16="http://schemas.microsoft.com/office/drawing/2014/main" id="{A2049A17-7EE3-4BEF-B630-AD0AB020E6AB}"/>
+                </a:ext>
+                <a:ext uri="{C183D7F6-B498-43B3-948B-1728B52AA6E4}">
+                  <adec:decorative xmlns:adec="http://schemas.microsoft.com/office/drawing/2017/decorative" val="1"/>
+                </a:ext>
+              </a:extLst>
+            </p:cNvPr>
+            <p:cNvCxnSpPr>
+              <a:cxnSpLocks/>
+            </p:cNvCxnSpPr>
+            <p:nvPr>
+              <p:extLst>
+                <p:ext uri="{386F3935-93C4-4BCD-93E2-E3B085C9AB24}">
+                  <p16:designElem xmlns:p16="http://schemas.microsoft.com/office/powerpoint/2015/main" val="1"/>
+                </p:ext>
+              </p:extLst>
+            </p:nvPr>
+          </p:nvCxnSpPr>
+          <p:spPr>
+            <a:xfrm>
+              <a:off x="0" y="6857999"/>
+              <a:ext cx="12192000" cy="0"/>
+            </a:xfrm>
+            <a:prstGeom prst="line">
+              <a:avLst/>
+            </a:prstGeom>
+            <a:ln w="12700">
+              <a:solidFill>
+                <a:srgbClr val="BCBCBC">
+                  <a:alpha val="29804"/>
+                </a:srgbClr>
+              </a:solidFill>
+              <a:prstDash val="sysDot"/>
+            </a:ln>
+          </p:spPr>
+          <p:style>
+            <a:lnRef idx="1">
+              <a:schemeClr val="accent1"/>
+            </a:lnRef>
+            <a:fillRef idx="0">
+              <a:schemeClr val="accent1"/>
+            </a:fillRef>
+            <a:effectRef idx="0">
+              <a:schemeClr val="accent1"/>
+            </a:effectRef>
+            <a:fontRef idx="minor">
+              <a:schemeClr val="tx1"/>
+            </a:fontRef>
+          </p:style>
+        </p:cxnSp>
+        <p:cxnSp>
+          <p:nvCxnSpPr>
+            <p:cNvPr id="40" name="Straight Connector 39">
+              <a:extLst>
+                <a:ext uri="{FF2B5EF4-FFF2-40B4-BE49-F238E27FC236}">
+                  <a16:creationId xmlns:a16="http://schemas.microsoft.com/office/drawing/2014/main" id="{0223B596-7D86-4AF3-AE7E-A696FEF1140D}"/>
+                </a:ext>
+                <a:ext uri="{C183D7F6-B498-43B3-948B-1728B52AA6E4}">
+                  <adec:decorative xmlns:adec="http://schemas.microsoft.com/office/drawing/2017/decorative" val="1"/>
+                </a:ext>
+              </a:extLst>
+            </p:cNvPr>
+            <p:cNvCxnSpPr>
+              <a:cxnSpLocks/>
+            </p:cNvCxnSpPr>
+            <p:nvPr>
+              <p:extLst>
+                <p:ext uri="{386F3935-93C4-4BCD-93E2-E3B085C9AB24}">
+                  <p16:designElem xmlns:p16="http://schemas.microsoft.com/office/powerpoint/2015/main" val="1"/>
+                </p:ext>
+              </p:extLst>
+            </p:nvPr>
+          </p:nvCxnSpPr>
+          <p:spPr>
+            <a:xfrm>
+              <a:off x="16613" y="6143407"/>
+              <a:ext cx="12192000" cy="0"/>
+            </a:xfrm>
+            <a:prstGeom prst="line">
+              <a:avLst/>
+            </a:prstGeom>
+            <a:ln w="12700">
+              <a:solidFill>
+                <a:srgbClr val="BCBCBC">
+                  <a:alpha val="29804"/>
+                </a:srgbClr>
+              </a:solidFill>
+              <a:prstDash val="sysDot"/>
+            </a:ln>
+          </p:spPr>
+          <p:style>
+            <a:lnRef idx="1">
+              <a:schemeClr val="accent1"/>
+            </a:lnRef>
+            <a:fillRef idx="0">
+              <a:schemeClr val="accent1"/>
+            </a:fillRef>
+            <a:effectRef idx="0">
+              <a:schemeClr val="accent1"/>
+            </a:effectRef>
+            <a:fontRef idx="minor">
+              <a:schemeClr val="tx1"/>
+            </a:fontRef>
+          </p:style>
+        </p:cxnSp>
+        <p:cxnSp>
+          <p:nvCxnSpPr>
+            <p:cNvPr id="41" name="Straight Connector 40">
+              <a:extLst>
+                <a:ext uri="{FF2B5EF4-FFF2-40B4-BE49-F238E27FC236}">
+                  <a16:creationId xmlns:a16="http://schemas.microsoft.com/office/drawing/2014/main" id="{3F7FC8FA-C1DE-4F38-BCDA-464A54783EF8}"/>
+                </a:ext>
+                <a:ext uri="{C183D7F6-B498-43B3-948B-1728B52AA6E4}">
+                  <adec:decorative xmlns:adec="http://schemas.microsoft.com/office/drawing/2017/decorative" val="1"/>
+                </a:ext>
+              </a:extLst>
+            </p:cNvPr>
+            <p:cNvCxnSpPr>
+              <a:cxnSpLocks/>
+            </p:cNvCxnSpPr>
+            <p:nvPr>
+              <p:extLst>
+                <p:ext uri="{386F3935-93C4-4BCD-93E2-E3B085C9AB24}">
+                  <p16:designElem xmlns:p16="http://schemas.microsoft.com/office/powerpoint/2015/main" val="1"/>
+                </p:ext>
+              </p:extLst>
+            </p:nvPr>
+          </p:nvCxnSpPr>
+          <p:spPr>
+            <a:xfrm>
+              <a:off x="684225" y="171716"/>
+              <a:ext cx="0" cy="6511464"/>
+            </a:xfrm>
+            <a:prstGeom prst="line">
+              <a:avLst/>
+            </a:prstGeom>
+            <a:ln w="12700">
+              <a:solidFill>
+                <a:srgbClr val="BCBCBC">
+                  <a:alpha val="29804"/>
+                </a:srgbClr>
+              </a:solidFill>
+              <a:prstDash val="sysDot"/>
+            </a:ln>
+          </p:spPr>
+          <p:style>
+            <a:lnRef idx="1">
+              <a:schemeClr val="accent1"/>
+            </a:lnRef>
+            <a:fillRef idx="0">
+              <a:schemeClr val="accent1"/>
+            </a:fillRef>
+            <a:effectRef idx="0">
+              <a:schemeClr val="accent1"/>
+            </a:effectRef>
+            <a:fontRef idx="minor">
+              <a:schemeClr val="tx1"/>
+            </a:fontRef>
+          </p:style>
+        </p:cxnSp>
+        <p:cxnSp>
+          <p:nvCxnSpPr>
+            <p:cNvPr id="42" name="Straight Connector 41">
+              <a:extLst>
+                <a:ext uri="{FF2B5EF4-FFF2-40B4-BE49-F238E27FC236}">
+                  <a16:creationId xmlns:a16="http://schemas.microsoft.com/office/drawing/2014/main" id="{B5BEFE2E-F050-46F9-BAD0-939F37AA992F}"/>
+                </a:ext>
+                <a:ext uri="{C183D7F6-B498-43B3-948B-1728B52AA6E4}">
+                  <adec:decorative xmlns:adec="http://schemas.microsoft.com/office/drawing/2017/decorative" val="1"/>
+                </a:ext>
+              </a:extLst>
+            </p:cNvPr>
+            <p:cNvCxnSpPr>
+              <a:cxnSpLocks/>
+            </p:cNvCxnSpPr>
+            <p:nvPr>
+              <p:extLst>
+                <p:ext uri="{386F3935-93C4-4BCD-93E2-E3B085C9AB24}">
+                  <p16:designElem xmlns:p16="http://schemas.microsoft.com/office/powerpoint/2015/main" val="1"/>
+                </p:ext>
+              </p:extLst>
+            </p:nvPr>
+          </p:nvCxnSpPr>
+          <p:spPr>
+            <a:xfrm>
+              <a:off x="11508412" y="173267"/>
+              <a:ext cx="0" cy="6511464"/>
+            </a:xfrm>
+            <a:prstGeom prst="line">
+              <a:avLst/>
+            </a:prstGeom>
+            <a:ln w="12700">
+              <a:solidFill>
+                <a:srgbClr val="BCBCBC">
+                  <a:alpha val="29804"/>
+                </a:srgbClr>
+              </a:solidFill>
+              <a:prstDash val="sysDot"/>
+            </a:ln>
+          </p:spPr>
+          <p:style>
+            <a:lnRef idx="1">
+              <a:schemeClr val="accent1"/>
+            </a:lnRef>
+            <a:fillRef idx="0">
+              <a:schemeClr val="accent1"/>
+            </a:fillRef>
+            <a:effectRef idx="0">
+              <a:schemeClr val="accent1"/>
+            </a:effectRef>
+            <a:fontRef idx="minor">
+              <a:schemeClr val="tx1"/>
+            </a:fontRef>
+          </p:style>
+        </p:cxnSp>
+      </p:grpSp>
+      <p:sp>
+        <p:nvSpPr>
+          <p:cNvPr id="44" name="Right Triangle 43">
+            <a:extLst>
+              <a:ext uri="{FF2B5EF4-FFF2-40B4-BE49-F238E27FC236}">
+                <a16:creationId xmlns:a16="http://schemas.microsoft.com/office/drawing/2014/main" id="{63D6C682-FD57-4DF7-854F-DD140E1E29B3}"/>
+              </a:ext>
+              <a:ext uri="{C183D7F6-B498-43B3-948B-1728B52AA6E4}">
+                <adec:decorative xmlns:adec="http://schemas.microsoft.com/office/drawing/2017/decorative" val="1"/>
+              </a:ext>
+            </a:extLst>
+          </p:cNvPr>
+          <p:cNvSpPr>
+            <a:spLocks noGrp="1" noRot="1" noChangeAspect="1" noMove="1" noResize="1" noEditPoints="1" noAdjustHandles="1" noChangeArrowheads="1" noChangeShapeType="1" noTextEdit="1"/>
+          </p:cNvSpPr>
+          <p:nvPr>
+            <p:extLst>
+              <p:ext uri="{386F3935-93C4-4BCD-93E2-E3B085C9AB24}">
+                <p16:designElem xmlns:p16="http://schemas.microsoft.com/office/powerpoint/2015/main" val="1"/>
+              </p:ext>
+            </p:extLst>
+          </p:nvPr>
+        </p:nvSpPr>
+        <p:spPr>
+          <a:xfrm rot="13500000">
+            <a:off x="-284142" y="1516213"/>
+            <a:ext cx="568289" cy="568289"/>
+          </a:xfrm>
+          <a:prstGeom prst="rtTriangle">
+            <a:avLst/>
+          </a:prstGeom>
+          <a:solidFill>
+            <a:schemeClr val="accent1">
+              <a:alpha val="50000"/>
+            </a:schemeClr>
+          </a:solidFill>
+          <a:ln>
+            <a:noFill/>
+          </a:ln>
+        </p:spPr>
+        <p:style>
+          <a:lnRef idx="2">
+            <a:schemeClr val="accent1">
+              <a:shade val="50000"/>
+            </a:schemeClr>
+          </a:lnRef>
+          <a:fillRef idx="1">
+            <a:schemeClr val="accent1"/>
+          </a:fillRef>
+          <a:effectRef idx="0">
+            <a:schemeClr val="accent1"/>
+          </a:effectRef>
+          <a:fontRef idx="minor">
+            <a:schemeClr val="lt1"/>
+          </a:fontRef>
+        </p:style>
+        <p:txBody>
+          <a:bodyPr rtlCol="0" anchor="ctr"/>
+          <a:lstStyle/>
+          <a:p>
+            <a:pPr marL="0" marR="0" lvl="0" indent="0" algn="ctr" defTabSz="914400" rtl="0" eaLnBrk="1" fontAlgn="auto" latinLnBrk="0" hangingPunct="1">
+              <a:lnSpc>
+                <a:spcPct val="100000"/>
+              </a:lnSpc>
+              <a:spcBef>
+                <a:spcPts val="0"/>
+              </a:spcBef>
+              <a:spcAft>
+                <a:spcPts val="0"/>
+              </a:spcAft>
+              <a:buClrTx/>
+              <a:buSzTx/>
+              <a:buFontTx/>
+              <a:buNone/>
+              <a:tabLst/>
+              <a:defRPr/>
+            </a:pPr>
+            <a:endParaRPr kumimoji="0" lang="en-US" sz="1800" b="0" i="0" u="none" strike="noStrike" kern="1200" cap="none" spc="0" normalizeH="0" baseline="0" noProof="0">
+              <a:ln>
+                <a:noFill/>
+              </a:ln>
+              <a:solidFill>
+                <a:srgbClr val="000000"/>
+              </a:solidFill>
+              <a:effectLst/>
+              <a:uLnTx/>
+              <a:uFillTx/>
+              <a:latin typeface="Grandview"/>
+              <a:ea typeface="+mn-ea"/>
+              <a:cs typeface="+mn-cs"/>
+            </a:endParaRPr>
+          </a:p>
+        </p:txBody>
+      </p:sp>
+      <p:sp>
+        <p:nvSpPr>
+          <p:cNvPr id="2" name="Title 1">
+            <a:extLst>
+              <a:ext uri="{FF2B5EF4-FFF2-40B4-BE49-F238E27FC236}">
+                <a16:creationId xmlns:a16="http://schemas.microsoft.com/office/drawing/2014/main" id="{CD9E9A87-428E-E0CB-593B-C3AE592D06DC}"/>
+              </a:ext>
+            </a:extLst>
+          </p:cNvPr>
+          <p:cNvSpPr>
+            <a:spLocks noGrp="1"/>
+          </p:cNvSpPr>
+          <p:nvPr>
+            <p:ph type="title"/>
+          </p:nvPr>
+        </p:nvSpPr>
+        <p:spPr>
+          <a:xfrm>
+            <a:off x="691079" y="725951"/>
+            <a:ext cx="10325000" cy="1380515"/>
+          </a:xfrm>
+        </p:spPr>
+        <p:txBody>
+          <a:bodyPr>
+            <a:normAutofit/>
+          </a:bodyPr>
+          <a:lstStyle/>
+          <a:p>
+            <a:pPr>
+              <a:lnSpc>
+                <a:spcPct val="90000"/>
+              </a:lnSpc>
+            </a:pPr>
+            <a:r>
+              <a:rPr lang="en-US" dirty="0"/>
+              <a:t>Roles and Responsibilities and contributions</a:t>
+            </a:r>
+          </a:p>
+        </p:txBody>
+      </p:sp>
+      <p:graphicFrame>
+        <p:nvGraphicFramePr>
+          <p:cNvPr id="5" name="Content Placeholder 2">
+            <a:extLst>
+              <a:ext uri="{FF2B5EF4-FFF2-40B4-BE49-F238E27FC236}">
+                <a16:creationId xmlns:a16="http://schemas.microsoft.com/office/drawing/2014/main" id="{6C9311FF-7913-8A82-6897-FEFF84E48257}"/>
+              </a:ext>
+            </a:extLst>
+          </p:cNvPr>
+          <p:cNvGraphicFramePr>
+            <a:graphicFrameLocks noGrp="1"/>
+          </p:cNvGraphicFramePr>
+          <p:nvPr>
+            <p:ph idx="1"/>
+            <p:extLst>
+              <p:ext uri="{D42A27DB-BD31-4B8C-83A1-F6EECF244321}">
+                <p14:modId xmlns:p14="http://schemas.microsoft.com/office/powerpoint/2010/main" val="2182357614"/>
+              </p:ext>
+            </p:extLst>
+          </p:nvPr>
+        </p:nvGraphicFramePr>
+        <p:xfrm>
+          <a:off x="690562" y="2339975"/>
+          <a:ext cx="11110166" cy="3800328"/>
+        </p:xfrm>
+        <a:graphic>
+          <a:graphicData uri="http://schemas.openxmlformats.org/drawingml/2006/diagram">
+            <dgm:relIds xmlns:dgm="http://schemas.openxmlformats.org/drawingml/2006/diagram" xmlns:r="http://schemas.openxmlformats.org/officeDocument/2006/relationships" r:dm="rId2" r:lo="rId3" r:qs="rId4" r:cs="rId5"/>
+          </a:graphicData>
+        </a:graphic>
+      </p:graphicFrame>
+    </p:spTree>
+    <p:extLst>
+      <p:ext uri="{BB962C8B-B14F-4D97-AF65-F5344CB8AC3E}">
+        <p14:creationId xmlns:p14="http://schemas.microsoft.com/office/powerpoint/2010/main" val="2420137175"/>
       </p:ext>
     </p:extLst>
   </p:cSld>
@@ -38622,14 +40892,6 @@
 <file path=ppt/slides/slide9.xml><?xml version="1.0" encoding="utf-8"?>
 <p:sld xmlns:a="http://schemas.openxmlformats.org/drawingml/2006/main" xmlns:r="http://schemas.openxmlformats.org/officeDocument/2006/relationships" xmlns:p="http://schemas.openxmlformats.org/presentationml/2006/main">
   <p:cSld>
-    <p:bg>
-      <p:bgPr>
-        <a:solidFill>
-          <a:schemeClr val="bg1"/>
-        </a:solidFill>
-        <a:effectLst/>
-      </p:bgPr>
-    </p:bg>
     <p:spTree>
       <p:nvGrpSpPr>
         <p:cNvPr id="1" name=""/>
@@ -38644,1838 +40906,12 @@
           <a:chExt cx="0" cy="0"/>
         </a:xfrm>
       </p:grpSpPr>
-      <p:sp useBgFill="1">
-        <p:nvSpPr>
-          <p:cNvPr id="8" name="Rectangle 7">
-            <a:extLst>
-              <a:ext uri="{FF2B5EF4-FFF2-40B4-BE49-F238E27FC236}">
-                <a16:creationId xmlns:a16="http://schemas.microsoft.com/office/drawing/2014/main" id="{2FD1FEA2-AFB3-4160-AD46-30A807296446}"/>
-              </a:ext>
-              <a:ext uri="{C183D7F6-B498-43B3-948B-1728B52AA6E4}">
-                <adec:decorative xmlns:adec="http://schemas.microsoft.com/office/drawing/2017/decorative" val="1"/>
-              </a:ext>
-            </a:extLst>
-          </p:cNvPr>
-          <p:cNvSpPr>
-            <a:spLocks noGrp="1" noRot="1" noChangeAspect="1" noMove="1" noResize="1" noEditPoints="1" noAdjustHandles="1" noChangeArrowheads="1" noChangeShapeType="1" noTextEdit="1"/>
-          </p:cNvSpPr>
-          <p:nvPr>
-            <p:extLst>
-              <p:ext uri="{386F3935-93C4-4BCD-93E2-E3B085C9AB24}">
-                <p16:designElem xmlns:p16="http://schemas.microsoft.com/office/powerpoint/2015/main" val="1"/>
-              </p:ext>
-            </p:extLst>
-          </p:nvPr>
-        </p:nvSpPr>
-        <p:spPr>
-          <a:xfrm>
-            <a:off x="0" y="0"/>
-            <a:ext cx="12188952" cy="6858000"/>
-          </a:xfrm>
-          <a:prstGeom prst="rect">
-            <a:avLst/>
-          </a:prstGeom>
-          <a:ln>
-            <a:noFill/>
-          </a:ln>
-        </p:spPr>
-        <p:style>
-          <a:lnRef idx="2">
-            <a:schemeClr val="accent1">
-              <a:shade val="50000"/>
-            </a:schemeClr>
-          </a:lnRef>
-          <a:fillRef idx="1">
-            <a:schemeClr val="accent1"/>
-          </a:fillRef>
-          <a:effectRef idx="0">
-            <a:schemeClr val="accent1"/>
-          </a:effectRef>
-          <a:fontRef idx="minor">
-            <a:schemeClr val="lt1"/>
-          </a:fontRef>
-        </p:style>
-        <p:txBody>
-          <a:bodyPr rtlCol="0" anchor="ctr"/>
-          <a:lstStyle/>
-          <a:p>
-            <a:pPr marL="0" marR="0" lvl="0" indent="0" algn="ctr" defTabSz="914400" rtl="0" eaLnBrk="1" fontAlgn="auto" latinLnBrk="0" hangingPunct="1">
-              <a:lnSpc>
-                <a:spcPct val="100000"/>
-              </a:lnSpc>
-              <a:spcBef>
-                <a:spcPts val="0"/>
-              </a:spcBef>
-              <a:spcAft>
-                <a:spcPts val="0"/>
-              </a:spcAft>
-              <a:buClrTx/>
-              <a:buSzTx/>
-              <a:buFontTx/>
-              <a:buNone/>
-              <a:tabLst/>
-              <a:defRPr/>
-            </a:pPr>
-            <a:endParaRPr kumimoji="0" lang="en-US" sz="1800" b="0" i="0" u="none" strike="noStrike" kern="1200" cap="none" spc="0" normalizeH="0" baseline="0" noProof="0">
-              <a:ln>
-                <a:noFill/>
-              </a:ln>
-              <a:solidFill>
-                <a:srgbClr val="FFFFFF"/>
-              </a:solidFill>
-              <a:effectLst/>
-              <a:uLnTx/>
-              <a:uFillTx/>
-              <a:latin typeface="Grandview"/>
-              <a:ea typeface="+mn-ea"/>
-              <a:cs typeface="+mn-cs"/>
-            </a:endParaRPr>
-          </a:p>
-        </p:txBody>
-      </p:sp>
-      <p:grpSp>
-        <p:nvGrpSpPr>
-          <p:cNvPr id="10" name="Group 9">
-            <a:extLst>
-              <a:ext uri="{FF2B5EF4-FFF2-40B4-BE49-F238E27FC236}">
-                <a16:creationId xmlns:a16="http://schemas.microsoft.com/office/drawing/2014/main" id="{514AF8D4-8E5C-4E3A-999F-1FE86654EE48}"/>
-              </a:ext>
-              <a:ext uri="{C183D7F6-B498-43B3-948B-1728B52AA6E4}">
-                <adec:decorative xmlns:adec="http://schemas.microsoft.com/office/drawing/2017/decorative" val="1"/>
-              </a:ext>
-            </a:extLst>
-          </p:cNvPr>
-          <p:cNvGrpSpPr>
-            <a:grpSpLocks noGrp="1" noUngrp="1" noRot="1" noChangeAspect="1" noMove="1" noResize="1"/>
-          </p:cNvGrpSpPr>
-          <p:nvPr>
-            <p:extLst>
-              <p:ext uri="{386F3935-93C4-4BCD-93E2-E3B085C9AB24}">
-                <p16:designElem xmlns:p16="http://schemas.microsoft.com/office/powerpoint/2015/main" val="1"/>
-              </p:ext>
-            </p:extLst>
-          </p:nvPr>
-        </p:nvGrpSpPr>
-        <p:grpSpPr>
-          <a:xfrm>
-            <a:off x="-6214" y="-1"/>
-            <a:ext cx="12214827" cy="6858000"/>
-            <a:chOff x="-6214" y="-1"/>
-            <a:chExt cx="12214827" cy="6858000"/>
-          </a:xfrm>
-        </p:grpSpPr>
-        <p:cxnSp>
-          <p:nvCxnSpPr>
-            <p:cNvPr id="11" name="Straight Connector 10">
-              <a:extLst>
-                <a:ext uri="{FF2B5EF4-FFF2-40B4-BE49-F238E27FC236}">
-                  <a16:creationId xmlns:a16="http://schemas.microsoft.com/office/drawing/2014/main" id="{AA8BE230-DCEC-4180-B5D3-EA65C4A34369}"/>
-                </a:ext>
-                <a:ext uri="{C183D7F6-B498-43B3-948B-1728B52AA6E4}">
-                  <adec:decorative xmlns:adec="http://schemas.microsoft.com/office/drawing/2017/decorative" val="1"/>
-                </a:ext>
-              </a:extLst>
-            </p:cNvPr>
-            <p:cNvCxnSpPr>
-              <a:cxnSpLocks/>
-            </p:cNvCxnSpPr>
-            <p:nvPr>
-              <p:extLst>
-                <p:ext uri="{386F3935-93C4-4BCD-93E2-E3B085C9AB24}">
-                  <p16:designElem xmlns:p16="http://schemas.microsoft.com/office/powerpoint/2015/main" val="1"/>
-                </p:ext>
-              </p:extLst>
-            </p:nvPr>
-          </p:nvCxnSpPr>
-          <p:spPr>
-            <a:xfrm>
-              <a:off x="-6214" y="6686283"/>
-              <a:ext cx="12192000" cy="0"/>
-            </a:xfrm>
-            <a:prstGeom prst="line">
-              <a:avLst/>
-            </a:prstGeom>
-            <a:ln w="12700">
-              <a:solidFill>
-                <a:srgbClr val="BCBCBC">
-                  <a:alpha val="29804"/>
-                </a:srgbClr>
-              </a:solidFill>
-              <a:prstDash val="sysDot"/>
-            </a:ln>
-          </p:spPr>
-          <p:style>
-            <a:lnRef idx="1">
-              <a:schemeClr val="accent1"/>
-            </a:lnRef>
-            <a:fillRef idx="0">
-              <a:schemeClr val="accent1"/>
-            </a:fillRef>
-            <a:effectRef idx="0">
-              <a:schemeClr val="accent1"/>
-            </a:effectRef>
-            <a:fontRef idx="minor">
-              <a:schemeClr val="tx1"/>
-            </a:fontRef>
-          </p:style>
-        </p:cxnSp>
-        <p:cxnSp>
-          <p:nvCxnSpPr>
-            <p:cNvPr id="12" name="Straight Connector 11">
-              <a:extLst>
-                <a:ext uri="{FF2B5EF4-FFF2-40B4-BE49-F238E27FC236}">
-                  <a16:creationId xmlns:a16="http://schemas.microsoft.com/office/drawing/2014/main" id="{54034248-80AA-4C75-A898-0CBAF23E74D3}"/>
-                </a:ext>
-                <a:ext uri="{C183D7F6-B498-43B3-948B-1728B52AA6E4}">
-                  <adec:decorative xmlns:adec="http://schemas.microsoft.com/office/drawing/2017/decorative" val="1"/>
-                </a:ext>
-              </a:extLst>
-            </p:cNvPr>
-            <p:cNvCxnSpPr>
-              <a:cxnSpLocks/>
-            </p:cNvCxnSpPr>
-            <p:nvPr>
-              <p:extLst>
-                <p:ext uri="{386F3935-93C4-4BCD-93E2-E3B085C9AB24}">
-                  <p16:designElem xmlns:p16="http://schemas.microsoft.com/office/powerpoint/2015/main" val="1"/>
-                </p:ext>
-              </p:extLst>
-            </p:nvPr>
-          </p:nvCxnSpPr>
-          <p:spPr>
-            <a:xfrm>
-              <a:off x="0" y="-1"/>
-              <a:ext cx="0" cy="6858000"/>
-            </a:xfrm>
-            <a:prstGeom prst="line">
-              <a:avLst/>
-            </a:prstGeom>
-            <a:ln w="12700">
-              <a:solidFill>
-                <a:srgbClr val="BCBCBC">
-                  <a:alpha val="29804"/>
-                </a:srgbClr>
-              </a:solidFill>
-              <a:prstDash val="sysDot"/>
-            </a:ln>
-          </p:spPr>
-          <p:style>
-            <a:lnRef idx="1">
-              <a:schemeClr val="accent1"/>
-            </a:lnRef>
-            <a:fillRef idx="0">
-              <a:schemeClr val="accent1"/>
-            </a:fillRef>
-            <a:effectRef idx="0">
-              <a:schemeClr val="accent1"/>
-            </a:effectRef>
-            <a:fontRef idx="minor">
-              <a:schemeClr val="tx1"/>
-            </a:fontRef>
-          </p:style>
-        </p:cxnSp>
-        <p:cxnSp>
-          <p:nvCxnSpPr>
-            <p:cNvPr id="13" name="Straight Connector 12">
-              <a:extLst>
-                <a:ext uri="{FF2B5EF4-FFF2-40B4-BE49-F238E27FC236}">
-                  <a16:creationId xmlns:a16="http://schemas.microsoft.com/office/drawing/2014/main" id="{B27431FC-0100-44D0-999E-3EF9B361E1DC}"/>
-                </a:ext>
-                <a:ext uri="{C183D7F6-B498-43B3-948B-1728B52AA6E4}">
-                  <adec:decorative xmlns:adec="http://schemas.microsoft.com/office/drawing/2017/decorative" val="1"/>
-                </a:ext>
-              </a:extLst>
-            </p:cNvPr>
-            <p:cNvCxnSpPr>
-              <a:cxnSpLocks/>
-            </p:cNvCxnSpPr>
-            <p:nvPr>
-              <p:extLst>
-                <p:ext uri="{386F3935-93C4-4BCD-93E2-E3B085C9AB24}">
-                  <p16:designElem xmlns:p16="http://schemas.microsoft.com/office/powerpoint/2015/main" val="1"/>
-                </p:ext>
-              </p:extLst>
-            </p:nvPr>
-          </p:nvCxnSpPr>
-          <p:spPr>
-            <a:xfrm>
-              <a:off x="11993258" y="-1"/>
-              <a:ext cx="0" cy="6858000"/>
-            </a:xfrm>
-            <a:prstGeom prst="line">
-              <a:avLst/>
-            </a:prstGeom>
-            <a:ln w="12700">
-              <a:solidFill>
-                <a:srgbClr val="BCBCBC">
-                  <a:alpha val="29804"/>
-                </a:srgbClr>
-              </a:solidFill>
-              <a:prstDash val="sysDot"/>
-            </a:ln>
-          </p:spPr>
-          <p:style>
-            <a:lnRef idx="1">
-              <a:schemeClr val="accent1"/>
-            </a:lnRef>
-            <a:fillRef idx="0">
-              <a:schemeClr val="accent1"/>
-            </a:fillRef>
-            <a:effectRef idx="0">
-              <a:schemeClr val="accent1"/>
-            </a:effectRef>
-            <a:fontRef idx="minor">
-              <a:schemeClr val="tx1"/>
-            </a:fontRef>
-          </p:style>
-        </p:cxnSp>
-        <p:cxnSp>
-          <p:nvCxnSpPr>
-            <p:cNvPr id="14" name="Straight Connector 13">
-              <a:extLst>
-                <a:ext uri="{FF2B5EF4-FFF2-40B4-BE49-F238E27FC236}">
-                  <a16:creationId xmlns:a16="http://schemas.microsoft.com/office/drawing/2014/main" id="{B71491DF-0796-4A80-B724-6CAAD85E5726}"/>
-                </a:ext>
-                <a:ext uri="{C183D7F6-B498-43B3-948B-1728B52AA6E4}">
-                  <adec:decorative xmlns:adec="http://schemas.microsoft.com/office/drawing/2017/decorative" val="1"/>
-                </a:ext>
-              </a:extLst>
-            </p:cNvPr>
-            <p:cNvCxnSpPr>
-              <a:cxnSpLocks/>
-            </p:cNvCxnSpPr>
-            <p:nvPr>
-              <p:extLst>
-                <p:ext uri="{386F3935-93C4-4BCD-93E2-E3B085C9AB24}">
-                  <p16:designElem xmlns:p16="http://schemas.microsoft.com/office/powerpoint/2015/main" val="1"/>
-                </p:ext>
-              </p:extLst>
-            </p:nvPr>
-          </p:nvCxnSpPr>
-          <p:spPr>
-            <a:xfrm>
-              <a:off x="192528" y="-1"/>
-              <a:ext cx="0" cy="6858000"/>
-            </a:xfrm>
-            <a:prstGeom prst="line">
-              <a:avLst/>
-            </a:prstGeom>
-            <a:ln w="12700">
-              <a:solidFill>
-                <a:srgbClr val="BCBCBC">
-                  <a:alpha val="29804"/>
-                </a:srgbClr>
-              </a:solidFill>
-              <a:prstDash val="sysDot"/>
-            </a:ln>
-          </p:spPr>
-          <p:style>
-            <a:lnRef idx="1">
-              <a:schemeClr val="accent1"/>
-            </a:lnRef>
-            <a:fillRef idx="0">
-              <a:schemeClr val="accent1"/>
-            </a:fillRef>
-            <a:effectRef idx="0">
-              <a:schemeClr val="accent1"/>
-            </a:effectRef>
-            <a:fontRef idx="minor">
-              <a:schemeClr val="tx1"/>
-            </a:fontRef>
-          </p:style>
-        </p:cxnSp>
-        <p:cxnSp>
-          <p:nvCxnSpPr>
-            <p:cNvPr id="15" name="Straight Connector 14">
-              <a:extLst>
-                <a:ext uri="{FF2B5EF4-FFF2-40B4-BE49-F238E27FC236}">
-                  <a16:creationId xmlns:a16="http://schemas.microsoft.com/office/drawing/2014/main" id="{5C3FFC75-C94A-4427-85D1-26F0028AC683}"/>
-                </a:ext>
-                <a:ext uri="{C183D7F6-B498-43B3-948B-1728B52AA6E4}">
-                  <adec:decorative xmlns:adec="http://schemas.microsoft.com/office/drawing/2017/decorative" val="1"/>
-                </a:ext>
-              </a:extLst>
-            </p:cNvPr>
-            <p:cNvCxnSpPr>
-              <a:cxnSpLocks/>
-            </p:cNvCxnSpPr>
-            <p:nvPr>
-              <p:extLst>
-                <p:ext uri="{386F3935-93C4-4BCD-93E2-E3B085C9AB24}">
-                  <p16:designElem xmlns:p16="http://schemas.microsoft.com/office/powerpoint/2015/main" val="1"/>
-                </p:ext>
-              </p:extLst>
-            </p:nvPr>
-          </p:nvCxnSpPr>
-          <p:spPr>
-            <a:xfrm>
-              <a:off x="1175922" y="-1"/>
-              <a:ext cx="0" cy="6858000"/>
-            </a:xfrm>
-            <a:prstGeom prst="line">
-              <a:avLst/>
-            </a:prstGeom>
-            <a:ln w="12700">
-              <a:solidFill>
-                <a:srgbClr val="BCBCBC">
-                  <a:alpha val="29804"/>
-                </a:srgbClr>
-              </a:solidFill>
-              <a:prstDash val="sysDot"/>
-            </a:ln>
-          </p:spPr>
-          <p:style>
-            <a:lnRef idx="1">
-              <a:schemeClr val="accent1"/>
-            </a:lnRef>
-            <a:fillRef idx="0">
-              <a:schemeClr val="accent1"/>
-            </a:fillRef>
-            <a:effectRef idx="0">
-              <a:schemeClr val="accent1"/>
-            </a:effectRef>
-            <a:fontRef idx="minor">
-              <a:schemeClr val="tx1"/>
-            </a:fontRef>
-          </p:style>
-        </p:cxnSp>
-        <p:cxnSp>
-          <p:nvCxnSpPr>
-            <p:cNvPr id="16" name="Straight Connector 15">
-              <a:extLst>
-                <a:ext uri="{FF2B5EF4-FFF2-40B4-BE49-F238E27FC236}">
-                  <a16:creationId xmlns:a16="http://schemas.microsoft.com/office/drawing/2014/main" id="{C0F1554D-792C-4554-B623-F99A47B1B297}"/>
-                </a:ext>
-                <a:ext uri="{C183D7F6-B498-43B3-948B-1728B52AA6E4}">
-                  <adec:decorative xmlns:adec="http://schemas.microsoft.com/office/drawing/2017/decorative" val="1"/>
-                </a:ext>
-              </a:extLst>
-            </p:cNvPr>
-            <p:cNvCxnSpPr>
-              <a:cxnSpLocks/>
-            </p:cNvCxnSpPr>
-            <p:nvPr>
-              <p:extLst>
-                <p:ext uri="{386F3935-93C4-4BCD-93E2-E3B085C9AB24}">
-                  <p16:designElem xmlns:p16="http://schemas.microsoft.com/office/powerpoint/2015/main" val="1"/>
-                </p:ext>
-              </p:extLst>
-            </p:nvPr>
-          </p:nvCxnSpPr>
-          <p:spPr>
-            <a:xfrm>
-              <a:off x="2159316" y="-1"/>
-              <a:ext cx="0" cy="6858000"/>
-            </a:xfrm>
-            <a:prstGeom prst="line">
-              <a:avLst/>
-            </a:prstGeom>
-            <a:ln w="12700">
-              <a:solidFill>
-                <a:srgbClr val="BCBCBC">
-                  <a:alpha val="29804"/>
-                </a:srgbClr>
-              </a:solidFill>
-              <a:prstDash val="sysDot"/>
-            </a:ln>
-          </p:spPr>
-          <p:style>
-            <a:lnRef idx="1">
-              <a:schemeClr val="accent1"/>
-            </a:lnRef>
-            <a:fillRef idx="0">
-              <a:schemeClr val="accent1"/>
-            </a:fillRef>
-            <a:effectRef idx="0">
-              <a:schemeClr val="accent1"/>
-            </a:effectRef>
-            <a:fontRef idx="minor">
-              <a:schemeClr val="tx1"/>
-            </a:fontRef>
-          </p:style>
-        </p:cxnSp>
-        <p:cxnSp>
-          <p:nvCxnSpPr>
-            <p:cNvPr id="17" name="Straight Connector 16">
-              <a:extLst>
-                <a:ext uri="{FF2B5EF4-FFF2-40B4-BE49-F238E27FC236}">
-                  <a16:creationId xmlns:a16="http://schemas.microsoft.com/office/drawing/2014/main" id="{46371075-9273-4FF4-A45B-606B943060D3}"/>
-                </a:ext>
-                <a:ext uri="{C183D7F6-B498-43B3-948B-1728B52AA6E4}">
-                  <adec:decorative xmlns:adec="http://schemas.microsoft.com/office/drawing/2017/decorative" val="1"/>
-                </a:ext>
-              </a:extLst>
-            </p:cNvPr>
-            <p:cNvCxnSpPr>
-              <a:cxnSpLocks/>
-            </p:cNvCxnSpPr>
-            <p:nvPr>
-              <p:extLst>
-                <p:ext uri="{386F3935-93C4-4BCD-93E2-E3B085C9AB24}">
-                  <p16:designElem xmlns:p16="http://schemas.microsoft.com/office/powerpoint/2015/main" val="1"/>
-                </p:ext>
-              </p:extLst>
-            </p:nvPr>
-          </p:nvCxnSpPr>
-          <p:spPr>
-            <a:xfrm>
-              <a:off x="3142710" y="-1"/>
-              <a:ext cx="0" cy="6858000"/>
-            </a:xfrm>
-            <a:prstGeom prst="line">
-              <a:avLst/>
-            </a:prstGeom>
-            <a:ln w="12700">
-              <a:solidFill>
-                <a:srgbClr val="BCBCBC">
-                  <a:alpha val="29804"/>
-                </a:srgbClr>
-              </a:solidFill>
-              <a:prstDash val="sysDot"/>
-            </a:ln>
-          </p:spPr>
-          <p:style>
-            <a:lnRef idx="1">
-              <a:schemeClr val="accent1"/>
-            </a:lnRef>
-            <a:fillRef idx="0">
-              <a:schemeClr val="accent1"/>
-            </a:fillRef>
-            <a:effectRef idx="0">
-              <a:schemeClr val="accent1"/>
-            </a:effectRef>
-            <a:fontRef idx="minor">
-              <a:schemeClr val="tx1"/>
-            </a:fontRef>
-          </p:style>
-        </p:cxnSp>
-        <p:cxnSp>
-          <p:nvCxnSpPr>
-            <p:cNvPr id="18" name="Straight Connector 17">
-              <a:extLst>
-                <a:ext uri="{FF2B5EF4-FFF2-40B4-BE49-F238E27FC236}">
-                  <a16:creationId xmlns:a16="http://schemas.microsoft.com/office/drawing/2014/main" id="{7844A38F-298C-477B-8764-0A32E50DD659}"/>
-                </a:ext>
-                <a:ext uri="{C183D7F6-B498-43B3-948B-1728B52AA6E4}">
-                  <adec:decorative xmlns:adec="http://schemas.microsoft.com/office/drawing/2017/decorative" val="1"/>
-                </a:ext>
-              </a:extLst>
-            </p:cNvPr>
-            <p:cNvCxnSpPr>
-              <a:cxnSpLocks/>
-            </p:cNvCxnSpPr>
-            <p:nvPr>
-              <p:extLst>
-                <p:ext uri="{386F3935-93C4-4BCD-93E2-E3B085C9AB24}">
-                  <p16:designElem xmlns:p16="http://schemas.microsoft.com/office/powerpoint/2015/main" val="1"/>
-                </p:ext>
-              </p:extLst>
-            </p:nvPr>
-          </p:nvCxnSpPr>
-          <p:spPr>
-            <a:xfrm>
-              <a:off x="4126104" y="-1"/>
-              <a:ext cx="0" cy="6858000"/>
-            </a:xfrm>
-            <a:prstGeom prst="line">
-              <a:avLst/>
-            </a:prstGeom>
-            <a:ln w="12700">
-              <a:solidFill>
-                <a:srgbClr val="BCBCBC">
-                  <a:alpha val="29804"/>
-                </a:srgbClr>
-              </a:solidFill>
-              <a:prstDash val="sysDot"/>
-            </a:ln>
-          </p:spPr>
-          <p:style>
-            <a:lnRef idx="1">
-              <a:schemeClr val="accent1"/>
-            </a:lnRef>
-            <a:fillRef idx="0">
-              <a:schemeClr val="accent1"/>
-            </a:fillRef>
-            <a:effectRef idx="0">
-              <a:schemeClr val="accent1"/>
-            </a:effectRef>
-            <a:fontRef idx="minor">
-              <a:schemeClr val="tx1"/>
-            </a:fontRef>
-          </p:style>
-        </p:cxnSp>
-        <p:cxnSp>
-          <p:nvCxnSpPr>
-            <p:cNvPr id="19" name="Straight Connector 18">
-              <a:extLst>
-                <a:ext uri="{FF2B5EF4-FFF2-40B4-BE49-F238E27FC236}">
-                  <a16:creationId xmlns:a16="http://schemas.microsoft.com/office/drawing/2014/main" id="{9F78CA47-3A09-4651-B57D-690F14C783F4}"/>
-                </a:ext>
-                <a:ext uri="{C183D7F6-B498-43B3-948B-1728B52AA6E4}">
-                  <adec:decorative xmlns:adec="http://schemas.microsoft.com/office/drawing/2017/decorative" val="1"/>
-                </a:ext>
-              </a:extLst>
-            </p:cNvPr>
-            <p:cNvCxnSpPr>
-              <a:cxnSpLocks/>
-            </p:cNvCxnSpPr>
-            <p:nvPr>
-              <p:extLst>
-                <p:ext uri="{386F3935-93C4-4BCD-93E2-E3B085C9AB24}">
-                  <p16:designElem xmlns:p16="http://schemas.microsoft.com/office/powerpoint/2015/main" val="1"/>
-                </p:ext>
-              </p:extLst>
-            </p:nvPr>
-          </p:nvCxnSpPr>
-          <p:spPr>
-            <a:xfrm>
-              <a:off x="5109498" y="-1"/>
-              <a:ext cx="0" cy="6858000"/>
-            </a:xfrm>
-            <a:prstGeom prst="line">
-              <a:avLst/>
-            </a:prstGeom>
-            <a:ln w="12700">
-              <a:solidFill>
-                <a:srgbClr val="BCBCBC">
-                  <a:alpha val="29804"/>
-                </a:srgbClr>
-              </a:solidFill>
-              <a:prstDash val="sysDot"/>
-            </a:ln>
-          </p:spPr>
-          <p:style>
-            <a:lnRef idx="1">
-              <a:schemeClr val="accent1"/>
-            </a:lnRef>
-            <a:fillRef idx="0">
-              <a:schemeClr val="accent1"/>
-            </a:fillRef>
-            <a:effectRef idx="0">
-              <a:schemeClr val="accent1"/>
-            </a:effectRef>
-            <a:fontRef idx="minor">
-              <a:schemeClr val="tx1"/>
-            </a:fontRef>
-          </p:style>
-        </p:cxnSp>
-        <p:cxnSp>
-          <p:nvCxnSpPr>
-            <p:cNvPr id="20" name="Straight Connector 19">
-              <a:extLst>
-                <a:ext uri="{FF2B5EF4-FFF2-40B4-BE49-F238E27FC236}">
-                  <a16:creationId xmlns:a16="http://schemas.microsoft.com/office/drawing/2014/main" id="{4CB69771-B806-4E29-834E-E0BBE273B82E}"/>
-                </a:ext>
-                <a:ext uri="{C183D7F6-B498-43B3-948B-1728B52AA6E4}">
-                  <adec:decorative xmlns:adec="http://schemas.microsoft.com/office/drawing/2017/decorative" val="1"/>
-                </a:ext>
-              </a:extLst>
-            </p:cNvPr>
-            <p:cNvCxnSpPr>
-              <a:cxnSpLocks/>
-            </p:cNvCxnSpPr>
-            <p:nvPr>
-              <p:extLst>
-                <p:ext uri="{386F3935-93C4-4BCD-93E2-E3B085C9AB24}">
-                  <p16:designElem xmlns:p16="http://schemas.microsoft.com/office/powerpoint/2015/main" val="1"/>
-                </p:ext>
-              </p:extLst>
-            </p:nvPr>
-          </p:nvCxnSpPr>
-          <p:spPr>
-            <a:xfrm>
-              <a:off x="6092892" y="-1"/>
-              <a:ext cx="0" cy="6858000"/>
-            </a:xfrm>
-            <a:prstGeom prst="line">
-              <a:avLst/>
-            </a:prstGeom>
-            <a:ln w="12700">
-              <a:solidFill>
-                <a:srgbClr val="BCBCBC">
-                  <a:alpha val="29804"/>
-                </a:srgbClr>
-              </a:solidFill>
-              <a:prstDash val="sysDot"/>
-            </a:ln>
-          </p:spPr>
-          <p:style>
-            <a:lnRef idx="1">
-              <a:schemeClr val="accent1"/>
-            </a:lnRef>
-            <a:fillRef idx="0">
-              <a:schemeClr val="accent1"/>
-            </a:fillRef>
-            <a:effectRef idx="0">
-              <a:schemeClr val="accent1"/>
-            </a:effectRef>
-            <a:fontRef idx="minor">
-              <a:schemeClr val="tx1"/>
-            </a:fontRef>
-          </p:style>
-        </p:cxnSp>
-        <p:cxnSp>
-          <p:nvCxnSpPr>
-            <p:cNvPr id="21" name="Straight Connector 20">
-              <a:extLst>
-                <a:ext uri="{FF2B5EF4-FFF2-40B4-BE49-F238E27FC236}">
-                  <a16:creationId xmlns:a16="http://schemas.microsoft.com/office/drawing/2014/main" id="{027EE3C0-1B82-43F3-AF55-5D1D6FBF47AD}"/>
-                </a:ext>
-                <a:ext uri="{C183D7F6-B498-43B3-948B-1728B52AA6E4}">
-                  <adec:decorative xmlns:adec="http://schemas.microsoft.com/office/drawing/2017/decorative" val="1"/>
-                </a:ext>
-              </a:extLst>
-            </p:cNvPr>
-            <p:cNvCxnSpPr>
-              <a:cxnSpLocks/>
-            </p:cNvCxnSpPr>
-            <p:nvPr>
-              <p:extLst>
-                <p:ext uri="{386F3935-93C4-4BCD-93E2-E3B085C9AB24}">
-                  <p16:designElem xmlns:p16="http://schemas.microsoft.com/office/powerpoint/2015/main" val="1"/>
-                </p:ext>
-              </p:extLst>
-            </p:nvPr>
-          </p:nvCxnSpPr>
-          <p:spPr>
-            <a:xfrm>
-              <a:off x="7076286" y="-1"/>
-              <a:ext cx="0" cy="6858000"/>
-            </a:xfrm>
-            <a:prstGeom prst="line">
-              <a:avLst/>
-            </a:prstGeom>
-            <a:ln w="12700">
-              <a:solidFill>
-                <a:srgbClr val="BCBCBC">
-                  <a:alpha val="29804"/>
-                </a:srgbClr>
-              </a:solidFill>
-              <a:prstDash val="sysDot"/>
-            </a:ln>
-          </p:spPr>
-          <p:style>
-            <a:lnRef idx="1">
-              <a:schemeClr val="accent1"/>
-            </a:lnRef>
-            <a:fillRef idx="0">
-              <a:schemeClr val="accent1"/>
-            </a:fillRef>
-            <a:effectRef idx="0">
-              <a:schemeClr val="accent1"/>
-            </a:effectRef>
-            <a:fontRef idx="minor">
-              <a:schemeClr val="tx1"/>
-            </a:fontRef>
-          </p:style>
-        </p:cxnSp>
-        <p:cxnSp>
-          <p:nvCxnSpPr>
-            <p:cNvPr id="22" name="Straight Connector 21">
-              <a:extLst>
-                <a:ext uri="{FF2B5EF4-FFF2-40B4-BE49-F238E27FC236}">
-                  <a16:creationId xmlns:a16="http://schemas.microsoft.com/office/drawing/2014/main" id="{91898DA7-BA6E-4B4C-8139-596D59F48211}"/>
-                </a:ext>
-                <a:ext uri="{C183D7F6-B498-43B3-948B-1728B52AA6E4}">
-                  <adec:decorative xmlns:adec="http://schemas.microsoft.com/office/drawing/2017/decorative" val="1"/>
-                </a:ext>
-              </a:extLst>
-            </p:cNvPr>
-            <p:cNvCxnSpPr>
-              <a:cxnSpLocks/>
-            </p:cNvCxnSpPr>
-            <p:nvPr>
-              <p:extLst>
-                <p:ext uri="{386F3935-93C4-4BCD-93E2-E3B085C9AB24}">
-                  <p16:designElem xmlns:p16="http://schemas.microsoft.com/office/powerpoint/2015/main" val="1"/>
-                </p:ext>
-              </p:extLst>
-            </p:nvPr>
-          </p:nvCxnSpPr>
-          <p:spPr>
-            <a:xfrm>
-              <a:off x="8059680" y="-1"/>
-              <a:ext cx="0" cy="6858000"/>
-            </a:xfrm>
-            <a:prstGeom prst="line">
-              <a:avLst/>
-            </a:prstGeom>
-            <a:ln w="12700">
-              <a:solidFill>
-                <a:srgbClr val="BCBCBC">
-                  <a:alpha val="29804"/>
-                </a:srgbClr>
-              </a:solidFill>
-              <a:prstDash val="sysDot"/>
-            </a:ln>
-          </p:spPr>
-          <p:style>
-            <a:lnRef idx="1">
-              <a:schemeClr val="accent1"/>
-            </a:lnRef>
-            <a:fillRef idx="0">
-              <a:schemeClr val="accent1"/>
-            </a:fillRef>
-            <a:effectRef idx="0">
-              <a:schemeClr val="accent1"/>
-            </a:effectRef>
-            <a:fontRef idx="minor">
-              <a:schemeClr val="tx1"/>
-            </a:fontRef>
-          </p:style>
-        </p:cxnSp>
-        <p:cxnSp>
-          <p:nvCxnSpPr>
-            <p:cNvPr id="23" name="Straight Connector 22">
-              <a:extLst>
-                <a:ext uri="{FF2B5EF4-FFF2-40B4-BE49-F238E27FC236}">
-                  <a16:creationId xmlns:a16="http://schemas.microsoft.com/office/drawing/2014/main" id="{8F121E84-2FAA-4948-B3B3-F1FE69ED8776}"/>
-                </a:ext>
-                <a:ext uri="{C183D7F6-B498-43B3-948B-1728B52AA6E4}">
-                  <adec:decorative xmlns:adec="http://schemas.microsoft.com/office/drawing/2017/decorative" val="1"/>
-                </a:ext>
-              </a:extLst>
-            </p:cNvPr>
-            <p:cNvCxnSpPr>
-              <a:cxnSpLocks/>
-            </p:cNvCxnSpPr>
-            <p:nvPr>
-              <p:extLst>
-                <p:ext uri="{386F3935-93C4-4BCD-93E2-E3B085C9AB24}">
-                  <p16:designElem xmlns:p16="http://schemas.microsoft.com/office/powerpoint/2015/main" val="1"/>
-                </p:ext>
-              </p:extLst>
-            </p:nvPr>
-          </p:nvCxnSpPr>
-          <p:spPr>
-            <a:xfrm>
-              <a:off x="9043074" y="-1"/>
-              <a:ext cx="0" cy="6858000"/>
-            </a:xfrm>
-            <a:prstGeom prst="line">
-              <a:avLst/>
-            </a:prstGeom>
-            <a:ln w="12700">
-              <a:solidFill>
-                <a:srgbClr val="BCBCBC">
-                  <a:alpha val="29804"/>
-                </a:srgbClr>
-              </a:solidFill>
-              <a:prstDash val="sysDot"/>
-            </a:ln>
-          </p:spPr>
-          <p:style>
-            <a:lnRef idx="1">
-              <a:schemeClr val="accent1"/>
-            </a:lnRef>
-            <a:fillRef idx="0">
-              <a:schemeClr val="accent1"/>
-            </a:fillRef>
-            <a:effectRef idx="0">
-              <a:schemeClr val="accent1"/>
-            </a:effectRef>
-            <a:fontRef idx="minor">
-              <a:schemeClr val="tx1"/>
-            </a:fontRef>
-          </p:style>
-        </p:cxnSp>
-        <p:cxnSp>
-          <p:nvCxnSpPr>
-            <p:cNvPr id="24" name="Straight Connector 23">
-              <a:extLst>
-                <a:ext uri="{FF2B5EF4-FFF2-40B4-BE49-F238E27FC236}">
-                  <a16:creationId xmlns:a16="http://schemas.microsoft.com/office/drawing/2014/main" id="{F1C2C1AC-3864-47AA-B22A-D350A3A04E7E}"/>
-                </a:ext>
-                <a:ext uri="{C183D7F6-B498-43B3-948B-1728B52AA6E4}">
-                  <adec:decorative xmlns:adec="http://schemas.microsoft.com/office/drawing/2017/decorative" val="1"/>
-                </a:ext>
-              </a:extLst>
-            </p:cNvPr>
-            <p:cNvCxnSpPr>
-              <a:cxnSpLocks/>
-            </p:cNvCxnSpPr>
-            <p:nvPr>
-              <p:extLst>
-                <p:ext uri="{386F3935-93C4-4BCD-93E2-E3B085C9AB24}">
-                  <p16:designElem xmlns:p16="http://schemas.microsoft.com/office/powerpoint/2015/main" val="1"/>
-                </p:ext>
-              </p:extLst>
-            </p:nvPr>
-          </p:nvCxnSpPr>
-          <p:spPr>
-            <a:xfrm>
-              <a:off x="10026468" y="-1"/>
-              <a:ext cx="0" cy="6858000"/>
-            </a:xfrm>
-            <a:prstGeom prst="line">
-              <a:avLst/>
-            </a:prstGeom>
-            <a:ln w="12700">
-              <a:solidFill>
-                <a:srgbClr val="BCBCBC">
-                  <a:alpha val="29804"/>
-                </a:srgbClr>
-              </a:solidFill>
-              <a:prstDash val="sysDot"/>
-            </a:ln>
-          </p:spPr>
-          <p:style>
-            <a:lnRef idx="1">
-              <a:schemeClr val="accent1"/>
-            </a:lnRef>
-            <a:fillRef idx="0">
-              <a:schemeClr val="accent1"/>
-            </a:fillRef>
-            <a:effectRef idx="0">
-              <a:schemeClr val="accent1"/>
-            </a:effectRef>
-            <a:fontRef idx="minor">
-              <a:schemeClr val="tx1"/>
-            </a:fontRef>
-          </p:style>
-        </p:cxnSp>
-        <p:cxnSp>
-          <p:nvCxnSpPr>
-            <p:cNvPr id="25" name="Straight Connector 24">
-              <a:extLst>
-                <a:ext uri="{FF2B5EF4-FFF2-40B4-BE49-F238E27FC236}">
-                  <a16:creationId xmlns:a16="http://schemas.microsoft.com/office/drawing/2014/main" id="{2DFADCA4-3AD3-4D6C-81B7-259F20359438}"/>
-                </a:ext>
-                <a:ext uri="{C183D7F6-B498-43B3-948B-1728B52AA6E4}">
-                  <adec:decorative xmlns:adec="http://schemas.microsoft.com/office/drawing/2017/decorative" val="1"/>
-                </a:ext>
-              </a:extLst>
-            </p:cNvPr>
-            <p:cNvCxnSpPr>
-              <a:cxnSpLocks/>
-            </p:cNvCxnSpPr>
-            <p:nvPr>
-              <p:extLst>
-                <p:ext uri="{386F3935-93C4-4BCD-93E2-E3B085C9AB24}">
-                  <p16:designElem xmlns:p16="http://schemas.microsoft.com/office/powerpoint/2015/main" val="1"/>
-                </p:ext>
-              </p:extLst>
-            </p:nvPr>
-          </p:nvCxnSpPr>
-          <p:spPr>
-            <a:xfrm>
-              <a:off x="11009862" y="-1"/>
-              <a:ext cx="0" cy="6858000"/>
-            </a:xfrm>
-            <a:prstGeom prst="line">
-              <a:avLst/>
-            </a:prstGeom>
-            <a:ln w="12700">
-              <a:solidFill>
-                <a:srgbClr val="BCBCBC">
-                  <a:alpha val="29804"/>
-                </a:srgbClr>
-              </a:solidFill>
-              <a:prstDash val="sysDot"/>
-            </a:ln>
-          </p:spPr>
-          <p:style>
-            <a:lnRef idx="1">
-              <a:schemeClr val="accent1"/>
-            </a:lnRef>
-            <a:fillRef idx="0">
-              <a:schemeClr val="accent1"/>
-            </a:fillRef>
-            <a:effectRef idx="0">
-              <a:schemeClr val="accent1"/>
-            </a:effectRef>
-            <a:fontRef idx="minor">
-              <a:schemeClr val="tx1"/>
-            </a:fontRef>
-          </p:style>
-        </p:cxnSp>
-        <p:cxnSp>
-          <p:nvCxnSpPr>
-            <p:cNvPr id="26" name="Straight Connector 25">
-              <a:extLst>
-                <a:ext uri="{FF2B5EF4-FFF2-40B4-BE49-F238E27FC236}">
-                  <a16:creationId xmlns:a16="http://schemas.microsoft.com/office/drawing/2014/main" id="{46D515CD-A4F0-4B0A-B6BB-11A2774FBBB7}"/>
-                </a:ext>
-                <a:ext uri="{C183D7F6-B498-43B3-948B-1728B52AA6E4}">
-                  <adec:decorative xmlns:adec="http://schemas.microsoft.com/office/drawing/2017/decorative" val="1"/>
-                </a:ext>
-              </a:extLst>
-            </p:cNvPr>
-            <p:cNvCxnSpPr>
-              <a:cxnSpLocks/>
-            </p:cNvCxnSpPr>
-            <p:nvPr>
-              <p:extLst>
-                <p:ext uri="{386F3935-93C4-4BCD-93E2-E3B085C9AB24}">
-                  <p16:designElem xmlns:p16="http://schemas.microsoft.com/office/powerpoint/2015/main" val="1"/>
-                </p:ext>
-              </p:extLst>
-            </p:nvPr>
-          </p:nvCxnSpPr>
-          <p:spPr>
-            <a:xfrm>
-              <a:off x="12185786" y="-1"/>
-              <a:ext cx="0" cy="6858000"/>
-            </a:xfrm>
-            <a:prstGeom prst="line">
-              <a:avLst/>
-            </a:prstGeom>
-            <a:ln w="12700">
-              <a:solidFill>
-                <a:srgbClr val="BCBCBC">
-                  <a:alpha val="29804"/>
-                </a:srgbClr>
-              </a:solidFill>
-              <a:prstDash val="sysDot"/>
-            </a:ln>
-          </p:spPr>
-          <p:style>
-            <a:lnRef idx="1">
-              <a:schemeClr val="accent1"/>
-            </a:lnRef>
-            <a:fillRef idx="0">
-              <a:schemeClr val="accent1"/>
-            </a:fillRef>
-            <a:effectRef idx="0">
-              <a:schemeClr val="accent1"/>
-            </a:effectRef>
-            <a:fontRef idx="minor">
-              <a:schemeClr val="tx1"/>
-            </a:fontRef>
-          </p:style>
-        </p:cxnSp>
-        <p:cxnSp>
-          <p:nvCxnSpPr>
-            <p:cNvPr id="27" name="Straight Connector 26">
-              <a:extLst>
-                <a:ext uri="{FF2B5EF4-FFF2-40B4-BE49-F238E27FC236}">
-                  <a16:creationId xmlns:a16="http://schemas.microsoft.com/office/drawing/2014/main" id="{5CB97DD1-8D17-426C-BC2A-B34FE5836844}"/>
-                </a:ext>
-                <a:ext uri="{C183D7F6-B498-43B3-948B-1728B52AA6E4}">
-                  <adec:decorative xmlns:adec="http://schemas.microsoft.com/office/drawing/2017/decorative" val="1"/>
-                </a:ext>
-              </a:extLst>
-            </p:cNvPr>
-            <p:cNvCxnSpPr>
-              <a:cxnSpLocks/>
-            </p:cNvCxnSpPr>
-            <p:nvPr>
-              <p:extLst>
-                <p:ext uri="{386F3935-93C4-4BCD-93E2-E3B085C9AB24}">
-                  <p16:designElem xmlns:p16="http://schemas.microsoft.com/office/powerpoint/2015/main" val="1"/>
-                </p:ext>
-              </p:extLst>
-            </p:nvPr>
-          </p:nvCxnSpPr>
-          <p:spPr>
-            <a:xfrm>
-              <a:off x="0" y="171716"/>
-              <a:ext cx="12192000" cy="0"/>
-            </a:xfrm>
-            <a:prstGeom prst="line">
-              <a:avLst/>
-            </a:prstGeom>
-            <a:ln w="12700">
-              <a:solidFill>
-                <a:srgbClr val="BCBCBC">
-                  <a:alpha val="29804"/>
-                </a:srgbClr>
-              </a:solidFill>
-              <a:prstDash val="sysDot"/>
-            </a:ln>
-          </p:spPr>
-          <p:style>
-            <a:lnRef idx="1">
-              <a:schemeClr val="accent1"/>
-            </a:lnRef>
-            <a:fillRef idx="0">
-              <a:schemeClr val="accent1"/>
-            </a:fillRef>
-            <a:effectRef idx="0">
-              <a:schemeClr val="accent1"/>
-            </a:effectRef>
-            <a:fontRef idx="minor">
-              <a:schemeClr val="tx1"/>
-            </a:fontRef>
-          </p:style>
-        </p:cxnSp>
-        <p:cxnSp>
-          <p:nvCxnSpPr>
-            <p:cNvPr id="28" name="Straight Connector 27">
-              <a:extLst>
-                <a:ext uri="{FF2B5EF4-FFF2-40B4-BE49-F238E27FC236}">
-                  <a16:creationId xmlns:a16="http://schemas.microsoft.com/office/drawing/2014/main" id="{05865967-B063-41EC-85BC-A5CF90367EE2}"/>
-                </a:ext>
-                <a:ext uri="{C183D7F6-B498-43B3-948B-1728B52AA6E4}">
-                  <adec:decorative xmlns:adec="http://schemas.microsoft.com/office/drawing/2017/decorative" val="1"/>
-                </a:ext>
-              </a:extLst>
-            </p:cNvPr>
-            <p:cNvCxnSpPr>
-              <a:cxnSpLocks/>
-            </p:cNvCxnSpPr>
-            <p:nvPr>
-              <p:extLst>
-                <p:ext uri="{386F3935-93C4-4BCD-93E2-E3B085C9AB24}">
-                  <p16:designElem xmlns:p16="http://schemas.microsoft.com/office/powerpoint/2015/main" val="1"/>
-                </p:ext>
-              </p:extLst>
-            </p:nvPr>
-          </p:nvCxnSpPr>
-          <p:spPr>
-            <a:xfrm>
-              <a:off x="0" y="714597"/>
-              <a:ext cx="12192000" cy="0"/>
-            </a:xfrm>
-            <a:prstGeom prst="line">
-              <a:avLst/>
-            </a:prstGeom>
-            <a:ln w="12700">
-              <a:solidFill>
-                <a:srgbClr val="BCBCBC">
-                  <a:alpha val="29804"/>
-                </a:srgbClr>
-              </a:solidFill>
-              <a:prstDash val="sysDot"/>
-            </a:ln>
-          </p:spPr>
-          <p:style>
-            <a:lnRef idx="1">
-              <a:schemeClr val="accent1"/>
-            </a:lnRef>
-            <a:fillRef idx="0">
-              <a:schemeClr val="accent1"/>
-            </a:fillRef>
-            <a:effectRef idx="0">
-              <a:schemeClr val="accent1"/>
-            </a:effectRef>
-            <a:fontRef idx="minor">
-              <a:schemeClr val="tx1"/>
-            </a:fontRef>
-          </p:style>
-        </p:cxnSp>
-        <p:cxnSp>
-          <p:nvCxnSpPr>
-            <p:cNvPr id="29" name="Straight Connector 28">
-              <a:extLst>
-                <a:ext uri="{FF2B5EF4-FFF2-40B4-BE49-F238E27FC236}">
-                  <a16:creationId xmlns:a16="http://schemas.microsoft.com/office/drawing/2014/main" id="{FBC63DB2-5B99-42B5-9B7F-826B0BD876F0}"/>
-                </a:ext>
-                <a:ext uri="{C183D7F6-B498-43B3-948B-1728B52AA6E4}">
-                  <adec:decorative xmlns:adec="http://schemas.microsoft.com/office/drawing/2017/decorative" val="1"/>
-                </a:ext>
-              </a:extLst>
-            </p:cNvPr>
-            <p:cNvCxnSpPr>
-              <a:cxnSpLocks/>
-            </p:cNvCxnSpPr>
-            <p:nvPr>
-              <p:extLst>
-                <p:ext uri="{386F3935-93C4-4BCD-93E2-E3B085C9AB24}">
-                  <p16:designElem xmlns:p16="http://schemas.microsoft.com/office/powerpoint/2015/main" val="1"/>
-                </p:ext>
-              </p:extLst>
-            </p:nvPr>
-          </p:nvCxnSpPr>
-          <p:spPr>
-            <a:xfrm>
-              <a:off x="0" y="1257478"/>
-              <a:ext cx="12192000" cy="0"/>
-            </a:xfrm>
-            <a:prstGeom prst="line">
-              <a:avLst/>
-            </a:prstGeom>
-            <a:ln w="12700">
-              <a:solidFill>
-                <a:srgbClr val="BCBCBC">
-                  <a:alpha val="29804"/>
-                </a:srgbClr>
-              </a:solidFill>
-              <a:prstDash val="sysDot"/>
-            </a:ln>
-          </p:spPr>
-          <p:style>
-            <a:lnRef idx="1">
-              <a:schemeClr val="accent1"/>
-            </a:lnRef>
-            <a:fillRef idx="0">
-              <a:schemeClr val="accent1"/>
-            </a:fillRef>
-            <a:effectRef idx="0">
-              <a:schemeClr val="accent1"/>
-            </a:effectRef>
-            <a:fontRef idx="minor">
-              <a:schemeClr val="tx1"/>
-            </a:fontRef>
-          </p:style>
-        </p:cxnSp>
-        <p:cxnSp>
-          <p:nvCxnSpPr>
-            <p:cNvPr id="30" name="Straight Connector 29">
-              <a:extLst>
-                <a:ext uri="{FF2B5EF4-FFF2-40B4-BE49-F238E27FC236}">
-                  <a16:creationId xmlns:a16="http://schemas.microsoft.com/office/drawing/2014/main" id="{46B694AB-9FC1-4857-A6CD-1FEC6D183DA2}"/>
-                </a:ext>
-                <a:ext uri="{C183D7F6-B498-43B3-948B-1728B52AA6E4}">
-                  <adec:decorative xmlns:adec="http://schemas.microsoft.com/office/drawing/2017/decorative" val="1"/>
-                </a:ext>
-              </a:extLst>
-            </p:cNvPr>
-            <p:cNvCxnSpPr>
-              <a:cxnSpLocks/>
-            </p:cNvCxnSpPr>
-            <p:nvPr>
-              <p:extLst>
-                <p:ext uri="{386F3935-93C4-4BCD-93E2-E3B085C9AB24}">
-                  <p16:designElem xmlns:p16="http://schemas.microsoft.com/office/powerpoint/2015/main" val="1"/>
-                </p:ext>
-              </p:extLst>
-            </p:nvPr>
-          </p:nvCxnSpPr>
-          <p:spPr>
-            <a:xfrm>
-              <a:off x="0" y="1800359"/>
-              <a:ext cx="12192000" cy="0"/>
-            </a:xfrm>
-            <a:prstGeom prst="line">
-              <a:avLst/>
-            </a:prstGeom>
-            <a:ln w="12700">
-              <a:solidFill>
-                <a:srgbClr val="BCBCBC">
-                  <a:alpha val="29804"/>
-                </a:srgbClr>
-              </a:solidFill>
-              <a:prstDash val="sysDot"/>
-            </a:ln>
-          </p:spPr>
-          <p:style>
-            <a:lnRef idx="1">
-              <a:schemeClr val="accent1"/>
-            </a:lnRef>
-            <a:fillRef idx="0">
-              <a:schemeClr val="accent1"/>
-            </a:fillRef>
-            <a:effectRef idx="0">
-              <a:schemeClr val="accent1"/>
-            </a:effectRef>
-            <a:fontRef idx="minor">
-              <a:schemeClr val="tx1"/>
-            </a:fontRef>
-          </p:style>
-        </p:cxnSp>
-        <p:cxnSp>
-          <p:nvCxnSpPr>
-            <p:cNvPr id="31" name="Straight Connector 30">
-              <a:extLst>
-                <a:ext uri="{FF2B5EF4-FFF2-40B4-BE49-F238E27FC236}">
-                  <a16:creationId xmlns:a16="http://schemas.microsoft.com/office/drawing/2014/main" id="{C42AE103-97D9-407D-BCE0-9FA4756612B5}"/>
-                </a:ext>
-                <a:ext uri="{C183D7F6-B498-43B3-948B-1728B52AA6E4}">
-                  <adec:decorative xmlns:adec="http://schemas.microsoft.com/office/drawing/2017/decorative" val="1"/>
-                </a:ext>
-              </a:extLst>
-            </p:cNvPr>
-            <p:cNvCxnSpPr>
-              <a:cxnSpLocks/>
-            </p:cNvCxnSpPr>
-            <p:nvPr>
-              <p:extLst>
-                <p:ext uri="{386F3935-93C4-4BCD-93E2-E3B085C9AB24}">
-                  <p16:designElem xmlns:p16="http://schemas.microsoft.com/office/powerpoint/2015/main" val="1"/>
-                </p:ext>
-              </p:extLst>
-            </p:nvPr>
-          </p:nvCxnSpPr>
-          <p:spPr>
-            <a:xfrm>
-              <a:off x="0" y="2343240"/>
-              <a:ext cx="12192000" cy="0"/>
-            </a:xfrm>
-            <a:prstGeom prst="line">
-              <a:avLst/>
-            </a:prstGeom>
-            <a:ln w="12700">
-              <a:solidFill>
-                <a:srgbClr val="BCBCBC">
-                  <a:alpha val="29804"/>
-                </a:srgbClr>
-              </a:solidFill>
-              <a:prstDash val="sysDot"/>
-            </a:ln>
-          </p:spPr>
-          <p:style>
-            <a:lnRef idx="1">
-              <a:schemeClr val="accent1"/>
-            </a:lnRef>
-            <a:fillRef idx="0">
-              <a:schemeClr val="accent1"/>
-            </a:fillRef>
-            <a:effectRef idx="0">
-              <a:schemeClr val="accent1"/>
-            </a:effectRef>
-            <a:fontRef idx="minor">
-              <a:schemeClr val="tx1"/>
-            </a:fontRef>
-          </p:style>
-        </p:cxnSp>
-        <p:cxnSp>
-          <p:nvCxnSpPr>
-            <p:cNvPr id="32" name="Straight Connector 31">
-              <a:extLst>
-                <a:ext uri="{FF2B5EF4-FFF2-40B4-BE49-F238E27FC236}">
-                  <a16:creationId xmlns:a16="http://schemas.microsoft.com/office/drawing/2014/main" id="{730AC9FC-9BF1-4F78-B0F9-4E024D0C6D74}"/>
-                </a:ext>
-                <a:ext uri="{C183D7F6-B498-43B3-948B-1728B52AA6E4}">
-                  <adec:decorative xmlns:adec="http://schemas.microsoft.com/office/drawing/2017/decorative" val="1"/>
-                </a:ext>
-              </a:extLst>
-            </p:cNvPr>
-            <p:cNvCxnSpPr>
-              <a:cxnSpLocks/>
-            </p:cNvCxnSpPr>
-            <p:nvPr>
-              <p:extLst>
-                <p:ext uri="{386F3935-93C4-4BCD-93E2-E3B085C9AB24}">
-                  <p16:designElem xmlns:p16="http://schemas.microsoft.com/office/powerpoint/2015/main" val="1"/>
-                </p:ext>
-              </p:extLst>
-            </p:nvPr>
-          </p:nvCxnSpPr>
-          <p:spPr>
-            <a:xfrm>
-              <a:off x="0" y="2886121"/>
-              <a:ext cx="12192000" cy="0"/>
-            </a:xfrm>
-            <a:prstGeom prst="line">
-              <a:avLst/>
-            </a:prstGeom>
-            <a:ln w="12700">
-              <a:solidFill>
-                <a:srgbClr val="BCBCBC">
-                  <a:alpha val="29804"/>
-                </a:srgbClr>
-              </a:solidFill>
-              <a:prstDash val="sysDot"/>
-            </a:ln>
-          </p:spPr>
-          <p:style>
-            <a:lnRef idx="1">
-              <a:schemeClr val="accent1"/>
-            </a:lnRef>
-            <a:fillRef idx="0">
-              <a:schemeClr val="accent1"/>
-            </a:fillRef>
-            <a:effectRef idx="0">
-              <a:schemeClr val="accent1"/>
-            </a:effectRef>
-            <a:fontRef idx="minor">
-              <a:schemeClr val="tx1"/>
-            </a:fontRef>
-          </p:style>
-        </p:cxnSp>
-        <p:cxnSp>
-          <p:nvCxnSpPr>
-            <p:cNvPr id="33" name="Straight Connector 32">
-              <a:extLst>
-                <a:ext uri="{FF2B5EF4-FFF2-40B4-BE49-F238E27FC236}">
-                  <a16:creationId xmlns:a16="http://schemas.microsoft.com/office/drawing/2014/main" id="{6C77E885-6F2C-4E94-88DF-7E6BEF98ACC4}"/>
-                </a:ext>
-                <a:ext uri="{C183D7F6-B498-43B3-948B-1728B52AA6E4}">
-                  <adec:decorative xmlns:adec="http://schemas.microsoft.com/office/drawing/2017/decorative" val="1"/>
-                </a:ext>
-              </a:extLst>
-            </p:cNvPr>
-            <p:cNvCxnSpPr>
-              <a:cxnSpLocks/>
-            </p:cNvCxnSpPr>
-            <p:nvPr>
-              <p:extLst>
-                <p:ext uri="{386F3935-93C4-4BCD-93E2-E3B085C9AB24}">
-                  <p16:designElem xmlns:p16="http://schemas.microsoft.com/office/powerpoint/2015/main" val="1"/>
-                </p:ext>
-              </p:extLst>
-            </p:nvPr>
-          </p:nvCxnSpPr>
-          <p:spPr>
-            <a:xfrm>
-              <a:off x="0" y="3429002"/>
-              <a:ext cx="12192000" cy="0"/>
-            </a:xfrm>
-            <a:prstGeom prst="line">
-              <a:avLst/>
-            </a:prstGeom>
-            <a:ln w="12700">
-              <a:solidFill>
-                <a:srgbClr val="BCBCBC">
-                  <a:alpha val="29804"/>
-                </a:srgbClr>
-              </a:solidFill>
-              <a:prstDash val="sysDot"/>
-            </a:ln>
-          </p:spPr>
-          <p:style>
-            <a:lnRef idx="1">
-              <a:schemeClr val="accent1"/>
-            </a:lnRef>
-            <a:fillRef idx="0">
-              <a:schemeClr val="accent1"/>
-            </a:fillRef>
-            <a:effectRef idx="0">
-              <a:schemeClr val="accent1"/>
-            </a:effectRef>
-            <a:fontRef idx="minor">
-              <a:schemeClr val="tx1"/>
-            </a:fontRef>
-          </p:style>
-        </p:cxnSp>
-        <p:cxnSp>
-          <p:nvCxnSpPr>
-            <p:cNvPr id="34" name="Straight Connector 33">
-              <a:extLst>
-                <a:ext uri="{FF2B5EF4-FFF2-40B4-BE49-F238E27FC236}">
-                  <a16:creationId xmlns:a16="http://schemas.microsoft.com/office/drawing/2014/main" id="{262840B5-21D6-4B05-802E-549F1A92A1FE}"/>
-                </a:ext>
-                <a:ext uri="{C183D7F6-B498-43B3-948B-1728B52AA6E4}">
-                  <adec:decorative xmlns:adec="http://schemas.microsoft.com/office/drawing/2017/decorative" val="1"/>
-                </a:ext>
-              </a:extLst>
-            </p:cNvPr>
-            <p:cNvCxnSpPr>
-              <a:cxnSpLocks/>
-            </p:cNvCxnSpPr>
-            <p:nvPr>
-              <p:extLst>
-                <p:ext uri="{386F3935-93C4-4BCD-93E2-E3B085C9AB24}">
-                  <p16:designElem xmlns:p16="http://schemas.microsoft.com/office/powerpoint/2015/main" val="1"/>
-                </p:ext>
-              </p:extLst>
-            </p:nvPr>
-          </p:nvCxnSpPr>
-          <p:spPr>
-            <a:xfrm>
-              <a:off x="0" y="3971883"/>
-              <a:ext cx="12192000" cy="0"/>
-            </a:xfrm>
-            <a:prstGeom prst="line">
-              <a:avLst/>
-            </a:prstGeom>
-            <a:ln w="12700">
-              <a:solidFill>
-                <a:srgbClr val="BCBCBC">
-                  <a:alpha val="29804"/>
-                </a:srgbClr>
-              </a:solidFill>
-              <a:prstDash val="sysDot"/>
-            </a:ln>
-          </p:spPr>
-          <p:style>
-            <a:lnRef idx="1">
-              <a:schemeClr val="accent1"/>
-            </a:lnRef>
-            <a:fillRef idx="0">
-              <a:schemeClr val="accent1"/>
-            </a:fillRef>
-            <a:effectRef idx="0">
-              <a:schemeClr val="accent1"/>
-            </a:effectRef>
-            <a:fontRef idx="minor">
-              <a:schemeClr val="tx1"/>
-            </a:fontRef>
-          </p:style>
-        </p:cxnSp>
-        <p:cxnSp>
-          <p:nvCxnSpPr>
-            <p:cNvPr id="35" name="Straight Connector 34">
-              <a:extLst>
-                <a:ext uri="{FF2B5EF4-FFF2-40B4-BE49-F238E27FC236}">
-                  <a16:creationId xmlns:a16="http://schemas.microsoft.com/office/drawing/2014/main" id="{3B21055F-E4D5-474F-B6C7-C44BC1244BF3}"/>
-                </a:ext>
-                <a:ext uri="{C183D7F6-B498-43B3-948B-1728B52AA6E4}">
-                  <adec:decorative xmlns:adec="http://schemas.microsoft.com/office/drawing/2017/decorative" val="1"/>
-                </a:ext>
-              </a:extLst>
-            </p:cNvPr>
-            <p:cNvCxnSpPr>
-              <a:cxnSpLocks/>
-            </p:cNvCxnSpPr>
-            <p:nvPr>
-              <p:extLst>
-                <p:ext uri="{386F3935-93C4-4BCD-93E2-E3B085C9AB24}">
-                  <p16:designElem xmlns:p16="http://schemas.microsoft.com/office/powerpoint/2015/main" val="1"/>
-                </p:ext>
-              </p:extLst>
-            </p:nvPr>
-          </p:nvCxnSpPr>
-          <p:spPr>
-            <a:xfrm>
-              <a:off x="0" y="4514764"/>
-              <a:ext cx="12192000" cy="0"/>
-            </a:xfrm>
-            <a:prstGeom prst="line">
-              <a:avLst/>
-            </a:prstGeom>
-            <a:ln w="12700">
-              <a:solidFill>
-                <a:srgbClr val="BCBCBC">
-                  <a:alpha val="29804"/>
-                </a:srgbClr>
-              </a:solidFill>
-              <a:prstDash val="sysDot"/>
-            </a:ln>
-          </p:spPr>
-          <p:style>
-            <a:lnRef idx="1">
-              <a:schemeClr val="accent1"/>
-            </a:lnRef>
-            <a:fillRef idx="0">
-              <a:schemeClr val="accent1"/>
-            </a:fillRef>
-            <a:effectRef idx="0">
-              <a:schemeClr val="accent1"/>
-            </a:effectRef>
-            <a:fontRef idx="minor">
-              <a:schemeClr val="tx1"/>
-            </a:fontRef>
-          </p:style>
-        </p:cxnSp>
-        <p:cxnSp>
-          <p:nvCxnSpPr>
-            <p:cNvPr id="36" name="Straight Connector 35">
-              <a:extLst>
-                <a:ext uri="{FF2B5EF4-FFF2-40B4-BE49-F238E27FC236}">
-                  <a16:creationId xmlns:a16="http://schemas.microsoft.com/office/drawing/2014/main" id="{8C49B031-FD8F-422C-AA54-9FB482600854}"/>
-                </a:ext>
-                <a:ext uri="{C183D7F6-B498-43B3-948B-1728B52AA6E4}">
-                  <adec:decorative xmlns:adec="http://schemas.microsoft.com/office/drawing/2017/decorative" val="1"/>
-                </a:ext>
-              </a:extLst>
-            </p:cNvPr>
-            <p:cNvCxnSpPr>
-              <a:cxnSpLocks/>
-            </p:cNvCxnSpPr>
-            <p:nvPr>
-              <p:extLst>
-                <p:ext uri="{386F3935-93C4-4BCD-93E2-E3B085C9AB24}">
-                  <p16:designElem xmlns:p16="http://schemas.microsoft.com/office/powerpoint/2015/main" val="1"/>
-                </p:ext>
-              </p:extLst>
-            </p:nvPr>
-          </p:nvCxnSpPr>
-          <p:spPr>
-            <a:xfrm>
-              <a:off x="0" y="5057645"/>
-              <a:ext cx="12192000" cy="0"/>
-            </a:xfrm>
-            <a:prstGeom prst="line">
-              <a:avLst/>
-            </a:prstGeom>
-            <a:ln w="12700">
-              <a:solidFill>
-                <a:srgbClr val="BCBCBC">
-                  <a:alpha val="29804"/>
-                </a:srgbClr>
-              </a:solidFill>
-              <a:prstDash val="sysDot"/>
-            </a:ln>
-          </p:spPr>
-          <p:style>
-            <a:lnRef idx="1">
-              <a:schemeClr val="accent1"/>
-            </a:lnRef>
-            <a:fillRef idx="0">
-              <a:schemeClr val="accent1"/>
-            </a:fillRef>
-            <a:effectRef idx="0">
-              <a:schemeClr val="accent1"/>
-            </a:effectRef>
-            <a:fontRef idx="minor">
-              <a:schemeClr val="tx1"/>
-            </a:fontRef>
-          </p:style>
-        </p:cxnSp>
-        <p:cxnSp>
-          <p:nvCxnSpPr>
-            <p:cNvPr id="37" name="Straight Connector 36">
-              <a:extLst>
-                <a:ext uri="{FF2B5EF4-FFF2-40B4-BE49-F238E27FC236}">
-                  <a16:creationId xmlns:a16="http://schemas.microsoft.com/office/drawing/2014/main" id="{FAF843B0-2A4F-4989-8B91-BDB7FECE7549}"/>
-                </a:ext>
-                <a:ext uri="{C183D7F6-B498-43B3-948B-1728B52AA6E4}">
-                  <adec:decorative xmlns:adec="http://schemas.microsoft.com/office/drawing/2017/decorative" val="1"/>
-                </a:ext>
-              </a:extLst>
-            </p:cNvPr>
-            <p:cNvCxnSpPr>
-              <a:cxnSpLocks/>
-            </p:cNvCxnSpPr>
-            <p:nvPr>
-              <p:extLst>
-                <p:ext uri="{386F3935-93C4-4BCD-93E2-E3B085C9AB24}">
-                  <p16:designElem xmlns:p16="http://schemas.microsoft.com/office/powerpoint/2015/main" val="1"/>
-                </p:ext>
-              </p:extLst>
-            </p:nvPr>
-          </p:nvCxnSpPr>
-          <p:spPr>
-            <a:xfrm>
-              <a:off x="0" y="5600526"/>
-              <a:ext cx="12192000" cy="0"/>
-            </a:xfrm>
-            <a:prstGeom prst="line">
-              <a:avLst/>
-            </a:prstGeom>
-            <a:ln w="12700">
-              <a:solidFill>
-                <a:srgbClr val="BCBCBC">
-                  <a:alpha val="29804"/>
-                </a:srgbClr>
-              </a:solidFill>
-              <a:prstDash val="sysDot"/>
-            </a:ln>
-          </p:spPr>
-          <p:style>
-            <a:lnRef idx="1">
-              <a:schemeClr val="accent1"/>
-            </a:lnRef>
-            <a:fillRef idx="0">
-              <a:schemeClr val="accent1"/>
-            </a:fillRef>
-            <a:effectRef idx="0">
-              <a:schemeClr val="accent1"/>
-            </a:effectRef>
-            <a:fontRef idx="minor">
-              <a:schemeClr val="tx1"/>
-            </a:fontRef>
-          </p:style>
-        </p:cxnSp>
-        <p:cxnSp>
-          <p:nvCxnSpPr>
-            <p:cNvPr id="38" name="Straight Connector 37">
-              <a:extLst>
-                <a:ext uri="{FF2B5EF4-FFF2-40B4-BE49-F238E27FC236}">
-                  <a16:creationId xmlns:a16="http://schemas.microsoft.com/office/drawing/2014/main" id="{90BC5B75-FAF9-427D-BD65-D37C1BF973D2}"/>
-                </a:ext>
-                <a:ext uri="{C183D7F6-B498-43B3-948B-1728B52AA6E4}">
-                  <adec:decorative xmlns:adec="http://schemas.microsoft.com/office/drawing/2017/decorative" val="1"/>
-                </a:ext>
-              </a:extLst>
-            </p:cNvPr>
-            <p:cNvCxnSpPr>
-              <a:cxnSpLocks/>
-            </p:cNvCxnSpPr>
-            <p:nvPr>
-              <p:extLst>
-                <p:ext uri="{386F3935-93C4-4BCD-93E2-E3B085C9AB24}">
-                  <p16:designElem xmlns:p16="http://schemas.microsoft.com/office/powerpoint/2015/main" val="1"/>
-                </p:ext>
-              </p:extLst>
-            </p:nvPr>
-          </p:nvCxnSpPr>
-          <p:spPr>
-            <a:xfrm>
-              <a:off x="0" y="6857999"/>
-              <a:ext cx="12192000" cy="0"/>
-            </a:xfrm>
-            <a:prstGeom prst="line">
-              <a:avLst/>
-            </a:prstGeom>
-            <a:ln w="12700">
-              <a:solidFill>
-                <a:srgbClr val="BCBCBC">
-                  <a:alpha val="29804"/>
-                </a:srgbClr>
-              </a:solidFill>
-              <a:prstDash val="sysDot"/>
-            </a:ln>
-          </p:spPr>
-          <p:style>
-            <a:lnRef idx="1">
-              <a:schemeClr val="accent1"/>
-            </a:lnRef>
-            <a:fillRef idx="0">
-              <a:schemeClr val="accent1"/>
-            </a:fillRef>
-            <a:effectRef idx="0">
-              <a:schemeClr val="accent1"/>
-            </a:effectRef>
-            <a:fontRef idx="minor">
-              <a:schemeClr val="tx1"/>
-            </a:fontRef>
-          </p:style>
-        </p:cxnSp>
-        <p:cxnSp>
-          <p:nvCxnSpPr>
-            <p:cNvPr id="39" name="Straight Connector 38">
-              <a:extLst>
-                <a:ext uri="{FF2B5EF4-FFF2-40B4-BE49-F238E27FC236}">
-                  <a16:creationId xmlns:a16="http://schemas.microsoft.com/office/drawing/2014/main" id="{B0BFA052-2C6E-4F70-BF95-50DAC0649E14}"/>
-                </a:ext>
-                <a:ext uri="{C183D7F6-B498-43B3-948B-1728B52AA6E4}">
-                  <adec:decorative xmlns:adec="http://schemas.microsoft.com/office/drawing/2017/decorative" val="1"/>
-                </a:ext>
-              </a:extLst>
-            </p:cNvPr>
-            <p:cNvCxnSpPr>
-              <a:cxnSpLocks/>
-            </p:cNvCxnSpPr>
-            <p:nvPr>
-              <p:extLst>
-                <p:ext uri="{386F3935-93C4-4BCD-93E2-E3B085C9AB24}">
-                  <p16:designElem xmlns:p16="http://schemas.microsoft.com/office/powerpoint/2015/main" val="1"/>
-                </p:ext>
-              </p:extLst>
-            </p:nvPr>
-          </p:nvCxnSpPr>
-          <p:spPr>
-            <a:xfrm>
-              <a:off x="16613" y="6143407"/>
-              <a:ext cx="12192000" cy="0"/>
-            </a:xfrm>
-            <a:prstGeom prst="line">
-              <a:avLst/>
-            </a:prstGeom>
-            <a:ln w="12700">
-              <a:solidFill>
-                <a:srgbClr val="BCBCBC">
-                  <a:alpha val="29804"/>
-                </a:srgbClr>
-              </a:solidFill>
-              <a:prstDash val="sysDot"/>
-            </a:ln>
-          </p:spPr>
-          <p:style>
-            <a:lnRef idx="1">
-              <a:schemeClr val="accent1"/>
-            </a:lnRef>
-            <a:fillRef idx="0">
-              <a:schemeClr val="accent1"/>
-            </a:fillRef>
-            <a:effectRef idx="0">
-              <a:schemeClr val="accent1"/>
-            </a:effectRef>
-            <a:fontRef idx="minor">
-              <a:schemeClr val="tx1"/>
-            </a:fontRef>
-          </p:style>
-        </p:cxnSp>
-        <p:cxnSp>
-          <p:nvCxnSpPr>
-            <p:cNvPr id="40" name="Straight Connector 39">
-              <a:extLst>
-                <a:ext uri="{FF2B5EF4-FFF2-40B4-BE49-F238E27FC236}">
-                  <a16:creationId xmlns:a16="http://schemas.microsoft.com/office/drawing/2014/main" id="{CDD7C7F8-6562-470D-B38E-21F56B2AB21F}"/>
-                </a:ext>
-                <a:ext uri="{C183D7F6-B498-43B3-948B-1728B52AA6E4}">
-                  <adec:decorative xmlns:adec="http://schemas.microsoft.com/office/drawing/2017/decorative" val="1"/>
-                </a:ext>
-              </a:extLst>
-            </p:cNvPr>
-            <p:cNvCxnSpPr>
-              <a:cxnSpLocks/>
-            </p:cNvCxnSpPr>
-            <p:nvPr>
-              <p:extLst>
-                <p:ext uri="{386F3935-93C4-4BCD-93E2-E3B085C9AB24}">
-                  <p16:designElem xmlns:p16="http://schemas.microsoft.com/office/powerpoint/2015/main" val="1"/>
-                </p:ext>
-              </p:extLst>
-            </p:nvPr>
-          </p:nvCxnSpPr>
-          <p:spPr>
-            <a:xfrm>
-              <a:off x="684225" y="171716"/>
-              <a:ext cx="0" cy="6511464"/>
-            </a:xfrm>
-            <a:prstGeom prst="line">
-              <a:avLst/>
-            </a:prstGeom>
-            <a:ln w="12700">
-              <a:solidFill>
-                <a:srgbClr val="BCBCBC">
-                  <a:alpha val="29804"/>
-                </a:srgbClr>
-              </a:solidFill>
-              <a:prstDash val="sysDot"/>
-            </a:ln>
-          </p:spPr>
-          <p:style>
-            <a:lnRef idx="1">
-              <a:schemeClr val="accent1"/>
-            </a:lnRef>
-            <a:fillRef idx="0">
-              <a:schemeClr val="accent1"/>
-            </a:fillRef>
-            <a:effectRef idx="0">
-              <a:schemeClr val="accent1"/>
-            </a:effectRef>
-            <a:fontRef idx="minor">
-              <a:schemeClr val="tx1"/>
-            </a:fontRef>
-          </p:style>
-        </p:cxnSp>
-        <p:cxnSp>
-          <p:nvCxnSpPr>
-            <p:cNvPr id="41" name="Straight Connector 40">
-              <a:extLst>
-                <a:ext uri="{FF2B5EF4-FFF2-40B4-BE49-F238E27FC236}">
-                  <a16:creationId xmlns:a16="http://schemas.microsoft.com/office/drawing/2014/main" id="{06C7B2A1-F80D-4F4A-88E1-5FFB02B703B7}"/>
-                </a:ext>
-                <a:ext uri="{C183D7F6-B498-43B3-948B-1728B52AA6E4}">
-                  <adec:decorative xmlns:adec="http://schemas.microsoft.com/office/drawing/2017/decorative" val="1"/>
-                </a:ext>
-              </a:extLst>
-            </p:cNvPr>
-            <p:cNvCxnSpPr>
-              <a:cxnSpLocks/>
-            </p:cNvCxnSpPr>
-            <p:nvPr>
-              <p:extLst>
-                <p:ext uri="{386F3935-93C4-4BCD-93E2-E3B085C9AB24}">
-                  <p16:designElem xmlns:p16="http://schemas.microsoft.com/office/powerpoint/2015/main" val="1"/>
-                </p:ext>
-              </p:extLst>
-            </p:nvPr>
-          </p:nvCxnSpPr>
-          <p:spPr>
-            <a:xfrm>
-              <a:off x="11508412" y="173267"/>
-              <a:ext cx="0" cy="6511464"/>
-            </a:xfrm>
-            <a:prstGeom prst="line">
-              <a:avLst/>
-            </a:prstGeom>
-            <a:ln w="12700">
-              <a:solidFill>
-                <a:srgbClr val="BCBCBC">
-                  <a:alpha val="29804"/>
-                </a:srgbClr>
-              </a:solidFill>
-              <a:prstDash val="sysDot"/>
-            </a:ln>
-          </p:spPr>
-          <p:style>
-            <a:lnRef idx="1">
-              <a:schemeClr val="accent1"/>
-            </a:lnRef>
-            <a:fillRef idx="0">
-              <a:schemeClr val="accent1"/>
-            </a:fillRef>
-            <a:effectRef idx="0">
-              <a:schemeClr val="accent1"/>
-            </a:effectRef>
-            <a:fontRef idx="minor">
-              <a:schemeClr val="tx1"/>
-            </a:fontRef>
-          </p:style>
-        </p:cxnSp>
-      </p:grpSp>
       <p:sp>
         <p:nvSpPr>
           <p:cNvPr id="2" name="Title 1">
             <a:extLst>
               <a:ext uri="{FF2B5EF4-FFF2-40B4-BE49-F238E27FC236}">
-                <a16:creationId xmlns:a16="http://schemas.microsoft.com/office/drawing/2014/main" id="{7DA2BC44-699A-0D63-5533-204DF6C372D0}"/>
+                <a16:creationId xmlns:a16="http://schemas.microsoft.com/office/drawing/2014/main" id="{0D0D7F21-F54B-BD3E-1E3F-A214BF60A0F3}"/>
               </a:ext>
             </a:extLst>
           </p:cNvPr>
@@ -40488,392 +40924,74 @@
         </p:nvSpPr>
         <p:spPr>
           <a:xfrm>
-            <a:off x="691079" y="725952"/>
-            <a:ext cx="10325000" cy="1387118"/>
+            <a:off x="619432" y="231059"/>
+            <a:ext cx="10325000" cy="1442463"/>
           </a:xfrm>
         </p:spPr>
         <p:txBody>
-          <a:bodyPr>
-            <a:normAutofit/>
-          </a:bodyPr>
+          <a:bodyPr/>
           <a:lstStyle/>
           <a:p>
             <a:r>
-              <a:rPr lang="en-US" dirty="0"/>
-              <a:t>References</a:t>
+              <a:rPr lang="en-IN" dirty="0"/>
+              <a:t>Results and Simulations</a:t>
             </a:r>
           </a:p>
         </p:txBody>
       </p:sp>
-      <p:sp>
-        <p:nvSpPr>
-          <p:cNvPr id="43" name="Right Triangle 42">
+      <p:pic>
+        <p:nvPicPr>
+          <p:cNvPr id="1026" name="Picture 2">
             <a:extLst>
               <a:ext uri="{FF2B5EF4-FFF2-40B4-BE49-F238E27FC236}">
-                <a16:creationId xmlns:a16="http://schemas.microsoft.com/office/drawing/2014/main" id="{9AA2BC59-928B-43C3-B9E7-D77D4F3EE7EA}"/>
-              </a:ext>
-              <a:ext uri="{C183D7F6-B498-43B3-948B-1728B52AA6E4}">
-                <adec:decorative xmlns:adec="http://schemas.microsoft.com/office/drawing/2017/decorative" val="1"/>
+                <a16:creationId xmlns:a16="http://schemas.microsoft.com/office/drawing/2014/main" id="{48F71498-30A3-6235-9D2A-D15BFC7A8367}"/>
               </a:ext>
             </a:extLst>
           </p:cNvPr>
-          <p:cNvSpPr>
-            <a:spLocks noGrp="1" noRot="1" noChangeAspect="1" noMove="1" noResize="1" noEditPoints="1" noAdjustHandles="1" noChangeArrowheads="1" noChangeShapeType="1" noTextEdit="1"/>
-          </p:cNvSpPr>
-          <p:nvPr>
-            <p:extLst>
-              <p:ext uri="{386F3935-93C4-4BCD-93E2-E3B085C9AB24}">
-                <p16:designElem xmlns:p16="http://schemas.microsoft.com/office/powerpoint/2015/main" val="1"/>
-              </p:ext>
-            </p:extLst>
-          </p:nvPr>
-        </p:nvSpPr>
-        <p:spPr>
-          <a:xfrm rot="13500000">
-            <a:off x="-295947" y="1516209"/>
-            <a:ext cx="568289" cy="568289"/>
-          </a:xfrm>
-          <a:prstGeom prst="rtTriangle">
-            <a:avLst/>
-          </a:prstGeom>
-          <a:solidFill>
-            <a:schemeClr val="accent1">
-              <a:alpha val="50000"/>
-            </a:schemeClr>
-          </a:solidFill>
-          <a:ln>
-            <a:noFill/>
-          </a:ln>
-        </p:spPr>
-        <p:style>
-          <a:lnRef idx="2">
-            <a:schemeClr val="accent1">
-              <a:shade val="50000"/>
-            </a:schemeClr>
-          </a:lnRef>
-          <a:fillRef idx="1">
-            <a:schemeClr val="accent1"/>
-          </a:fillRef>
-          <a:effectRef idx="0">
-            <a:schemeClr val="accent1"/>
-          </a:effectRef>
-          <a:fontRef idx="minor">
-            <a:schemeClr val="lt1"/>
-          </a:fontRef>
-        </p:style>
-        <p:txBody>
-          <a:bodyPr rtlCol="0" anchor="ctr"/>
-          <a:lstStyle/>
-          <a:p>
-            <a:pPr marL="0" marR="0" lvl="0" indent="0" algn="ctr" defTabSz="914400" rtl="0" eaLnBrk="1" fontAlgn="auto" latinLnBrk="0" hangingPunct="1">
-              <a:lnSpc>
-                <a:spcPct val="100000"/>
-              </a:lnSpc>
-              <a:spcBef>
-                <a:spcPts val="0"/>
-              </a:spcBef>
-              <a:spcAft>
-                <a:spcPts val="0"/>
-              </a:spcAft>
-              <a:buClrTx/>
-              <a:buSzTx/>
-              <a:buFontTx/>
-              <a:buNone/>
-              <a:tabLst/>
-              <a:defRPr/>
-            </a:pPr>
-            <a:endParaRPr kumimoji="0" lang="en-US" sz="1800" b="0" i="0" u="none" strike="noStrike" kern="1200" cap="none" spc="0" normalizeH="0" baseline="0" noProof="0">
-              <a:ln>
-                <a:noFill/>
-              </a:ln>
-              <a:solidFill>
-                <a:srgbClr val="000000"/>
-              </a:solidFill>
-              <a:effectLst/>
-              <a:uLnTx/>
-              <a:uFillTx/>
-              <a:latin typeface="Grandview"/>
-              <a:ea typeface="+mn-ea"/>
-              <a:cs typeface="+mn-cs"/>
-            </a:endParaRPr>
-          </a:p>
-        </p:txBody>
-      </p:sp>
-      <p:sp>
-        <p:nvSpPr>
-          <p:cNvPr id="3" name="Content Placeholder 2">
-            <a:extLst>
-              <a:ext uri="{FF2B5EF4-FFF2-40B4-BE49-F238E27FC236}">
-                <a16:creationId xmlns:a16="http://schemas.microsoft.com/office/drawing/2014/main" id="{65DD0712-6887-61FF-2CB0-A8C8EBFC4DAD}"/>
-              </a:ext>
-            </a:extLst>
-          </p:cNvPr>
-          <p:cNvSpPr>
-            <a:spLocks noGrp="1"/>
-          </p:cNvSpPr>
+          <p:cNvPicPr>
+            <a:picLocks noGrp="1" noChangeAspect="1" noChangeArrowheads="1"/>
+          </p:cNvPicPr>
           <p:nvPr>
             <p:ph idx="1"/>
           </p:nvPr>
-        </p:nvSpPr>
-        <p:spPr>
+        </p:nvPicPr>
+        <p:blipFill>
+          <a:blip r:embed="rId2">
+            <a:extLst>
+              <a:ext uri="{28A0092B-C50C-407E-A947-70E740481C1C}">
+                <a14:useLocalDpi xmlns:a14="http://schemas.microsoft.com/office/drawing/2010/main" val="0"/>
+              </a:ext>
+            </a:extLst>
+          </a:blip>
+          <a:srcRect/>
+          <a:stretch>
+            <a:fillRect/>
+          </a:stretch>
+        </p:blipFill>
+        <p:spPr bwMode="auto">
           <a:xfrm>
-            <a:off x="1202548" y="2340129"/>
-            <a:ext cx="8817702" cy="3836833"/>
+            <a:off x="619432" y="1946788"/>
+            <a:ext cx="7718323" cy="4680154"/>
           </a:xfrm>
+          <a:prstGeom prst="rect">
+            <a:avLst/>
+          </a:prstGeom>
+          <a:noFill/>
+          <a:extLst>
+            <a:ext uri="{909E8E84-426E-40DD-AFC4-6F175D3DCCD1}">
+              <a14:hiddenFill xmlns:a14="http://schemas.microsoft.com/office/drawing/2010/main">
+                <a:solidFill>
+                  <a:srgbClr val="FFFFFF"/>
+                </a:solidFill>
+              </a14:hiddenFill>
+            </a:ext>
+          </a:extLst>
         </p:spPr>
-        <p:txBody>
-          <a:bodyPr>
-            <a:normAutofit/>
-          </a:bodyPr>
-          <a:lstStyle/>
-          <a:p>
-            <a:pPr marL="342900" marR="0" lvl="0" indent="-342900">
-              <a:lnSpc>
-                <a:spcPct val="100000"/>
-              </a:lnSpc>
-              <a:spcBef>
-                <a:spcPts val="0"/>
-              </a:spcBef>
-              <a:spcAft>
-                <a:spcPts val="0"/>
-              </a:spcAft>
-              <a:buFont typeface="+mj-lt"/>
-              <a:buAutoNum type="arabicPeriod"/>
-              <a:tabLst>
-                <a:tab pos="228600" algn="l"/>
-              </a:tabLst>
-            </a:pPr>
-            <a:r>
-              <a:rPr lang="en-US" sz="1600" dirty="0">
-                <a:effectLst/>
-                <a:latin typeface="Times New Roman" panose="02020603050405020304" pitchFamily="18" charset="0"/>
-                <a:ea typeface="Times New Roman" panose="02020603050405020304" pitchFamily="18" charset="0"/>
-              </a:rPr>
-              <a:t>Firoz, N., </a:t>
-            </a:r>
-            <a:r>
-              <a:rPr lang="en-US" sz="1600" dirty="0" err="1">
-                <a:effectLst/>
-                <a:latin typeface="Times New Roman" panose="02020603050405020304" pitchFamily="18" charset="0"/>
-                <a:ea typeface="Times New Roman" panose="02020603050405020304" pitchFamily="18" charset="0"/>
-              </a:rPr>
-              <a:t>Naskar</a:t>
-            </a:r>
-            <a:r>
-              <a:rPr lang="en-US" sz="1600" dirty="0">
-                <a:effectLst/>
-                <a:latin typeface="Times New Roman" panose="02020603050405020304" pitchFamily="18" charset="0"/>
-                <a:ea typeface="Times New Roman" panose="02020603050405020304" pitchFamily="18" charset="0"/>
-              </a:rPr>
-              <a:t>, R., Bandyopadhyay, S. and </a:t>
-            </a:r>
-            <a:r>
-              <a:rPr lang="en-US" sz="1600" dirty="0" err="1">
-                <a:effectLst/>
-                <a:latin typeface="Times New Roman" panose="02020603050405020304" pitchFamily="18" charset="0"/>
-                <a:ea typeface="Times New Roman" panose="02020603050405020304" pitchFamily="18" charset="0"/>
-              </a:rPr>
-              <a:t>Konar</a:t>
-            </a:r>
-            <a:r>
-              <a:rPr lang="en-US" sz="1600" dirty="0">
-                <a:effectLst/>
-                <a:latin typeface="Times New Roman" panose="02020603050405020304" pitchFamily="18" charset="0"/>
-                <a:ea typeface="Times New Roman" panose="02020603050405020304" pitchFamily="18" charset="0"/>
-              </a:rPr>
-              <a:t>, A. (2020). A Comparative Analysis of Machine Learning Models for Mobile Price Classification. In Proceedings of 3rd International Conference on Computing, Communication and Security (pp. 118-123). Springer.</a:t>
-            </a:r>
-          </a:p>
-          <a:p>
-            <a:pPr marL="342900" marR="0" lvl="0" indent="-342900">
-              <a:lnSpc>
-                <a:spcPct val="100000"/>
-              </a:lnSpc>
-              <a:spcBef>
-                <a:spcPts val="0"/>
-              </a:spcBef>
-              <a:spcAft>
-                <a:spcPts val="0"/>
-              </a:spcAft>
-              <a:buFont typeface="+mj-lt"/>
-              <a:buAutoNum type="arabicPeriod"/>
-              <a:tabLst>
-                <a:tab pos="228600" algn="l"/>
-              </a:tabLst>
-            </a:pPr>
-            <a:r>
-              <a:rPr lang="en-US" sz="1600" dirty="0">
-                <a:effectLst/>
-                <a:latin typeface="Times New Roman" panose="02020603050405020304" pitchFamily="18" charset="0"/>
-                <a:ea typeface="Times New Roman" panose="02020603050405020304" pitchFamily="18" charset="0"/>
-              </a:rPr>
-              <a:t>Bhattacharjee, R., Rahman, T., Chowdhury, F., Islam, S.M.A. and Kumar </a:t>
-            </a:r>
-            <a:r>
-              <a:rPr lang="en-US" sz="1600" dirty="0" err="1">
-                <a:effectLst/>
-                <a:latin typeface="Times New Roman" panose="02020603050405020304" pitchFamily="18" charset="0"/>
-                <a:ea typeface="Times New Roman" panose="02020603050405020304" pitchFamily="18" charset="0"/>
-              </a:rPr>
-              <a:t>Sarker</a:t>
-            </a:r>
-            <a:r>
-              <a:rPr lang="en-US" sz="1600" dirty="0">
-                <a:effectLst/>
-                <a:latin typeface="Times New Roman" panose="02020603050405020304" pitchFamily="18" charset="0"/>
-                <a:ea typeface="Times New Roman" panose="02020603050405020304" pitchFamily="18" charset="0"/>
-              </a:rPr>
-              <a:t>, M. (2020). A Comparative Analysis of Machine Learning Techniques for Mobile Price Classification. In Proceedings of the 9th International Conference on Computing and Informatics (pp. 251-257). ACM.</a:t>
-            </a:r>
-          </a:p>
-          <a:p>
-            <a:pPr marL="342900" marR="0" lvl="0" indent="-342900">
-              <a:lnSpc>
-                <a:spcPct val="100000"/>
-              </a:lnSpc>
-              <a:spcBef>
-                <a:spcPts val="0"/>
-              </a:spcBef>
-              <a:spcAft>
-                <a:spcPts val="0"/>
-              </a:spcAft>
-              <a:buFont typeface="+mj-lt"/>
-              <a:buAutoNum type="arabicPeriod"/>
-              <a:tabLst>
-                <a:tab pos="228600" algn="l"/>
-              </a:tabLst>
-            </a:pPr>
-            <a:r>
-              <a:rPr lang="en-US" sz="1600" dirty="0">
-                <a:effectLst/>
-                <a:latin typeface="Times New Roman" panose="02020603050405020304" pitchFamily="18" charset="0"/>
-                <a:ea typeface="Times New Roman" panose="02020603050405020304" pitchFamily="18" charset="0"/>
-              </a:rPr>
-              <a:t>Rahman, M.A., Hasan, M.T., </a:t>
-            </a:r>
-            <a:r>
-              <a:rPr lang="en-US" sz="1600" dirty="0" err="1">
-                <a:effectLst/>
-                <a:latin typeface="Times New Roman" panose="02020603050405020304" pitchFamily="18" charset="0"/>
-                <a:ea typeface="Times New Roman" panose="02020603050405020304" pitchFamily="18" charset="0"/>
-              </a:rPr>
-              <a:t>Arefin</a:t>
-            </a:r>
-            <a:r>
-              <a:rPr lang="en-US" sz="1600" dirty="0">
-                <a:effectLst/>
-                <a:latin typeface="Times New Roman" panose="02020603050405020304" pitchFamily="18" charset="0"/>
-                <a:ea typeface="Times New Roman" panose="02020603050405020304" pitchFamily="18" charset="0"/>
-              </a:rPr>
-              <a:t>, A.S.M. and Molla, K.A. (2020). A Comparative Study of Machine Learning Techniques for Mobile Price Classification. In 2020 International Conference on Robotics, Electrical and Signal Processing Techniques (ICREST) (pp. 8-13). IEEE.</a:t>
-            </a:r>
-          </a:p>
-          <a:p>
-            <a:pPr marL="342900" marR="0" lvl="0" indent="-342900">
-              <a:lnSpc>
-                <a:spcPct val="100000"/>
-              </a:lnSpc>
-              <a:spcBef>
-                <a:spcPts val="0"/>
-              </a:spcBef>
-              <a:spcAft>
-                <a:spcPts val="0"/>
-              </a:spcAft>
-              <a:buFont typeface="+mj-lt"/>
-              <a:buAutoNum type="arabicPeriod"/>
-              <a:tabLst>
-                <a:tab pos="228600" algn="l"/>
-              </a:tabLst>
-            </a:pPr>
-            <a:r>
-              <a:rPr lang="en-US" sz="1600" dirty="0">
-                <a:effectLst/>
-                <a:latin typeface="Times New Roman" panose="02020603050405020304" pitchFamily="18" charset="0"/>
-                <a:ea typeface="Times New Roman" panose="02020603050405020304" pitchFamily="18" charset="0"/>
-              </a:rPr>
-              <a:t>Hossain, M., Hoque, M.A., Roy, N. and Amin, M.A. (2020). Mobile Price Classification Using Machine Learning Techniques. In Proceedings of the 8th International Conference on Electrical Engineering and Information &amp; Communication Technology (ICEEICT) (pp. 1-6). IEEE.</a:t>
-            </a:r>
-          </a:p>
-          <a:p>
-            <a:pPr marL="342900" marR="0" lvl="0" indent="-342900">
-              <a:lnSpc>
-                <a:spcPct val="100000"/>
-              </a:lnSpc>
-              <a:spcBef>
-                <a:spcPts val="0"/>
-              </a:spcBef>
-              <a:spcAft>
-                <a:spcPts val="0"/>
-              </a:spcAft>
-              <a:buFont typeface="+mj-lt"/>
-              <a:buAutoNum type="arabicPeriod"/>
-              <a:tabLst>
-                <a:tab pos="228600" algn="l"/>
-              </a:tabLst>
-            </a:pPr>
-            <a:r>
-              <a:rPr lang="en-US" sz="1600" dirty="0" err="1">
-                <a:effectLst/>
-                <a:latin typeface="Times New Roman" panose="02020603050405020304" pitchFamily="18" charset="0"/>
-                <a:ea typeface="Times New Roman" panose="02020603050405020304" pitchFamily="18" charset="0"/>
-              </a:rPr>
-              <a:t>Sarker</a:t>
-            </a:r>
-            <a:r>
-              <a:rPr lang="en-US" sz="1600" dirty="0">
-                <a:effectLst/>
-                <a:latin typeface="Times New Roman" panose="02020603050405020304" pitchFamily="18" charset="0"/>
-                <a:ea typeface="Times New Roman" panose="02020603050405020304" pitchFamily="18" charset="0"/>
-              </a:rPr>
-              <a:t>, M.I., </a:t>
-            </a:r>
-            <a:r>
-              <a:rPr lang="en-US" sz="1600" dirty="0" err="1">
-                <a:effectLst/>
-                <a:latin typeface="Times New Roman" panose="02020603050405020304" pitchFamily="18" charset="0"/>
-                <a:ea typeface="Times New Roman" panose="02020603050405020304" pitchFamily="18" charset="0"/>
-              </a:rPr>
-              <a:t>Akter</a:t>
-            </a:r>
-            <a:r>
-              <a:rPr lang="en-US" sz="1600" dirty="0">
-                <a:effectLst/>
-                <a:latin typeface="Times New Roman" panose="02020603050405020304" pitchFamily="18" charset="0"/>
-                <a:ea typeface="Times New Roman" panose="02020603050405020304" pitchFamily="18" charset="0"/>
-              </a:rPr>
-              <a:t>, S., Khan, M.I. and </a:t>
-            </a:r>
-            <a:r>
-              <a:rPr lang="en-US" sz="1600" dirty="0" err="1">
-                <a:effectLst/>
-                <a:latin typeface="Times New Roman" panose="02020603050405020304" pitchFamily="18" charset="0"/>
-                <a:ea typeface="Times New Roman" panose="02020603050405020304" pitchFamily="18" charset="0"/>
-              </a:rPr>
-              <a:t>Mollah</a:t>
-            </a:r>
-            <a:r>
-              <a:rPr lang="en-US" sz="1600" dirty="0">
-                <a:effectLst/>
-                <a:latin typeface="Times New Roman" panose="02020603050405020304" pitchFamily="18" charset="0"/>
-                <a:ea typeface="Times New Roman" panose="02020603050405020304" pitchFamily="18" charset="0"/>
-              </a:rPr>
-              <a:t>, M.B.I. (2020). A Comparative Study of Machine Learning Techniques for Mobile Price Classification. In 2020 International Conference on Computer and Information Sciences (ICCIS) (pp. 1-6). IEEE.</a:t>
-            </a:r>
-          </a:p>
-          <a:p>
-            <a:pPr>
-              <a:lnSpc>
-                <a:spcPct val="100000"/>
-              </a:lnSpc>
-            </a:pPr>
-            <a:endParaRPr lang="en-US" sz="1600" dirty="0"/>
-          </a:p>
-        </p:txBody>
-      </p:sp>
+      </p:pic>
     </p:spTree>
     <p:extLst>
       <p:ext uri="{BB962C8B-B14F-4D97-AF65-F5344CB8AC3E}">
-        <p14:creationId xmlns:p14="http://schemas.microsoft.com/office/powerpoint/2010/main" val="196695217"/>
+        <p14:creationId xmlns:p14="http://schemas.microsoft.com/office/powerpoint/2010/main" val="3687767097"/>
       </p:ext>
     </p:extLst>
   </p:cSld>
